--- a/ACM_layout_ppt.pptx
+++ b/ACM_layout_ppt.pptx
@@ -1,11 +1,13 @@
 
 <file path=ppt/presentation.xml><?xml version="1.0" encoding="utf-8"?>
-<p:presentation xmlns:a="http://schemas.openxmlformats.org/drawingml/2006/main" xmlns:r="http://schemas.openxmlformats.org/officeDocument/2006/relationships" xmlns:p="http://schemas.openxmlformats.org/presentationml/2006/main" saveSubsetFonts="1">
+<p:presentation xmlns:a="http://schemas.openxmlformats.org/drawingml/2006/main" xmlns:r="http://schemas.openxmlformats.org/officeDocument/2006/relationships" xmlns:p="http://schemas.openxmlformats.org/presentationml/2006/main">
   <p:sldMasterIdLst>
     <p:sldMasterId id="2147483648" r:id="rId1"/>
   </p:sldMasterIdLst>
   <p:sldIdLst>
-    <p:sldId id="256" r:id="rId2"/>
+    <p:sldId id="256" r:id="rId3"/>
+    <p:sldId id="257" r:id="rId4"/>
+    <p:sldId id="258" r:id="rId5"/>
   </p:sldIdLst>
   <p:sldSz cx="12192000" cy="6858000"/>
   <p:notesSz cx="6858000" cy="9144000"/>
@@ -126,15 +128,9 @@
       </p:grpSpPr>
       <p:sp>
         <p:nvSpPr>
-          <p:cNvPr id="2" name="Title 1">
-            <a:extLst>
-              <a:ext uri="{FF2B5EF4-FFF2-40B4-BE49-F238E27FC236}">
-                <a16:creationId xmlns:a16="http://schemas.microsoft.com/office/drawing/2014/main" id="{1BCE936A-F66F-4B16-AEEA-7671DBFEBFAA}"/>
-              </a:ext>
-            </a:extLst>
-          </p:cNvPr>
-          <p:cNvSpPr>
-            <a:spLocks noGrp="1"/>
+          <p:cNvPr id="2" name="Title 1"/>
+          <p:cNvSpPr>
+            <a:spLocks noGrp="true"/>
           </p:cNvSpPr>
           <p:nvPr>
             <p:ph type="ctrTitle"/>
@@ -164,15 +160,9 @@
       </p:sp>
       <p:sp>
         <p:nvSpPr>
-          <p:cNvPr id="3" name="Subtitle 2">
-            <a:extLst>
-              <a:ext uri="{FF2B5EF4-FFF2-40B4-BE49-F238E27FC236}">
-                <a16:creationId xmlns:a16="http://schemas.microsoft.com/office/drawing/2014/main" id="{9B3FC278-8E47-4E44-B8AB-63DCBF7165DA}"/>
-              </a:ext>
-            </a:extLst>
-          </p:cNvPr>
-          <p:cNvSpPr>
-            <a:spLocks noGrp="1"/>
+          <p:cNvPr id="3" name="Subtitle 2"/>
+          <p:cNvSpPr>
+            <a:spLocks noGrp="true"/>
           </p:cNvSpPr>
           <p:nvPr>
             <p:ph type="subTitle" idx="1"/>
@@ -235,15 +225,9 @@
       </p:sp>
       <p:sp>
         <p:nvSpPr>
-          <p:cNvPr id="4" name="Date Placeholder 3">
-            <a:extLst>
-              <a:ext uri="{FF2B5EF4-FFF2-40B4-BE49-F238E27FC236}">
-                <a16:creationId xmlns:a16="http://schemas.microsoft.com/office/drawing/2014/main" id="{18B6783D-9C0C-4AA0-A1B0-9149EEF8591F}"/>
-              </a:ext>
-            </a:extLst>
-          </p:cNvPr>
-          <p:cNvSpPr>
-            <a:spLocks noGrp="1"/>
+          <p:cNvPr id="4" name="Date Placeholder 3"/>
+          <p:cNvSpPr>
+            <a:spLocks noGrp="true"/>
           </p:cNvSpPr>
           <p:nvPr>
             <p:ph type="dt" sz="half" idx="10"/>
@@ -256,7 +240,6 @@
           <a:p>
             <a:fld id="{8F7C5816-6D61-4151-8709-B4479328FDC3}" type="datetimeFigureOut">
               <a:rPr lang="en-IN" smtClean="0"/>
-              <a:t>01-04-2021</a:t>
             </a:fld>
             <a:endParaRPr lang="en-IN"/>
           </a:p>
@@ -264,15 +247,9 @@
       </p:sp>
       <p:sp>
         <p:nvSpPr>
-          <p:cNvPr id="5" name="Footer Placeholder 4">
-            <a:extLst>
-              <a:ext uri="{FF2B5EF4-FFF2-40B4-BE49-F238E27FC236}">
-                <a16:creationId xmlns:a16="http://schemas.microsoft.com/office/drawing/2014/main" id="{453C5CBA-F733-48CD-9AE8-4EAD26ECCEAB}"/>
-              </a:ext>
-            </a:extLst>
-          </p:cNvPr>
-          <p:cNvSpPr>
-            <a:spLocks noGrp="1"/>
+          <p:cNvPr id="5" name="Footer Placeholder 4"/>
+          <p:cNvSpPr>
+            <a:spLocks noGrp="true"/>
           </p:cNvSpPr>
           <p:nvPr>
             <p:ph type="ftr" sz="quarter" idx="11"/>
@@ -289,15 +266,9 @@
       </p:sp>
       <p:sp>
         <p:nvSpPr>
-          <p:cNvPr id="6" name="Slide Number Placeholder 5">
-            <a:extLst>
-              <a:ext uri="{FF2B5EF4-FFF2-40B4-BE49-F238E27FC236}">
-                <a16:creationId xmlns:a16="http://schemas.microsoft.com/office/drawing/2014/main" id="{35ABBF2D-1703-48BA-9A0C-C7A966D2D485}"/>
-              </a:ext>
-            </a:extLst>
-          </p:cNvPr>
-          <p:cNvSpPr>
-            <a:spLocks noGrp="1"/>
+          <p:cNvPr id="6" name="Slide Number Placeholder 5"/>
+          <p:cNvSpPr>
+            <a:spLocks noGrp="true"/>
           </p:cNvSpPr>
           <p:nvPr>
             <p:ph type="sldNum" sz="quarter" idx="12"/>
@@ -310,18 +281,12 @@
           <a:p>
             <a:fld id="{8A446C93-5C86-4F64-AA4E-590B407406CD}" type="slidenum">
               <a:rPr lang="en-IN" smtClean="0"/>
-              <a:t>‹#›</a:t>
             </a:fld>
             <a:endParaRPr lang="en-IN"/>
           </a:p>
         </p:txBody>
       </p:sp>
     </p:spTree>
-    <p:extLst>
-      <p:ext uri="{BB962C8B-B14F-4D97-AF65-F5344CB8AC3E}">
-        <p14:creationId xmlns:p14="http://schemas.microsoft.com/office/powerpoint/2010/main" val="1823814324"/>
-      </p:ext>
-    </p:extLst>
   </p:cSld>
   <p:clrMapOvr>
     <a:masterClrMapping/>
@@ -348,15 +313,9 @@
       </p:grpSpPr>
       <p:sp>
         <p:nvSpPr>
-          <p:cNvPr id="2" name="Title 1">
-            <a:extLst>
-              <a:ext uri="{FF2B5EF4-FFF2-40B4-BE49-F238E27FC236}">
-                <a16:creationId xmlns:a16="http://schemas.microsoft.com/office/drawing/2014/main" id="{D1332078-EE42-4483-A799-5E30645CF8E3}"/>
-              </a:ext>
-            </a:extLst>
-          </p:cNvPr>
-          <p:cNvSpPr>
-            <a:spLocks noGrp="1"/>
+          <p:cNvPr id="2" name="Title 1"/>
+          <p:cNvSpPr>
+            <a:spLocks noGrp="true"/>
           </p:cNvSpPr>
           <p:nvPr>
             <p:ph type="title"/>
@@ -377,15 +336,9 @@
       </p:sp>
       <p:sp>
         <p:nvSpPr>
-          <p:cNvPr id="3" name="Vertical Text Placeholder 2">
-            <a:extLst>
-              <a:ext uri="{FF2B5EF4-FFF2-40B4-BE49-F238E27FC236}">
-                <a16:creationId xmlns:a16="http://schemas.microsoft.com/office/drawing/2014/main" id="{EADCDA43-227E-49B0-9CDC-295857E87C52}"/>
-              </a:ext>
-            </a:extLst>
-          </p:cNvPr>
-          <p:cNvSpPr>
-            <a:spLocks noGrp="1"/>
+          <p:cNvPr id="3" name="Vertical Text Placeholder 2"/>
+          <p:cNvSpPr>
+            <a:spLocks noGrp="true"/>
           </p:cNvSpPr>
           <p:nvPr>
             <p:ph type="body" orient="vert" idx="1"/>
@@ -401,6 +354,7 @@
               <a:rPr lang="en-US"/>
               <a:t>Click to edit Master text styles</a:t>
             </a:r>
+            <a:endParaRPr lang="en-US"/>
           </a:p>
           <a:p>
             <a:pPr lvl="1"/>
@@ -408,6 +362,7 @@
               <a:rPr lang="en-US"/>
               <a:t>Second level</a:t>
             </a:r>
+            <a:endParaRPr lang="en-US"/>
           </a:p>
           <a:p>
             <a:pPr lvl="2"/>
@@ -415,6 +370,7 @@
               <a:rPr lang="en-US"/>
               <a:t>Third level</a:t>
             </a:r>
+            <a:endParaRPr lang="en-US"/>
           </a:p>
           <a:p>
             <a:pPr lvl="3"/>
@@ -422,6 +378,7 @@
               <a:rPr lang="en-US"/>
               <a:t>Fourth level</a:t>
             </a:r>
+            <a:endParaRPr lang="en-US"/>
           </a:p>
           <a:p>
             <a:pPr lvl="4"/>
@@ -435,15 +392,9 @@
       </p:sp>
       <p:sp>
         <p:nvSpPr>
-          <p:cNvPr id="4" name="Date Placeholder 3">
-            <a:extLst>
-              <a:ext uri="{FF2B5EF4-FFF2-40B4-BE49-F238E27FC236}">
-                <a16:creationId xmlns:a16="http://schemas.microsoft.com/office/drawing/2014/main" id="{5DD475CB-D94E-4628-B665-16DBDD224A1C}"/>
-              </a:ext>
-            </a:extLst>
-          </p:cNvPr>
-          <p:cNvSpPr>
-            <a:spLocks noGrp="1"/>
+          <p:cNvPr id="4" name="Date Placeholder 3"/>
+          <p:cNvSpPr>
+            <a:spLocks noGrp="true"/>
           </p:cNvSpPr>
           <p:nvPr>
             <p:ph type="dt" sz="half" idx="10"/>
@@ -456,7 +407,6 @@
           <a:p>
             <a:fld id="{8F7C5816-6D61-4151-8709-B4479328FDC3}" type="datetimeFigureOut">
               <a:rPr lang="en-IN" smtClean="0"/>
-              <a:t>01-04-2021</a:t>
             </a:fld>
             <a:endParaRPr lang="en-IN"/>
           </a:p>
@@ -464,15 +414,9 @@
       </p:sp>
       <p:sp>
         <p:nvSpPr>
-          <p:cNvPr id="5" name="Footer Placeholder 4">
-            <a:extLst>
-              <a:ext uri="{FF2B5EF4-FFF2-40B4-BE49-F238E27FC236}">
-                <a16:creationId xmlns:a16="http://schemas.microsoft.com/office/drawing/2014/main" id="{822D5FE9-5E42-474B-8774-6B369299D265}"/>
-              </a:ext>
-            </a:extLst>
-          </p:cNvPr>
-          <p:cNvSpPr>
-            <a:spLocks noGrp="1"/>
+          <p:cNvPr id="5" name="Footer Placeholder 4"/>
+          <p:cNvSpPr>
+            <a:spLocks noGrp="true"/>
           </p:cNvSpPr>
           <p:nvPr>
             <p:ph type="ftr" sz="quarter" idx="11"/>
@@ -489,15 +433,9 @@
       </p:sp>
       <p:sp>
         <p:nvSpPr>
-          <p:cNvPr id="6" name="Slide Number Placeholder 5">
-            <a:extLst>
-              <a:ext uri="{FF2B5EF4-FFF2-40B4-BE49-F238E27FC236}">
-                <a16:creationId xmlns:a16="http://schemas.microsoft.com/office/drawing/2014/main" id="{40B8C741-6DE2-4DF0-A3F5-C8BD15D72F80}"/>
-              </a:ext>
-            </a:extLst>
-          </p:cNvPr>
-          <p:cNvSpPr>
-            <a:spLocks noGrp="1"/>
+          <p:cNvPr id="6" name="Slide Number Placeholder 5"/>
+          <p:cNvSpPr>
+            <a:spLocks noGrp="true"/>
           </p:cNvSpPr>
           <p:nvPr>
             <p:ph type="sldNum" sz="quarter" idx="12"/>
@@ -510,18 +448,12 @@
           <a:p>
             <a:fld id="{8A446C93-5C86-4F64-AA4E-590B407406CD}" type="slidenum">
               <a:rPr lang="en-IN" smtClean="0"/>
-              <a:t>‹#›</a:t>
             </a:fld>
             <a:endParaRPr lang="en-IN"/>
           </a:p>
         </p:txBody>
       </p:sp>
     </p:spTree>
-    <p:extLst>
-      <p:ext uri="{BB962C8B-B14F-4D97-AF65-F5344CB8AC3E}">
-        <p14:creationId xmlns:p14="http://schemas.microsoft.com/office/powerpoint/2010/main" val="2941487271"/>
-      </p:ext>
-    </p:extLst>
   </p:cSld>
   <p:clrMapOvr>
     <a:masterClrMapping/>
@@ -548,15 +480,9 @@
       </p:grpSpPr>
       <p:sp>
         <p:nvSpPr>
-          <p:cNvPr id="2" name="Vertical Title 1">
-            <a:extLst>
-              <a:ext uri="{FF2B5EF4-FFF2-40B4-BE49-F238E27FC236}">
-                <a16:creationId xmlns:a16="http://schemas.microsoft.com/office/drawing/2014/main" id="{77BAAF7C-16E2-4B7F-9226-32B659F3116E}"/>
-              </a:ext>
-            </a:extLst>
-          </p:cNvPr>
-          <p:cNvSpPr>
-            <a:spLocks noGrp="1"/>
+          <p:cNvPr id="2" name="Vertical Title 1"/>
+          <p:cNvSpPr>
+            <a:spLocks noGrp="true"/>
           </p:cNvSpPr>
           <p:nvPr>
             <p:ph type="title" orient="vert"/>
@@ -582,15 +508,9 @@
       </p:sp>
       <p:sp>
         <p:nvSpPr>
-          <p:cNvPr id="3" name="Vertical Text Placeholder 2">
-            <a:extLst>
-              <a:ext uri="{FF2B5EF4-FFF2-40B4-BE49-F238E27FC236}">
-                <a16:creationId xmlns:a16="http://schemas.microsoft.com/office/drawing/2014/main" id="{9FFEDD4D-909A-4F22-BE92-49D7CF74FE2B}"/>
-              </a:ext>
-            </a:extLst>
-          </p:cNvPr>
-          <p:cNvSpPr>
-            <a:spLocks noGrp="1"/>
+          <p:cNvPr id="3" name="Vertical Text Placeholder 2"/>
+          <p:cNvSpPr>
+            <a:spLocks noGrp="true"/>
           </p:cNvSpPr>
           <p:nvPr>
             <p:ph type="body" orient="vert" idx="1"/>
@@ -611,6 +531,7 @@
               <a:rPr lang="en-US"/>
               <a:t>Click to edit Master text styles</a:t>
             </a:r>
+            <a:endParaRPr lang="en-US"/>
           </a:p>
           <a:p>
             <a:pPr lvl="1"/>
@@ -618,6 +539,7 @@
               <a:rPr lang="en-US"/>
               <a:t>Second level</a:t>
             </a:r>
+            <a:endParaRPr lang="en-US"/>
           </a:p>
           <a:p>
             <a:pPr lvl="2"/>
@@ -625,6 +547,7 @@
               <a:rPr lang="en-US"/>
               <a:t>Third level</a:t>
             </a:r>
+            <a:endParaRPr lang="en-US"/>
           </a:p>
           <a:p>
             <a:pPr lvl="3"/>
@@ -632,6 +555,7 @@
               <a:rPr lang="en-US"/>
               <a:t>Fourth level</a:t>
             </a:r>
+            <a:endParaRPr lang="en-US"/>
           </a:p>
           <a:p>
             <a:pPr lvl="4"/>
@@ -645,15 +569,9 @@
       </p:sp>
       <p:sp>
         <p:nvSpPr>
-          <p:cNvPr id="4" name="Date Placeholder 3">
-            <a:extLst>
-              <a:ext uri="{FF2B5EF4-FFF2-40B4-BE49-F238E27FC236}">
-                <a16:creationId xmlns:a16="http://schemas.microsoft.com/office/drawing/2014/main" id="{66F63B6B-B483-4F67-8F83-2CAD3D7BCB7A}"/>
-              </a:ext>
-            </a:extLst>
-          </p:cNvPr>
-          <p:cNvSpPr>
-            <a:spLocks noGrp="1"/>
+          <p:cNvPr id="4" name="Date Placeholder 3"/>
+          <p:cNvSpPr>
+            <a:spLocks noGrp="true"/>
           </p:cNvSpPr>
           <p:nvPr>
             <p:ph type="dt" sz="half" idx="10"/>
@@ -666,7 +584,6 @@
           <a:p>
             <a:fld id="{8F7C5816-6D61-4151-8709-B4479328FDC3}" type="datetimeFigureOut">
               <a:rPr lang="en-IN" smtClean="0"/>
-              <a:t>01-04-2021</a:t>
             </a:fld>
             <a:endParaRPr lang="en-IN"/>
           </a:p>
@@ -674,15 +591,9 @@
       </p:sp>
       <p:sp>
         <p:nvSpPr>
-          <p:cNvPr id="5" name="Footer Placeholder 4">
-            <a:extLst>
-              <a:ext uri="{FF2B5EF4-FFF2-40B4-BE49-F238E27FC236}">
-                <a16:creationId xmlns:a16="http://schemas.microsoft.com/office/drawing/2014/main" id="{EE8DBFE5-0959-4D84-BEAF-CB65620BB6D5}"/>
-              </a:ext>
-            </a:extLst>
-          </p:cNvPr>
-          <p:cNvSpPr>
-            <a:spLocks noGrp="1"/>
+          <p:cNvPr id="5" name="Footer Placeholder 4"/>
+          <p:cNvSpPr>
+            <a:spLocks noGrp="true"/>
           </p:cNvSpPr>
           <p:nvPr>
             <p:ph type="ftr" sz="quarter" idx="11"/>
@@ -699,15 +610,9 @@
       </p:sp>
       <p:sp>
         <p:nvSpPr>
-          <p:cNvPr id="6" name="Slide Number Placeholder 5">
-            <a:extLst>
-              <a:ext uri="{FF2B5EF4-FFF2-40B4-BE49-F238E27FC236}">
-                <a16:creationId xmlns:a16="http://schemas.microsoft.com/office/drawing/2014/main" id="{C1CD84E9-05D4-4D9C-A437-B99653A58AA0}"/>
-              </a:ext>
-            </a:extLst>
-          </p:cNvPr>
-          <p:cNvSpPr>
-            <a:spLocks noGrp="1"/>
+          <p:cNvPr id="6" name="Slide Number Placeholder 5"/>
+          <p:cNvSpPr>
+            <a:spLocks noGrp="true"/>
           </p:cNvSpPr>
           <p:nvPr>
             <p:ph type="sldNum" sz="quarter" idx="12"/>
@@ -720,18 +625,12 @@
           <a:p>
             <a:fld id="{8A446C93-5C86-4F64-AA4E-590B407406CD}" type="slidenum">
               <a:rPr lang="en-IN" smtClean="0"/>
-              <a:t>‹#›</a:t>
             </a:fld>
             <a:endParaRPr lang="en-IN"/>
           </a:p>
         </p:txBody>
       </p:sp>
     </p:spTree>
-    <p:extLst>
-      <p:ext uri="{BB962C8B-B14F-4D97-AF65-F5344CB8AC3E}">
-        <p14:creationId xmlns:p14="http://schemas.microsoft.com/office/powerpoint/2010/main" val="1583603973"/>
-      </p:ext>
-    </p:extLst>
   </p:cSld>
   <p:clrMapOvr>
     <a:masterClrMapping/>
@@ -758,15 +657,9 @@
       </p:grpSpPr>
       <p:sp>
         <p:nvSpPr>
-          <p:cNvPr id="2" name="Title 1">
-            <a:extLst>
-              <a:ext uri="{FF2B5EF4-FFF2-40B4-BE49-F238E27FC236}">
-                <a16:creationId xmlns:a16="http://schemas.microsoft.com/office/drawing/2014/main" id="{207CCA39-1E93-4F61-91B8-2797B1897555}"/>
-              </a:ext>
-            </a:extLst>
-          </p:cNvPr>
-          <p:cNvSpPr>
-            <a:spLocks noGrp="1"/>
+          <p:cNvPr id="2" name="Title 1"/>
+          <p:cNvSpPr>
+            <a:spLocks noGrp="true"/>
           </p:cNvSpPr>
           <p:nvPr>
             <p:ph type="title"/>
@@ -787,15 +680,9 @@
       </p:sp>
       <p:sp>
         <p:nvSpPr>
-          <p:cNvPr id="3" name="Content Placeholder 2">
-            <a:extLst>
-              <a:ext uri="{FF2B5EF4-FFF2-40B4-BE49-F238E27FC236}">
-                <a16:creationId xmlns:a16="http://schemas.microsoft.com/office/drawing/2014/main" id="{571AF684-0E8B-4C21-B222-96BC819752B5}"/>
-              </a:ext>
-            </a:extLst>
-          </p:cNvPr>
-          <p:cNvSpPr>
-            <a:spLocks noGrp="1"/>
+          <p:cNvPr id="3" name="Content Placeholder 2"/>
+          <p:cNvSpPr>
+            <a:spLocks noGrp="true"/>
           </p:cNvSpPr>
           <p:nvPr>
             <p:ph idx="1"/>
@@ -811,6 +698,7 @@
               <a:rPr lang="en-US"/>
               <a:t>Click to edit Master text styles</a:t>
             </a:r>
+            <a:endParaRPr lang="en-US"/>
           </a:p>
           <a:p>
             <a:pPr lvl="1"/>
@@ -818,6 +706,7 @@
               <a:rPr lang="en-US"/>
               <a:t>Second level</a:t>
             </a:r>
+            <a:endParaRPr lang="en-US"/>
           </a:p>
           <a:p>
             <a:pPr lvl="2"/>
@@ -825,6 +714,7 @@
               <a:rPr lang="en-US"/>
               <a:t>Third level</a:t>
             </a:r>
+            <a:endParaRPr lang="en-US"/>
           </a:p>
           <a:p>
             <a:pPr lvl="3"/>
@@ -832,6 +722,7 @@
               <a:rPr lang="en-US"/>
               <a:t>Fourth level</a:t>
             </a:r>
+            <a:endParaRPr lang="en-US"/>
           </a:p>
           <a:p>
             <a:pPr lvl="4"/>
@@ -845,15 +736,9 @@
       </p:sp>
       <p:sp>
         <p:nvSpPr>
-          <p:cNvPr id="4" name="Date Placeholder 3">
-            <a:extLst>
-              <a:ext uri="{FF2B5EF4-FFF2-40B4-BE49-F238E27FC236}">
-                <a16:creationId xmlns:a16="http://schemas.microsoft.com/office/drawing/2014/main" id="{586E5752-66CC-4A5D-90E8-4301B6C3A193}"/>
-              </a:ext>
-            </a:extLst>
-          </p:cNvPr>
-          <p:cNvSpPr>
-            <a:spLocks noGrp="1"/>
+          <p:cNvPr id="4" name="Date Placeholder 3"/>
+          <p:cNvSpPr>
+            <a:spLocks noGrp="true"/>
           </p:cNvSpPr>
           <p:nvPr>
             <p:ph type="dt" sz="half" idx="10"/>
@@ -866,7 +751,6 @@
           <a:p>
             <a:fld id="{8F7C5816-6D61-4151-8709-B4479328FDC3}" type="datetimeFigureOut">
               <a:rPr lang="en-IN" smtClean="0"/>
-              <a:t>01-04-2021</a:t>
             </a:fld>
             <a:endParaRPr lang="en-IN"/>
           </a:p>
@@ -874,15 +758,9 @@
       </p:sp>
       <p:sp>
         <p:nvSpPr>
-          <p:cNvPr id="5" name="Footer Placeholder 4">
-            <a:extLst>
-              <a:ext uri="{FF2B5EF4-FFF2-40B4-BE49-F238E27FC236}">
-                <a16:creationId xmlns:a16="http://schemas.microsoft.com/office/drawing/2014/main" id="{A195CE5B-A23E-42CA-95F5-3BAB156AE415}"/>
-              </a:ext>
-            </a:extLst>
-          </p:cNvPr>
-          <p:cNvSpPr>
-            <a:spLocks noGrp="1"/>
+          <p:cNvPr id="5" name="Footer Placeholder 4"/>
+          <p:cNvSpPr>
+            <a:spLocks noGrp="true"/>
           </p:cNvSpPr>
           <p:nvPr>
             <p:ph type="ftr" sz="quarter" idx="11"/>
@@ -899,15 +777,9 @@
       </p:sp>
       <p:sp>
         <p:nvSpPr>
-          <p:cNvPr id="6" name="Slide Number Placeholder 5">
-            <a:extLst>
-              <a:ext uri="{FF2B5EF4-FFF2-40B4-BE49-F238E27FC236}">
-                <a16:creationId xmlns:a16="http://schemas.microsoft.com/office/drawing/2014/main" id="{AB2736FF-6981-4ED6-99A3-A0225510F1D5}"/>
-              </a:ext>
-            </a:extLst>
-          </p:cNvPr>
-          <p:cNvSpPr>
-            <a:spLocks noGrp="1"/>
+          <p:cNvPr id="6" name="Slide Number Placeholder 5"/>
+          <p:cNvSpPr>
+            <a:spLocks noGrp="true"/>
           </p:cNvSpPr>
           <p:nvPr>
             <p:ph type="sldNum" sz="quarter" idx="12"/>
@@ -920,18 +792,12 @@
           <a:p>
             <a:fld id="{8A446C93-5C86-4F64-AA4E-590B407406CD}" type="slidenum">
               <a:rPr lang="en-IN" smtClean="0"/>
-              <a:t>‹#›</a:t>
             </a:fld>
             <a:endParaRPr lang="en-IN"/>
           </a:p>
         </p:txBody>
       </p:sp>
     </p:spTree>
-    <p:extLst>
-      <p:ext uri="{BB962C8B-B14F-4D97-AF65-F5344CB8AC3E}">
-        <p14:creationId xmlns:p14="http://schemas.microsoft.com/office/powerpoint/2010/main" val="4270237794"/>
-      </p:ext>
-    </p:extLst>
   </p:cSld>
   <p:clrMapOvr>
     <a:masterClrMapping/>
@@ -958,15 +824,9 @@
       </p:grpSpPr>
       <p:sp>
         <p:nvSpPr>
-          <p:cNvPr id="2" name="Title 1">
-            <a:extLst>
-              <a:ext uri="{FF2B5EF4-FFF2-40B4-BE49-F238E27FC236}">
-                <a16:creationId xmlns:a16="http://schemas.microsoft.com/office/drawing/2014/main" id="{BB3D08DD-6A96-4F60-98F7-A9E6AA0D6AAA}"/>
-              </a:ext>
-            </a:extLst>
-          </p:cNvPr>
-          <p:cNvSpPr>
-            <a:spLocks noGrp="1"/>
+          <p:cNvPr id="2" name="Title 1"/>
+          <p:cNvSpPr>
+            <a:spLocks noGrp="true"/>
           </p:cNvSpPr>
           <p:nvPr>
             <p:ph type="title"/>
@@ -996,15 +856,9 @@
       </p:sp>
       <p:sp>
         <p:nvSpPr>
-          <p:cNvPr id="3" name="Text Placeholder 2">
-            <a:extLst>
-              <a:ext uri="{FF2B5EF4-FFF2-40B4-BE49-F238E27FC236}">
-                <a16:creationId xmlns:a16="http://schemas.microsoft.com/office/drawing/2014/main" id="{1A17F861-59AB-4409-B23A-1C33E0B7DFE1}"/>
-              </a:ext>
-            </a:extLst>
-          </p:cNvPr>
-          <p:cNvSpPr>
-            <a:spLocks noGrp="1"/>
+          <p:cNvPr id="3" name="Text Placeholder 2"/>
+          <p:cNvSpPr>
+            <a:spLocks noGrp="true"/>
           </p:cNvSpPr>
           <p:nvPr>
             <p:ph type="body" idx="1"/>
@@ -1116,20 +970,15 @@
               <a:rPr lang="en-US"/>
               <a:t>Click to edit Master text styles</a:t>
             </a:r>
-          </a:p>
-        </p:txBody>
-      </p:sp>
-      <p:sp>
-        <p:nvSpPr>
-          <p:cNvPr id="4" name="Date Placeholder 3">
-            <a:extLst>
-              <a:ext uri="{FF2B5EF4-FFF2-40B4-BE49-F238E27FC236}">
-                <a16:creationId xmlns:a16="http://schemas.microsoft.com/office/drawing/2014/main" id="{2FCA29FC-D2FE-4252-936C-0D2D5F9629DB}"/>
-              </a:ext>
-            </a:extLst>
-          </p:cNvPr>
-          <p:cNvSpPr>
-            <a:spLocks noGrp="1"/>
+            <a:endParaRPr lang="en-US"/>
+          </a:p>
+        </p:txBody>
+      </p:sp>
+      <p:sp>
+        <p:nvSpPr>
+          <p:cNvPr id="4" name="Date Placeholder 3"/>
+          <p:cNvSpPr>
+            <a:spLocks noGrp="true"/>
           </p:cNvSpPr>
           <p:nvPr>
             <p:ph type="dt" sz="half" idx="10"/>
@@ -1142,7 +991,6 @@
           <a:p>
             <a:fld id="{8F7C5816-6D61-4151-8709-B4479328FDC3}" type="datetimeFigureOut">
               <a:rPr lang="en-IN" smtClean="0"/>
-              <a:t>01-04-2021</a:t>
             </a:fld>
             <a:endParaRPr lang="en-IN"/>
           </a:p>
@@ -1150,15 +998,9 @@
       </p:sp>
       <p:sp>
         <p:nvSpPr>
-          <p:cNvPr id="5" name="Footer Placeholder 4">
-            <a:extLst>
-              <a:ext uri="{FF2B5EF4-FFF2-40B4-BE49-F238E27FC236}">
-                <a16:creationId xmlns:a16="http://schemas.microsoft.com/office/drawing/2014/main" id="{B2C001A3-2D19-47F7-8D97-9F9BB92901B4}"/>
-              </a:ext>
-            </a:extLst>
-          </p:cNvPr>
-          <p:cNvSpPr>
-            <a:spLocks noGrp="1"/>
+          <p:cNvPr id="5" name="Footer Placeholder 4"/>
+          <p:cNvSpPr>
+            <a:spLocks noGrp="true"/>
           </p:cNvSpPr>
           <p:nvPr>
             <p:ph type="ftr" sz="quarter" idx="11"/>
@@ -1175,15 +1017,9 @@
       </p:sp>
       <p:sp>
         <p:nvSpPr>
-          <p:cNvPr id="6" name="Slide Number Placeholder 5">
-            <a:extLst>
-              <a:ext uri="{FF2B5EF4-FFF2-40B4-BE49-F238E27FC236}">
-                <a16:creationId xmlns:a16="http://schemas.microsoft.com/office/drawing/2014/main" id="{5FF055EB-A785-4F8C-A47C-6FB3C20C0973}"/>
-              </a:ext>
-            </a:extLst>
-          </p:cNvPr>
-          <p:cNvSpPr>
-            <a:spLocks noGrp="1"/>
+          <p:cNvPr id="6" name="Slide Number Placeholder 5"/>
+          <p:cNvSpPr>
+            <a:spLocks noGrp="true"/>
           </p:cNvSpPr>
           <p:nvPr>
             <p:ph type="sldNum" sz="quarter" idx="12"/>
@@ -1196,18 +1032,12 @@
           <a:p>
             <a:fld id="{8A446C93-5C86-4F64-AA4E-590B407406CD}" type="slidenum">
               <a:rPr lang="en-IN" smtClean="0"/>
-              <a:t>‹#›</a:t>
             </a:fld>
             <a:endParaRPr lang="en-IN"/>
           </a:p>
         </p:txBody>
       </p:sp>
     </p:spTree>
-    <p:extLst>
-      <p:ext uri="{BB962C8B-B14F-4D97-AF65-F5344CB8AC3E}">
-        <p14:creationId xmlns:p14="http://schemas.microsoft.com/office/powerpoint/2010/main" val="1619590706"/>
-      </p:ext>
-    </p:extLst>
   </p:cSld>
   <p:clrMapOvr>
     <a:masterClrMapping/>
@@ -1234,15 +1064,9 @@
       </p:grpSpPr>
       <p:sp>
         <p:nvSpPr>
-          <p:cNvPr id="2" name="Title 1">
-            <a:extLst>
-              <a:ext uri="{FF2B5EF4-FFF2-40B4-BE49-F238E27FC236}">
-                <a16:creationId xmlns:a16="http://schemas.microsoft.com/office/drawing/2014/main" id="{ABE36A49-C83D-497E-9814-904BA119D227}"/>
-              </a:ext>
-            </a:extLst>
-          </p:cNvPr>
-          <p:cNvSpPr>
-            <a:spLocks noGrp="1"/>
+          <p:cNvPr id="2" name="Title 1"/>
+          <p:cNvSpPr>
+            <a:spLocks noGrp="true"/>
           </p:cNvSpPr>
           <p:nvPr>
             <p:ph type="title"/>
@@ -1263,15 +1087,9 @@
       </p:sp>
       <p:sp>
         <p:nvSpPr>
-          <p:cNvPr id="3" name="Content Placeholder 2">
-            <a:extLst>
-              <a:ext uri="{FF2B5EF4-FFF2-40B4-BE49-F238E27FC236}">
-                <a16:creationId xmlns:a16="http://schemas.microsoft.com/office/drawing/2014/main" id="{2AA2D6E3-79D5-428F-9E7A-473E8BEC1D3F}"/>
-              </a:ext>
-            </a:extLst>
-          </p:cNvPr>
-          <p:cNvSpPr>
-            <a:spLocks noGrp="1"/>
+          <p:cNvPr id="3" name="Content Placeholder 2"/>
+          <p:cNvSpPr>
+            <a:spLocks noGrp="true"/>
           </p:cNvSpPr>
           <p:nvPr>
             <p:ph sz="half" idx="1"/>
@@ -1292,6 +1110,7 @@
               <a:rPr lang="en-US"/>
               <a:t>Click to edit Master text styles</a:t>
             </a:r>
+            <a:endParaRPr lang="en-US"/>
           </a:p>
           <a:p>
             <a:pPr lvl="1"/>
@@ -1299,6 +1118,7 @@
               <a:rPr lang="en-US"/>
               <a:t>Second level</a:t>
             </a:r>
+            <a:endParaRPr lang="en-US"/>
           </a:p>
           <a:p>
             <a:pPr lvl="2"/>
@@ -1306,6 +1126,7 @@
               <a:rPr lang="en-US"/>
               <a:t>Third level</a:t>
             </a:r>
+            <a:endParaRPr lang="en-US"/>
           </a:p>
           <a:p>
             <a:pPr lvl="3"/>
@@ -1313,6 +1134,7 @@
               <a:rPr lang="en-US"/>
               <a:t>Fourth level</a:t>
             </a:r>
+            <a:endParaRPr lang="en-US"/>
           </a:p>
           <a:p>
             <a:pPr lvl="4"/>
@@ -1326,15 +1148,9 @@
       </p:sp>
       <p:sp>
         <p:nvSpPr>
-          <p:cNvPr id="4" name="Content Placeholder 3">
-            <a:extLst>
-              <a:ext uri="{FF2B5EF4-FFF2-40B4-BE49-F238E27FC236}">
-                <a16:creationId xmlns:a16="http://schemas.microsoft.com/office/drawing/2014/main" id="{1C44CAE2-D09B-4B7E-8B85-842AD6DD3CAF}"/>
-              </a:ext>
-            </a:extLst>
-          </p:cNvPr>
-          <p:cNvSpPr>
-            <a:spLocks noGrp="1"/>
+          <p:cNvPr id="4" name="Content Placeholder 3"/>
+          <p:cNvSpPr>
+            <a:spLocks noGrp="true"/>
           </p:cNvSpPr>
           <p:nvPr>
             <p:ph sz="half" idx="2"/>
@@ -1355,6 +1171,7 @@
               <a:rPr lang="en-US"/>
               <a:t>Click to edit Master text styles</a:t>
             </a:r>
+            <a:endParaRPr lang="en-US"/>
           </a:p>
           <a:p>
             <a:pPr lvl="1"/>
@@ -1362,6 +1179,7 @@
               <a:rPr lang="en-US"/>
               <a:t>Second level</a:t>
             </a:r>
+            <a:endParaRPr lang="en-US"/>
           </a:p>
           <a:p>
             <a:pPr lvl="2"/>
@@ -1369,6 +1187,7 @@
               <a:rPr lang="en-US"/>
               <a:t>Third level</a:t>
             </a:r>
+            <a:endParaRPr lang="en-US"/>
           </a:p>
           <a:p>
             <a:pPr lvl="3"/>
@@ -1376,6 +1195,7 @@
               <a:rPr lang="en-US"/>
               <a:t>Fourth level</a:t>
             </a:r>
+            <a:endParaRPr lang="en-US"/>
           </a:p>
           <a:p>
             <a:pPr lvl="4"/>
@@ -1389,15 +1209,9 @@
       </p:sp>
       <p:sp>
         <p:nvSpPr>
-          <p:cNvPr id="5" name="Date Placeholder 4">
-            <a:extLst>
-              <a:ext uri="{FF2B5EF4-FFF2-40B4-BE49-F238E27FC236}">
-                <a16:creationId xmlns:a16="http://schemas.microsoft.com/office/drawing/2014/main" id="{0559C09A-0CD2-4A69-8CD9-1747F606B867}"/>
-              </a:ext>
-            </a:extLst>
-          </p:cNvPr>
-          <p:cNvSpPr>
-            <a:spLocks noGrp="1"/>
+          <p:cNvPr id="5" name="Date Placeholder 4"/>
+          <p:cNvSpPr>
+            <a:spLocks noGrp="true"/>
           </p:cNvSpPr>
           <p:nvPr>
             <p:ph type="dt" sz="half" idx="10"/>
@@ -1410,7 +1224,6 @@
           <a:p>
             <a:fld id="{8F7C5816-6D61-4151-8709-B4479328FDC3}" type="datetimeFigureOut">
               <a:rPr lang="en-IN" smtClean="0"/>
-              <a:t>01-04-2021</a:t>
             </a:fld>
             <a:endParaRPr lang="en-IN"/>
           </a:p>
@@ -1418,15 +1231,9 @@
       </p:sp>
       <p:sp>
         <p:nvSpPr>
-          <p:cNvPr id="6" name="Footer Placeholder 5">
-            <a:extLst>
-              <a:ext uri="{FF2B5EF4-FFF2-40B4-BE49-F238E27FC236}">
-                <a16:creationId xmlns:a16="http://schemas.microsoft.com/office/drawing/2014/main" id="{F2AE5B7A-3060-4C81-82FE-88ACE2EBBDC7}"/>
-              </a:ext>
-            </a:extLst>
-          </p:cNvPr>
-          <p:cNvSpPr>
-            <a:spLocks noGrp="1"/>
+          <p:cNvPr id="6" name="Footer Placeholder 5"/>
+          <p:cNvSpPr>
+            <a:spLocks noGrp="true"/>
           </p:cNvSpPr>
           <p:nvPr>
             <p:ph type="ftr" sz="quarter" idx="11"/>
@@ -1443,15 +1250,9 @@
       </p:sp>
       <p:sp>
         <p:nvSpPr>
-          <p:cNvPr id="7" name="Slide Number Placeholder 6">
-            <a:extLst>
-              <a:ext uri="{FF2B5EF4-FFF2-40B4-BE49-F238E27FC236}">
-                <a16:creationId xmlns:a16="http://schemas.microsoft.com/office/drawing/2014/main" id="{FCE8B081-FFAD-4E91-8AEA-BEA17FD3F9C1}"/>
-              </a:ext>
-            </a:extLst>
-          </p:cNvPr>
-          <p:cNvSpPr>
-            <a:spLocks noGrp="1"/>
+          <p:cNvPr id="7" name="Slide Number Placeholder 6"/>
+          <p:cNvSpPr>
+            <a:spLocks noGrp="true"/>
           </p:cNvSpPr>
           <p:nvPr>
             <p:ph type="sldNum" sz="quarter" idx="12"/>
@@ -1464,18 +1265,12 @@
           <a:p>
             <a:fld id="{8A446C93-5C86-4F64-AA4E-590B407406CD}" type="slidenum">
               <a:rPr lang="en-IN" smtClean="0"/>
-              <a:t>‹#›</a:t>
             </a:fld>
             <a:endParaRPr lang="en-IN"/>
           </a:p>
         </p:txBody>
       </p:sp>
     </p:spTree>
-    <p:extLst>
-      <p:ext uri="{BB962C8B-B14F-4D97-AF65-F5344CB8AC3E}">
-        <p14:creationId xmlns:p14="http://schemas.microsoft.com/office/powerpoint/2010/main" val="2603790283"/>
-      </p:ext>
-    </p:extLst>
   </p:cSld>
   <p:clrMapOvr>
     <a:masterClrMapping/>
@@ -1502,15 +1297,9 @@
       </p:grpSpPr>
       <p:sp>
         <p:nvSpPr>
-          <p:cNvPr id="2" name="Title 1">
-            <a:extLst>
-              <a:ext uri="{FF2B5EF4-FFF2-40B4-BE49-F238E27FC236}">
-                <a16:creationId xmlns:a16="http://schemas.microsoft.com/office/drawing/2014/main" id="{C4BF7C77-9454-4841-B35A-78C42D744009}"/>
-              </a:ext>
-            </a:extLst>
-          </p:cNvPr>
-          <p:cNvSpPr>
-            <a:spLocks noGrp="1"/>
+          <p:cNvPr id="2" name="Title 1"/>
+          <p:cNvSpPr>
+            <a:spLocks noGrp="true"/>
           </p:cNvSpPr>
           <p:nvPr>
             <p:ph type="title"/>
@@ -1536,15 +1325,9 @@
       </p:sp>
       <p:sp>
         <p:nvSpPr>
-          <p:cNvPr id="3" name="Text Placeholder 2">
-            <a:extLst>
-              <a:ext uri="{FF2B5EF4-FFF2-40B4-BE49-F238E27FC236}">
-                <a16:creationId xmlns:a16="http://schemas.microsoft.com/office/drawing/2014/main" id="{32E74B94-29E2-4890-B905-5E0FAA5F52D9}"/>
-              </a:ext>
-            </a:extLst>
-          </p:cNvPr>
-          <p:cNvSpPr>
-            <a:spLocks noGrp="1"/>
+          <p:cNvPr id="3" name="Text Placeholder 2"/>
+          <p:cNvSpPr>
+            <a:spLocks noGrp="true"/>
           </p:cNvSpPr>
           <p:nvPr>
             <p:ph type="body" idx="1"/>
@@ -1602,20 +1385,15 @@
               <a:rPr lang="en-US"/>
               <a:t>Click to edit Master text styles</a:t>
             </a:r>
-          </a:p>
-        </p:txBody>
-      </p:sp>
-      <p:sp>
-        <p:nvSpPr>
-          <p:cNvPr id="4" name="Content Placeholder 3">
-            <a:extLst>
-              <a:ext uri="{FF2B5EF4-FFF2-40B4-BE49-F238E27FC236}">
-                <a16:creationId xmlns:a16="http://schemas.microsoft.com/office/drawing/2014/main" id="{1F28EE3E-0B4A-43AD-94AB-795854134847}"/>
-              </a:ext>
-            </a:extLst>
-          </p:cNvPr>
-          <p:cNvSpPr>
-            <a:spLocks noGrp="1"/>
+            <a:endParaRPr lang="en-US"/>
+          </a:p>
+        </p:txBody>
+      </p:sp>
+      <p:sp>
+        <p:nvSpPr>
+          <p:cNvPr id="4" name="Content Placeholder 3"/>
+          <p:cNvSpPr>
+            <a:spLocks noGrp="true"/>
           </p:cNvSpPr>
           <p:nvPr>
             <p:ph sz="half" idx="2"/>
@@ -1636,6 +1414,7 @@
               <a:rPr lang="en-US"/>
               <a:t>Click to edit Master text styles</a:t>
             </a:r>
+            <a:endParaRPr lang="en-US"/>
           </a:p>
           <a:p>
             <a:pPr lvl="1"/>
@@ -1643,6 +1422,7 @@
               <a:rPr lang="en-US"/>
               <a:t>Second level</a:t>
             </a:r>
+            <a:endParaRPr lang="en-US"/>
           </a:p>
           <a:p>
             <a:pPr lvl="2"/>
@@ -1650,6 +1430,7 @@
               <a:rPr lang="en-US"/>
               <a:t>Third level</a:t>
             </a:r>
+            <a:endParaRPr lang="en-US"/>
           </a:p>
           <a:p>
             <a:pPr lvl="3"/>
@@ -1657,6 +1438,7 @@
               <a:rPr lang="en-US"/>
               <a:t>Fourth level</a:t>
             </a:r>
+            <a:endParaRPr lang="en-US"/>
           </a:p>
           <a:p>
             <a:pPr lvl="4"/>
@@ -1670,15 +1452,9 @@
       </p:sp>
       <p:sp>
         <p:nvSpPr>
-          <p:cNvPr id="5" name="Text Placeholder 4">
-            <a:extLst>
-              <a:ext uri="{FF2B5EF4-FFF2-40B4-BE49-F238E27FC236}">
-                <a16:creationId xmlns:a16="http://schemas.microsoft.com/office/drawing/2014/main" id="{B5DCF8F3-94B5-4598-9999-14D3F0EB053B}"/>
-              </a:ext>
-            </a:extLst>
-          </p:cNvPr>
-          <p:cNvSpPr>
-            <a:spLocks noGrp="1"/>
+          <p:cNvPr id="5" name="Text Placeholder 4"/>
+          <p:cNvSpPr>
+            <a:spLocks noGrp="true"/>
           </p:cNvSpPr>
           <p:nvPr>
             <p:ph type="body" sz="quarter" idx="3"/>
@@ -1736,20 +1512,15 @@
               <a:rPr lang="en-US"/>
               <a:t>Click to edit Master text styles</a:t>
             </a:r>
-          </a:p>
-        </p:txBody>
-      </p:sp>
-      <p:sp>
-        <p:nvSpPr>
-          <p:cNvPr id="6" name="Content Placeholder 5">
-            <a:extLst>
-              <a:ext uri="{FF2B5EF4-FFF2-40B4-BE49-F238E27FC236}">
-                <a16:creationId xmlns:a16="http://schemas.microsoft.com/office/drawing/2014/main" id="{30443995-8E37-4D7E-BEF1-F97A5ECFAD76}"/>
-              </a:ext>
-            </a:extLst>
-          </p:cNvPr>
-          <p:cNvSpPr>
-            <a:spLocks noGrp="1"/>
+            <a:endParaRPr lang="en-US"/>
+          </a:p>
+        </p:txBody>
+      </p:sp>
+      <p:sp>
+        <p:nvSpPr>
+          <p:cNvPr id="6" name="Content Placeholder 5"/>
+          <p:cNvSpPr>
+            <a:spLocks noGrp="true"/>
           </p:cNvSpPr>
           <p:nvPr>
             <p:ph sz="quarter" idx="4"/>
@@ -1770,6 +1541,7 @@
               <a:rPr lang="en-US"/>
               <a:t>Click to edit Master text styles</a:t>
             </a:r>
+            <a:endParaRPr lang="en-US"/>
           </a:p>
           <a:p>
             <a:pPr lvl="1"/>
@@ -1777,6 +1549,7 @@
               <a:rPr lang="en-US"/>
               <a:t>Second level</a:t>
             </a:r>
+            <a:endParaRPr lang="en-US"/>
           </a:p>
           <a:p>
             <a:pPr lvl="2"/>
@@ -1784,6 +1557,7 @@
               <a:rPr lang="en-US"/>
               <a:t>Third level</a:t>
             </a:r>
+            <a:endParaRPr lang="en-US"/>
           </a:p>
           <a:p>
             <a:pPr lvl="3"/>
@@ -1791,6 +1565,7 @@
               <a:rPr lang="en-US"/>
               <a:t>Fourth level</a:t>
             </a:r>
+            <a:endParaRPr lang="en-US"/>
           </a:p>
           <a:p>
             <a:pPr lvl="4"/>
@@ -1804,15 +1579,9 @@
       </p:sp>
       <p:sp>
         <p:nvSpPr>
-          <p:cNvPr id="7" name="Date Placeholder 6">
-            <a:extLst>
-              <a:ext uri="{FF2B5EF4-FFF2-40B4-BE49-F238E27FC236}">
-                <a16:creationId xmlns:a16="http://schemas.microsoft.com/office/drawing/2014/main" id="{0C7086A8-85F1-4282-BAC7-830283CB0C47}"/>
-              </a:ext>
-            </a:extLst>
-          </p:cNvPr>
-          <p:cNvSpPr>
-            <a:spLocks noGrp="1"/>
+          <p:cNvPr id="7" name="Date Placeholder 6"/>
+          <p:cNvSpPr>
+            <a:spLocks noGrp="true"/>
           </p:cNvSpPr>
           <p:nvPr>
             <p:ph type="dt" sz="half" idx="10"/>
@@ -1825,7 +1594,6 @@
           <a:p>
             <a:fld id="{8F7C5816-6D61-4151-8709-B4479328FDC3}" type="datetimeFigureOut">
               <a:rPr lang="en-IN" smtClean="0"/>
-              <a:t>01-04-2021</a:t>
             </a:fld>
             <a:endParaRPr lang="en-IN"/>
           </a:p>
@@ -1833,15 +1601,9 @@
       </p:sp>
       <p:sp>
         <p:nvSpPr>
-          <p:cNvPr id="8" name="Footer Placeholder 7">
-            <a:extLst>
-              <a:ext uri="{FF2B5EF4-FFF2-40B4-BE49-F238E27FC236}">
-                <a16:creationId xmlns:a16="http://schemas.microsoft.com/office/drawing/2014/main" id="{F881DAB7-AD7D-4C54-B400-4EA933E9F861}"/>
-              </a:ext>
-            </a:extLst>
-          </p:cNvPr>
-          <p:cNvSpPr>
-            <a:spLocks noGrp="1"/>
+          <p:cNvPr id="8" name="Footer Placeholder 7"/>
+          <p:cNvSpPr>
+            <a:spLocks noGrp="true"/>
           </p:cNvSpPr>
           <p:nvPr>
             <p:ph type="ftr" sz="quarter" idx="11"/>
@@ -1858,15 +1620,9 @@
       </p:sp>
       <p:sp>
         <p:nvSpPr>
-          <p:cNvPr id="9" name="Slide Number Placeholder 8">
-            <a:extLst>
-              <a:ext uri="{FF2B5EF4-FFF2-40B4-BE49-F238E27FC236}">
-                <a16:creationId xmlns:a16="http://schemas.microsoft.com/office/drawing/2014/main" id="{8D0E4677-E1A3-4072-9D7B-1010219470C4}"/>
-              </a:ext>
-            </a:extLst>
-          </p:cNvPr>
-          <p:cNvSpPr>
-            <a:spLocks noGrp="1"/>
+          <p:cNvPr id="9" name="Slide Number Placeholder 8"/>
+          <p:cNvSpPr>
+            <a:spLocks noGrp="true"/>
           </p:cNvSpPr>
           <p:nvPr>
             <p:ph type="sldNum" sz="quarter" idx="12"/>
@@ -1879,18 +1635,12 @@
           <a:p>
             <a:fld id="{8A446C93-5C86-4F64-AA4E-590B407406CD}" type="slidenum">
               <a:rPr lang="en-IN" smtClean="0"/>
-              <a:t>‹#›</a:t>
             </a:fld>
             <a:endParaRPr lang="en-IN"/>
           </a:p>
         </p:txBody>
       </p:sp>
     </p:spTree>
-    <p:extLst>
-      <p:ext uri="{BB962C8B-B14F-4D97-AF65-F5344CB8AC3E}">
-        <p14:creationId xmlns:p14="http://schemas.microsoft.com/office/powerpoint/2010/main" val="2065290130"/>
-      </p:ext>
-    </p:extLst>
   </p:cSld>
   <p:clrMapOvr>
     <a:masterClrMapping/>
@@ -1917,15 +1667,9 @@
       </p:grpSpPr>
       <p:sp>
         <p:nvSpPr>
-          <p:cNvPr id="2" name="Title 1">
-            <a:extLst>
-              <a:ext uri="{FF2B5EF4-FFF2-40B4-BE49-F238E27FC236}">
-                <a16:creationId xmlns:a16="http://schemas.microsoft.com/office/drawing/2014/main" id="{8C51874D-A947-4E2B-BDA5-1C147F886458}"/>
-              </a:ext>
-            </a:extLst>
-          </p:cNvPr>
-          <p:cNvSpPr>
-            <a:spLocks noGrp="1"/>
+          <p:cNvPr id="2" name="Title 1"/>
+          <p:cNvSpPr>
+            <a:spLocks noGrp="true"/>
           </p:cNvSpPr>
           <p:nvPr>
             <p:ph type="title"/>
@@ -1946,15 +1690,9 @@
       </p:sp>
       <p:sp>
         <p:nvSpPr>
-          <p:cNvPr id="3" name="Date Placeholder 2">
-            <a:extLst>
-              <a:ext uri="{FF2B5EF4-FFF2-40B4-BE49-F238E27FC236}">
-                <a16:creationId xmlns:a16="http://schemas.microsoft.com/office/drawing/2014/main" id="{B7BBD387-9712-4805-AB5E-771F94E781C0}"/>
-              </a:ext>
-            </a:extLst>
-          </p:cNvPr>
-          <p:cNvSpPr>
-            <a:spLocks noGrp="1"/>
+          <p:cNvPr id="3" name="Date Placeholder 2"/>
+          <p:cNvSpPr>
+            <a:spLocks noGrp="true"/>
           </p:cNvSpPr>
           <p:nvPr>
             <p:ph type="dt" sz="half" idx="10"/>
@@ -1967,7 +1705,6 @@
           <a:p>
             <a:fld id="{8F7C5816-6D61-4151-8709-B4479328FDC3}" type="datetimeFigureOut">
               <a:rPr lang="en-IN" smtClean="0"/>
-              <a:t>01-04-2021</a:t>
             </a:fld>
             <a:endParaRPr lang="en-IN"/>
           </a:p>
@@ -1975,15 +1712,9 @@
       </p:sp>
       <p:sp>
         <p:nvSpPr>
-          <p:cNvPr id="4" name="Footer Placeholder 3">
-            <a:extLst>
-              <a:ext uri="{FF2B5EF4-FFF2-40B4-BE49-F238E27FC236}">
-                <a16:creationId xmlns:a16="http://schemas.microsoft.com/office/drawing/2014/main" id="{49612DC6-19E6-4DC1-8477-BB90A39C5CA6}"/>
-              </a:ext>
-            </a:extLst>
-          </p:cNvPr>
-          <p:cNvSpPr>
-            <a:spLocks noGrp="1"/>
+          <p:cNvPr id="4" name="Footer Placeholder 3"/>
+          <p:cNvSpPr>
+            <a:spLocks noGrp="true"/>
           </p:cNvSpPr>
           <p:nvPr>
             <p:ph type="ftr" sz="quarter" idx="11"/>
@@ -2000,15 +1731,9 @@
       </p:sp>
       <p:sp>
         <p:nvSpPr>
-          <p:cNvPr id="5" name="Slide Number Placeholder 4">
-            <a:extLst>
-              <a:ext uri="{FF2B5EF4-FFF2-40B4-BE49-F238E27FC236}">
-                <a16:creationId xmlns:a16="http://schemas.microsoft.com/office/drawing/2014/main" id="{F041BD0F-3F53-42E4-8707-D51CBD45C8BF}"/>
-              </a:ext>
-            </a:extLst>
-          </p:cNvPr>
-          <p:cNvSpPr>
-            <a:spLocks noGrp="1"/>
+          <p:cNvPr id="5" name="Slide Number Placeholder 4"/>
+          <p:cNvSpPr>
+            <a:spLocks noGrp="true"/>
           </p:cNvSpPr>
           <p:nvPr>
             <p:ph type="sldNum" sz="quarter" idx="12"/>
@@ -2021,18 +1746,12 @@
           <a:p>
             <a:fld id="{8A446C93-5C86-4F64-AA4E-590B407406CD}" type="slidenum">
               <a:rPr lang="en-IN" smtClean="0"/>
-              <a:t>‹#›</a:t>
             </a:fld>
             <a:endParaRPr lang="en-IN"/>
           </a:p>
         </p:txBody>
       </p:sp>
     </p:spTree>
-    <p:extLst>
-      <p:ext uri="{BB962C8B-B14F-4D97-AF65-F5344CB8AC3E}">
-        <p14:creationId xmlns:p14="http://schemas.microsoft.com/office/powerpoint/2010/main" val="2948425760"/>
-      </p:ext>
-    </p:extLst>
   </p:cSld>
   <p:clrMapOvr>
     <a:masterClrMapping/>
@@ -2059,15 +1778,9 @@
       </p:grpSpPr>
       <p:sp>
         <p:nvSpPr>
-          <p:cNvPr id="2" name="Date Placeholder 1">
-            <a:extLst>
-              <a:ext uri="{FF2B5EF4-FFF2-40B4-BE49-F238E27FC236}">
-                <a16:creationId xmlns:a16="http://schemas.microsoft.com/office/drawing/2014/main" id="{33A50C00-0289-44E9-A290-974785C4DA2E}"/>
-              </a:ext>
-            </a:extLst>
-          </p:cNvPr>
-          <p:cNvSpPr>
-            <a:spLocks noGrp="1"/>
+          <p:cNvPr id="2" name="Date Placeholder 1"/>
+          <p:cNvSpPr>
+            <a:spLocks noGrp="true"/>
           </p:cNvSpPr>
           <p:nvPr>
             <p:ph type="dt" sz="half" idx="10"/>
@@ -2080,7 +1793,6 @@
           <a:p>
             <a:fld id="{8F7C5816-6D61-4151-8709-B4479328FDC3}" type="datetimeFigureOut">
               <a:rPr lang="en-IN" smtClean="0"/>
-              <a:t>01-04-2021</a:t>
             </a:fld>
             <a:endParaRPr lang="en-IN"/>
           </a:p>
@@ -2088,15 +1800,9 @@
       </p:sp>
       <p:sp>
         <p:nvSpPr>
-          <p:cNvPr id="3" name="Footer Placeholder 2">
-            <a:extLst>
-              <a:ext uri="{FF2B5EF4-FFF2-40B4-BE49-F238E27FC236}">
-                <a16:creationId xmlns:a16="http://schemas.microsoft.com/office/drawing/2014/main" id="{DC26A8C0-986C-465C-8406-6CDBED591923}"/>
-              </a:ext>
-            </a:extLst>
-          </p:cNvPr>
-          <p:cNvSpPr>
-            <a:spLocks noGrp="1"/>
+          <p:cNvPr id="3" name="Footer Placeholder 2"/>
+          <p:cNvSpPr>
+            <a:spLocks noGrp="true"/>
           </p:cNvSpPr>
           <p:nvPr>
             <p:ph type="ftr" sz="quarter" idx="11"/>
@@ -2113,15 +1819,9 @@
       </p:sp>
       <p:sp>
         <p:nvSpPr>
-          <p:cNvPr id="4" name="Slide Number Placeholder 3">
-            <a:extLst>
-              <a:ext uri="{FF2B5EF4-FFF2-40B4-BE49-F238E27FC236}">
-                <a16:creationId xmlns:a16="http://schemas.microsoft.com/office/drawing/2014/main" id="{1AD4C3E5-C510-4E23-A2ED-12AAC607208B}"/>
-              </a:ext>
-            </a:extLst>
-          </p:cNvPr>
-          <p:cNvSpPr>
-            <a:spLocks noGrp="1"/>
+          <p:cNvPr id="4" name="Slide Number Placeholder 3"/>
+          <p:cNvSpPr>
+            <a:spLocks noGrp="true"/>
           </p:cNvSpPr>
           <p:nvPr>
             <p:ph type="sldNum" sz="quarter" idx="12"/>
@@ -2134,18 +1834,12 @@
           <a:p>
             <a:fld id="{8A446C93-5C86-4F64-AA4E-590B407406CD}" type="slidenum">
               <a:rPr lang="en-IN" smtClean="0"/>
-              <a:t>‹#›</a:t>
             </a:fld>
             <a:endParaRPr lang="en-IN"/>
           </a:p>
         </p:txBody>
       </p:sp>
     </p:spTree>
-    <p:extLst>
-      <p:ext uri="{BB962C8B-B14F-4D97-AF65-F5344CB8AC3E}">
-        <p14:creationId xmlns:p14="http://schemas.microsoft.com/office/powerpoint/2010/main" val="2998946564"/>
-      </p:ext>
-    </p:extLst>
   </p:cSld>
   <p:clrMapOvr>
     <a:masterClrMapping/>
@@ -2172,15 +1866,9 @@
       </p:grpSpPr>
       <p:sp>
         <p:nvSpPr>
-          <p:cNvPr id="2" name="Title 1">
-            <a:extLst>
-              <a:ext uri="{FF2B5EF4-FFF2-40B4-BE49-F238E27FC236}">
-                <a16:creationId xmlns:a16="http://schemas.microsoft.com/office/drawing/2014/main" id="{2E4D8C0D-7D95-4A91-8FC3-4661EE0C8D83}"/>
-              </a:ext>
-            </a:extLst>
-          </p:cNvPr>
-          <p:cNvSpPr>
-            <a:spLocks noGrp="1"/>
+          <p:cNvPr id="2" name="Title 1"/>
+          <p:cNvSpPr>
+            <a:spLocks noGrp="true"/>
           </p:cNvSpPr>
           <p:nvPr>
             <p:ph type="title"/>
@@ -2210,15 +1898,9 @@
       </p:sp>
       <p:sp>
         <p:nvSpPr>
-          <p:cNvPr id="3" name="Content Placeholder 2">
-            <a:extLst>
-              <a:ext uri="{FF2B5EF4-FFF2-40B4-BE49-F238E27FC236}">
-                <a16:creationId xmlns:a16="http://schemas.microsoft.com/office/drawing/2014/main" id="{D74C8F93-FAD2-4BDA-BCDF-972D0AFE2DFA}"/>
-              </a:ext>
-            </a:extLst>
-          </p:cNvPr>
-          <p:cNvSpPr>
-            <a:spLocks noGrp="1"/>
+          <p:cNvPr id="3" name="Content Placeholder 2"/>
+          <p:cNvSpPr>
+            <a:spLocks noGrp="true"/>
           </p:cNvSpPr>
           <p:nvPr>
             <p:ph idx="1"/>
@@ -2267,6 +1949,7 @@
               <a:rPr lang="en-US"/>
               <a:t>Click to edit Master text styles</a:t>
             </a:r>
+            <a:endParaRPr lang="en-US"/>
           </a:p>
           <a:p>
             <a:pPr lvl="1"/>
@@ -2274,6 +1957,7 @@
               <a:rPr lang="en-US"/>
               <a:t>Second level</a:t>
             </a:r>
+            <a:endParaRPr lang="en-US"/>
           </a:p>
           <a:p>
             <a:pPr lvl="2"/>
@@ -2281,6 +1965,7 @@
               <a:rPr lang="en-US"/>
               <a:t>Third level</a:t>
             </a:r>
+            <a:endParaRPr lang="en-US"/>
           </a:p>
           <a:p>
             <a:pPr lvl="3"/>
@@ -2288,6 +1973,7 @@
               <a:rPr lang="en-US"/>
               <a:t>Fourth level</a:t>
             </a:r>
+            <a:endParaRPr lang="en-US"/>
           </a:p>
           <a:p>
             <a:pPr lvl="4"/>
@@ -2301,15 +1987,9 @@
       </p:sp>
       <p:sp>
         <p:nvSpPr>
-          <p:cNvPr id="4" name="Text Placeholder 3">
-            <a:extLst>
-              <a:ext uri="{FF2B5EF4-FFF2-40B4-BE49-F238E27FC236}">
-                <a16:creationId xmlns:a16="http://schemas.microsoft.com/office/drawing/2014/main" id="{7F970B9F-5512-4814-89AC-3F60B118126B}"/>
-              </a:ext>
-            </a:extLst>
-          </p:cNvPr>
-          <p:cNvSpPr>
-            <a:spLocks noGrp="1"/>
+          <p:cNvPr id="4" name="Text Placeholder 3"/>
+          <p:cNvSpPr>
+            <a:spLocks noGrp="true"/>
           </p:cNvSpPr>
           <p:nvPr>
             <p:ph type="body" sz="half" idx="2"/>
@@ -2367,20 +2047,15 @@
               <a:rPr lang="en-US"/>
               <a:t>Click to edit Master text styles</a:t>
             </a:r>
-          </a:p>
-        </p:txBody>
-      </p:sp>
-      <p:sp>
-        <p:nvSpPr>
-          <p:cNvPr id="5" name="Date Placeholder 4">
-            <a:extLst>
-              <a:ext uri="{FF2B5EF4-FFF2-40B4-BE49-F238E27FC236}">
-                <a16:creationId xmlns:a16="http://schemas.microsoft.com/office/drawing/2014/main" id="{82E3DAA3-8F52-4511-A3D5-A8127E2A5A29}"/>
-              </a:ext>
-            </a:extLst>
-          </p:cNvPr>
-          <p:cNvSpPr>
-            <a:spLocks noGrp="1"/>
+            <a:endParaRPr lang="en-US"/>
+          </a:p>
+        </p:txBody>
+      </p:sp>
+      <p:sp>
+        <p:nvSpPr>
+          <p:cNvPr id="5" name="Date Placeholder 4"/>
+          <p:cNvSpPr>
+            <a:spLocks noGrp="true"/>
           </p:cNvSpPr>
           <p:nvPr>
             <p:ph type="dt" sz="half" idx="10"/>
@@ -2393,7 +2068,6 @@
           <a:p>
             <a:fld id="{8F7C5816-6D61-4151-8709-B4479328FDC3}" type="datetimeFigureOut">
               <a:rPr lang="en-IN" smtClean="0"/>
-              <a:t>01-04-2021</a:t>
             </a:fld>
             <a:endParaRPr lang="en-IN"/>
           </a:p>
@@ -2401,15 +2075,9 @@
       </p:sp>
       <p:sp>
         <p:nvSpPr>
-          <p:cNvPr id="6" name="Footer Placeholder 5">
-            <a:extLst>
-              <a:ext uri="{FF2B5EF4-FFF2-40B4-BE49-F238E27FC236}">
-                <a16:creationId xmlns:a16="http://schemas.microsoft.com/office/drawing/2014/main" id="{A6CEC839-527B-49EA-9519-99518A9B060F}"/>
-              </a:ext>
-            </a:extLst>
-          </p:cNvPr>
-          <p:cNvSpPr>
-            <a:spLocks noGrp="1"/>
+          <p:cNvPr id="6" name="Footer Placeholder 5"/>
+          <p:cNvSpPr>
+            <a:spLocks noGrp="true"/>
           </p:cNvSpPr>
           <p:nvPr>
             <p:ph type="ftr" sz="quarter" idx="11"/>
@@ -2426,15 +2094,9 @@
       </p:sp>
       <p:sp>
         <p:nvSpPr>
-          <p:cNvPr id="7" name="Slide Number Placeholder 6">
-            <a:extLst>
-              <a:ext uri="{FF2B5EF4-FFF2-40B4-BE49-F238E27FC236}">
-                <a16:creationId xmlns:a16="http://schemas.microsoft.com/office/drawing/2014/main" id="{7DD23ECA-22BD-4E37-B71A-E08D0C164893}"/>
-              </a:ext>
-            </a:extLst>
-          </p:cNvPr>
-          <p:cNvSpPr>
-            <a:spLocks noGrp="1"/>
+          <p:cNvPr id="7" name="Slide Number Placeholder 6"/>
+          <p:cNvSpPr>
+            <a:spLocks noGrp="true"/>
           </p:cNvSpPr>
           <p:nvPr>
             <p:ph type="sldNum" sz="quarter" idx="12"/>
@@ -2447,18 +2109,12 @@
           <a:p>
             <a:fld id="{8A446C93-5C86-4F64-AA4E-590B407406CD}" type="slidenum">
               <a:rPr lang="en-IN" smtClean="0"/>
-              <a:t>‹#›</a:t>
             </a:fld>
             <a:endParaRPr lang="en-IN"/>
           </a:p>
         </p:txBody>
       </p:sp>
     </p:spTree>
-    <p:extLst>
-      <p:ext uri="{BB962C8B-B14F-4D97-AF65-F5344CB8AC3E}">
-        <p14:creationId xmlns:p14="http://schemas.microsoft.com/office/powerpoint/2010/main" val="3224302782"/>
-      </p:ext>
-    </p:extLst>
   </p:cSld>
   <p:clrMapOvr>
     <a:masterClrMapping/>
@@ -2485,15 +2141,9 @@
       </p:grpSpPr>
       <p:sp>
         <p:nvSpPr>
-          <p:cNvPr id="2" name="Title 1">
-            <a:extLst>
-              <a:ext uri="{FF2B5EF4-FFF2-40B4-BE49-F238E27FC236}">
-                <a16:creationId xmlns:a16="http://schemas.microsoft.com/office/drawing/2014/main" id="{67793319-CDEB-4EA2-B322-1B673C87C126}"/>
-              </a:ext>
-            </a:extLst>
-          </p:cNvPr>
-          <p:cNvSpPr>
-            <a:spLocks noGrp="1"/>
+          <p:cNvPr id="2" name="Title 1"/>
+          <p:cNvSpPr>
+            <a:spLocks noGrp="true"/>
           </p:cNvSpPr>
           <p:nvPr>
             <p:ph type="title"/>
@@ -2523,15 +2173,9 @@
       </p:sp>
       <p:sp>
         <p:nvSpPr>
-          <p:cNvPr id="3" name="Picture Placeholder 2">
-            <a:extLst>
-              <a:ext uri="{FF2B5EF4-FFF2-40B4-BE49-F238E27FC236}">
-                <a16:creationId xmlns:a16="http://schemas.microsoft.com/office/drawing/2014/main" id="{CE40E494-95E3-4829-97A1-C115FB51FE3C}"/>
-              </a:ext>
-            </a:extLst>
-          </p:cNvPr>
-          <p:cNvSpPr>
-            <a:spLocks noGrp="1"/>
+          <p:cNvPr id="3" name="Picture Placeholder 2"/>
+          <p:cNvSpPr>
+            <a:spLocks noGrp="true"/>
           </p:cNvSpPr>
           <p:nvPr>
             <p:ph type="pic" idx="1"/>
@@ -2590,15 +2234,9 @@
       </p:sp>
       <p:sp>
         <p:nvSpPr>
-          <p:cNvPr id="4" name="Text Placeholder 3">
-            <a:extLst>
-              <a:ext uri="{FF2B5EF4-FFF2-40B4-BE49-F238E27FC236}">
-                <a16:creationId xmlns:a16="http://schemas.microsoft.com/office/drawing/2014/main" id="{D1F36797-395C-4873-AF64-416E0285488A}"/>
-              </a:ext>
-            </a:extLst>
-          </p:cNvPr>
-          <p:cNvSpPr>
-            <a:spLocks noGrp="1"/>
+          <p:cNvPr id="4" name="Text Placeholder 3"/>
+          <p:cNvSpPr>
+            <a:spLocks noGrp="true"/>
           </p:cNvSpPr>
           <p:nvPr>
             <p:ph type="body" sz="half" idx="2"/>
@@ -2656,20 +2294,15 @@
               <a:rPr lang="en-US"/>
               <a:t>Click to edit Master text styles</a:t>
             </a:r>
-          </a:p>
-        </p:txBody>
-      </p:sp>
-      <p:sp>
-        <p:nvSpPr>
-          <p:cNvPr id="5" name="Date Placeholder 4">
-            <a:extLst>
-              <a:ext uri="{FF2B5EF4-FFF2-40B4-BE49-F238E27FC236}">
-                <a16:creationId xmlns:a16="http://schemas.microsoft.com/office/drawing/2014/main" id="{66884C9B-EDE6-41A5-B40E-76BE495DDF7F}"/>
-              </a:ext>
-            </a:extLst>
-          </p:cNvPr>
-          <p:cNvSpPr>
-            <a:spLocks noGrp="1"/>
+            <a:endParaRPr lang="en-US"/>
+          </a:p>
+        </p:txBody>
+      </p:sp>
+      <p:sp>
+        <p:nvSpPr>
+          <p:cNvPr id="5" name="Date Placeholder 4"/>
+          <p:cNvSpPr>
+            <a:spLocks noGrp="true"/>
           </p:cNvSpPr>
           <p:nvPr>
             <p:ph type="dt" sz="half" idx="10"/>
@@ -2682,7 +2315,6 @@
           <a:p>
             <a:fld id="{8F7C5816-6D61-4151-8709-B4479328FDC3}" type="datetimeFigureOut">
               <a:rPr lang="en-IN" smtClean="0"/>
-              <a:t>01-04-2021</a:t>
             </a:fld>
             <a:endParaRPr lang="en-IN"/>
           </a:p>
@@ -2690,15 +2322,9 @@
       </p:sp>
       <p:sp>
         <p:nvSpPr>
-          <p:cNvPr id="6" name="Footer Placeholder 5">
-            <a:extLst>
-              <a:ext uri="{FF2B5EF4-FFF2-40B4-BE49-F238E27FC236}">
-                <a16:creationId xmlns:a16="http://schemas.microsoft.com/office/drawing/2014/main" id="{7EF3B943-7213-42F0-AC69-43045F9007B3}"/>
-              </a:ext>
-            </a:extLst>
-          </p:cNvPr>
-          <p:cNvSpPr>
-            <a:spLocks noGrp="1"/>
+          <p:cNvPr id="6" name="Footer Placeholder 5"/>
+          <p:cNvSpPr>
+            <a:spLocks noGrp="true"/>
           </p:cNvSpPr>
           <p:nvPr>
             <p:ph type="ftr" sz="quarter" idx="11"/>
@@ -2715,15 +2341,9 @@
       </p:sp>
       <p:sp>
         <p:nvSpPr>
-          <p:cNvPr id="7" name="Slide Number Placeholder 6">
-            <a:extLst>
-              <a:ext uri="{FF2B5EF4-FFF2-40B4-BE49-F238E27FC236}">
-                <a16:creationId xmlns:a16="http://schemas.microsoft.com/office/drawing/2014/main" id="{C14A9780-9184-44E7-BC4E-28EA9B38CD60}"/>
-              </a:ext>
-            </a:extLst>
-          </p:cNvPr>
-          <p:cNvSpPr>
-            <a:spLocks noGrp="1"/>
+          <p:cNvPr id="7" name="Slide Number Placeholder 6"/>
+          <p:cNvSpPr>
+            <a:spLocks noGrp="true"/>
           </p:cNvSpPr>
           <p:nvPr>
             <p:ph type="sldNum" sz="quarter" idx="12"/>
@@ -2736,18 +2356,12 @@
           <a:p>
             <a:fld id="{8A446C93-5C86-4F64-AA4E-590B407406CD}" type="slidenum">
               <a:rPr lang="en-IN" smtClean="0"/>
-              <a:t>‹#›</a:t>
             </a:fld>
             <a:endParaRPr lang="en-IN"/>
           </a:p>
         </p:txBody>
       </p:sp>
     </p:spTree>
-    <p:extLst>
-      <p:ext uri="{BB962C8B-B14F-4D97-AF65-F5344CB8AC3E}">
-        <p14:creationId xmlns:p14="http://schemas.microsoft.com/office/powerpoint/2010/main" val="2359066949"/>
-      </p:ext>
-    </p:extLst>
   </p:cSld>
   <p:clrMapOvr>
     <a:masterClrMapping/>
@@ -2779,15 +2393,9 @@
       </p:grpSpPr>
       <p:sp>
         <p:nvSpPr>
-          <p:cNvPr id="2" name="Title Placeholder 1">
-            <a:extLst>
-              <a:ext uri="{FF2B5EF4-FFF2-40B4-BE49-F238E27FC236}">
-                <a16:creationId xmlns:a16="http://schemas.microsoft.com/office/drawing/2014/main" id="{0827E358-235D-4FF4-9F1A-3A91F2832450}"/>
-              </a:ext>
-            </a:extLst>
-          </p:cNvPr>
-          <p:cNvSpPr>
-            <a:spLocks noGrp="1"/>
+          <p:cNvPr id="2" name="Title Placeholder 1"/>
+          <p:cNvSpPr>
+            <a:spLocks noGrp="true"/>
           </p:cNvSpPr>
           <p:nvPr>
             <p:ph type="title"/>
@@ -2818,15 +2426,9 @@
       </p:sp>
       <p:sp>
         <p:nvSpPr>
-          <p:cNvPr id="3" name="Text Placeholder 2">
-            <a:extLst>
-              <a:ext uri="{FF2B5EF4-FFF2-40B4-BE49-F238E27FC236}">
-                <a16:creationId xmlns:a16="http://schemas.microsoft.com/office/drawing/2014/main" id="{063D4204-D51C-4DEC-9CDF-8B3DBA1B7712}"/>
-              </a:ext>
-            </a:extLst>
-          </p:cNvPr>
-          <p:cNvSpPr>
-            <a:spLocks noGrp="1"/>
+          <p:cNvPr id="3" name="Text Placeholder 2"/>
+          <p:cNvSpPr>
+            <a:spLocks noGrp="true"/>
           </p:cNvSpPr>
           <p:nvPr>
             <p:ph type="body" idx="1"/>
@@ -2852,6 +2454,7 @@
               <a:rPr lang="en-US"/>
               <a:t>Click to edit Master text styles</a:t>
             </a:r>
+            <a:endParaRPr lang="en-US"/>
           </a:p>
           <a:p>
             <a:pPr lvl="1"/>
@@ -2859,6 +2462,7 @@
               <a:rPr lang="en-US"/>
               <a:t>Second level</a:t>
             </a:r>
+            <a:endParaRPr lang="en-US"/>
           </a:p>
           <a:p>
             <a:pPr lvl="2"/>
@@ -2866,6 +2470,7 @@
               <a:rPr lang="en-US"/>
               <a:t>Third level</a:t>
             </a:r>
+            <a:endParaRPr lang="en-US"/>
           </a:p>
           <a:p>
             <a:pPr lvl="3"/>
@@ -2873,6 +2478,7 @@
               <a:rPr lang="en-US"/>
               <a:t>Fourth level</a:t>
             </a:r>
+            <a:endParaRPr lang="en-US"/>
           </a:p>
           <a:p>
             <a:pPr lvl="4"/>
@@ -2886,15 +2492,9 @@
       </p:sp>
       <p:sp>
         <p:nvSpPr>
-          <p:cNvPr id="4" name="Date Placeholder 3">
-            <a:extLst>
-              <a:ext uri="{FF2B5EF4-FFF2-40B4-BE49-F238E27FC236}">
-                <a16:creationId xmlns:a16="http://schemas.microsoft.com/office/drawing/2014/main" id="{6264502F-284E-42AA-90D8-4581F074D5B6}"/>
-              </a:ext>
-            </a:extLst>
-          </p:cNvPr>
-          <p:cNvSpPr>
-            <a:spLocks noGrp="1"/>
+          <p:cNvPr id="4" name="Date Placeholder 3"/>
+          <p:cNvSpPr>
+            <a:spLocks noGrp="true"/>
           </p:cNvSpPr>
           <p:nvPr>
             <p:ph type="dt" sz="half" idx="2"/>
@@ -2925,7 +2525,6 @@
           <a:p>
             <a:fld id="{8F7C5816-6D61-4151-8709-B4479328FDC3}" type="datetimeFigureOut">
               <a:rPr lang="en-IN" smtClean="0"/>
-              <a:t>01-04-2021</a:t>
             </a:fld>
             <a:endParaRPr lang="en-IN"/>
           </a:p>
@@ -2933,15 +2532,9 @@
       </p:sp>
       <p:sp>
         <p:nvSpPr>
-          <p:cNvPr id="5" name="Footer Placeholder 4">
-            <a:extLst>
-              <a:ext uri="{FF2B5EF4-FFF2-40B4-BE49-F238E27FC236}">
-                <a16:creationId xmlns:a16="http://schemas.microsoft.com/office/drawing/2014/main" id="{085ADFCC-DCD7-4B34-ABD2-25C8090AC77E}"/>
-              </a:ext>
-            </a:extLst>
-          </p:cNvPr>
-          <p:cNvSpPr>
-            <a:spLocks noGrp="1"/>
+          <p:cNvPr id="5" name="Footer Placeholder 4"/>
+          <p:cNvSpPr>
+            <a:spLocks noGrp="true"/>
           </p:cNvSpPr>
           <p:nvPr>
             <p:ph type="ftr" sz="quarter" idx="3"/>
@@ -2976,15 +2569,9 @@
       </p:sp>
       <p:sp>
         <p:nvSpPr>
-          <p:cNvPr id="6" name="Slide Number Placeholder 5">
-            <a:extLst>
-              <a:ext uri="{FF2B5EF4-FFF2-40B4-BE49-F238E27FC236}">
-                <a16:creationId xmlns:a16="http://schemas.microsoft.com/office/drawing/2014/main" id="{0C398709-1F55-424F-8498-899EC41839D1}"/>
-              </a:ext>
-            </a:extLst>
-          </p:cNvPr>
-          <p:cNvSpPr>
-            <a:spLocks noGrp="1"/>
+          <p:cNvPr id="6" name="Slide Number Placeholder 5"/>
+          <p:cNvSpPr>
+            <a:spLocks noGrp="true"/>
           </p:cNvSpPr>
           <p:nvPr>
             <p:ph type="sldNum" sz="quarter" idx="4"/>
@@ -3015,18 +2602,12 @@
           <a:p>
             <a:fld id="{8A446C93-5C86-4F64-AA4E-590B407406CD}" type="slidenum">
               <a:rPr lang="en-IN" smtClean="0"/>
-              <a:t>‹#›</a:t>
             </a:fld>
             <a:endParaRPr lang="en-IN"/>
           </a:p>
         </p:txBody>
       </p:sp>
     </p:spTree>
-    <p:extLst>
-      <p:ext uri="{BB962C8B-B14F-4D97-AF65-F5344CB8AC3E}">
-        <p14:creationId xmlns:p14="http://schemas.microsoft.com/office/powerpoint/2010/main" val="470937601"/>
-      </p:ext>
-    </p:extLst>
   </p:cSld>
   <p:clrMap bg1="lt1" tx1="dk1" bg2="lt2" tx2="dk2" accent1="accent1" accent2="accent2" accent3="accent3" accent4="accent4" accent5="accent5" accent6="accent6" hlink="hlink" folHlink="folHlink"/>
   <p:sldLayoutIdLst>
@@ -3344,13 +2925,7 @@
       </p:grpSpPr>
       <p:sp>
         <p:nvSpPr>
-          <p:cNvPr id="4" name="Rectangle 3">
-            <a:extLst>
-              <a:ext uri="{FF2B5EF4-FFF2-40B4-BE49-F238E27FC236}">
-                <a16:creationId xmlns:a16="http://schemas.microsoft.com/office/drawing/2014/main" id="{8FD36F3C-371C-4003-9520-3EA69C0D97AE}"/>
-              </a:ext>
-            </a:extLst>
-          </p:cNvPr>
+          <p:cNvPr id="4" name="Rectangle 3"/>
           <p:cNvSpPr/>
           <p:nvPr/>
         </p:nvSpPr>
@@ -3397,13 +2972,7 @@
       </p:sp>
       <p:sp>
         <p:nvSpPr>
-          <p:cNvPr id="5" name="Rectangle 4">
-            <a:extLst>
-              <a:ext uri="{FF2B5EF4-FFF2-40B4-BE49-F238E27FC236}">
-                <a16:creationId xmlns:a16="http://schemas.microsoft.com/office/drawing/2014/main" id="{80FEA7A2-0FCA-4F70-99CC-C461B2E299B3}"/>
-              </a:ext>
-            </a:extLst>
-          </p:cNvPr>
+          <p:cNvPr id="5" name="Rectangle 4"/>
           <p:cNvSpPr/>
           <p:nvPr/>
         </p:nvSpPr>
@@ -3441,30 +3010,32 @@
           <a:p>
             <a:pPr algn="ctr"/>
             <a:r>
-              <a:rPr lang="en-US" dirty="0"/>
-              <a:t>Home	About US	    Gallery    By Laws     Members    </a:t>
-            </a:r>
-            <a:r>
-              <a:rPr lang="en-US" dirty="0" err="1"/>
+              <a:rPr lang="en-US" sz="1600" dirty="0"/>
+              <a:t>Home	About U</a:t>
+            </a:r>
+            <a:r>
+              <a:rPr lang="" altLang="en-US" sz="1600" dirty="0"/>
+              <a:t>s</a:t>
+            </a:r>
+            <a:r>
+              <a:rPr lang="en-US" sz="1600" dirty="0"/>
+              <a:t>	    Gallery    By Laws     Members    </a:t>
+            </a:r>
+            <a:r>
+              <a:rPr lang="en-US" sz="1600" dirty="0" err="1"/>
               <a:t>TechNews</a:t>
             </a:r>
             <a:r>
-              <a:rPr lang="en-US" dirty="0"/>
+              <a:rPr lang="en-US" sz="1600" dirty="0"/>
               <a:t>     CareerNews     Alumni    Login</a:t>
             </a:r>
-            <a:endParaRPr lang="en-IN" dirty="0"/>
-          </a:p>
-        </p:txBody>
-      </p:sp>
-      <p:sp>
-        <p:nvSpPr>
-          <p:cNvPr id="6" name="Rectangle 5">
-            <a:extLst>
-              <a:ext uri="{FF2B5EF4-FFF2-40B4-BE49-F238E27FC236}">
-                <a16:creationId xmlns:a16="http://schemas.microsoft.com/office/drawing/2014/main" id="{A344E7AE-B648-4DB4-8F15-F08BBB8CD071}"/>
-              </a:ext>
-            </a:extLst>
-          </p:cNvPr>
+            <a:endParaRPr lang="en-IN" sz="1600" dirty="0"/>
+          </a:p>
+        </p:txBody>
+      </p:sp>
+      <p:sp>
+        <p:nvSpPr>
+          <p:cNvPr id="6" name="Rectangle 5"/>
           <p:cNvSpPr/>
           <p:nvPr/>
         </p:nvSpPr>
@@ -3504,64 +3075,72 @@
           <a:lstStyle/>
           <a:p>
             <a:r>
-              <a:rPr lang="en-US" sz="1400" dirty="0"/>
+              <a:rPr lang="" altLang="en-US" sz="1400" dirty="0"/>
+              <a:t>Useful Links:</a:t>
+            </a:r>
+            <a:endParaRPr lang="" altLang="en-US" sz="1400" dirty="0"/>
+          </a:p>
+          <a:p>
+            <a:r>
+              <a:rPr lang="en-US" sz="1200" dirty="0"/>
               <a:t>About ACM</a:t>
             </a:r>
-          </a:p>
-          <a:p>
-            <a:r>
-              <a:rPr lang="en-US" sz="1400" dirty="0"/>
+            <a:endParaRPr lang="en-US" sz="1200" dirty="0"/>
+          </a:p>
+          <a:p>
+            <a:r>
+              <a:rPr lang="en-US" sz="1200" dirty="0"/>
               <a:t>Join ACM</a:t>
             </a:r>
-          </a:p>
-          <a:p>
-            <a:r>
-              <a:rPr lang="en-US" sz="1400" dirty="0"/>
+            <a:endParaRPr lang="en-US" sz="1200" dirty="0"/>
+          </a:p>
+          <a:p>
+            <a:r>
+              <a:rPr lang="en-US" sz="1200" dirty="0"/>
               <a:t>ACM Digital Library</a:t>
             </a:r>
-          </a:p>
-          <a:p>
-            <a:r>
-              <a:rPr lang="en-US" sz="1400" dirty="0"/>
+            <a:endParaRPr lang="en-US" sz="1200" dirty="0"/>
+          </a:p>
+          <a:p>
+            <a:r>
+              <a:rPr lang="en-US" sz="1200" dirty="0"/>
               <a:t>Contact ACM</a:t>
             </a:r>
-          </a:p>
-          <a:p>
-            <a:r>
-              <a:rPr lang="en-US" sz="1400" dirty="0"/>
+            <a:endParaRPr lang="en-US" sz="1200" dirty="0"/>
+          </a:p>
+          <a:p>
+            <a:r>
+              <a:rPr lang="en-US" sz="1200" dirty="0"/>
               <a:t>ACM Policies</a:t>
             </a:r>
-          </a:p>
-          <a:p>
-            <a:r>
-              <a:rPr lang="en-US" sz="1400" dirty="0"/>
+            <a:endParaRPr lang="en-US" sz="1200" dirty="0"/>
+          </a:p>
+          <a:p>
+            <a:r>
+              <a:rPr lang="en-US" sz="1200" dirty="0"/>
               <a:t>ACM Membership</a:t>
             </a:r>
-          </a:p>
-          <a:p>
-            <a:r>
-              <a:rPr lang="en-US" sz="1400" dirty="0"/>
+            <a:endParaRPr lang="en-US" sz="1200" dirty="0"/>
+          </a:p>
+          <a:p>
+            <a:r>
+              <a:rPr lang="en-US" sz="1200" dirty="0"/>
               <a:t>ACM chapters</a:t>
             </a:r>
-          </a:p>
-          <a:p>
-            <a:r>
-              <a:rPr lang="en-US" sz="1400" dirty="0"/>
+            <a:endParaRPr lang="en-US" sz="1200" dirty="0"/>
+          </a:p>
+          <a:p>
+            <a:r>
+              <a:rPr lang="en-US" sz="1200" dirty="0"/>
               <a:t>Career and Job Center </a:t>
             </a:r>
-            <a:endParaRPr lang="en-IN" sz="1400" dirty="0"/>
-          </a:p>
-        </p:txBody>
-      </p:sp>
-      <p:sp>
-        <p:nvSpPr>
-          <p:cNvPr id="7" name="Rectangle 6">
-            <a:extLst>
-              <a:ext uri="{FF2B5EF4-FFF2-40B4-BE49-F238E27FC236}">
-                <a16:creationId xmlns:a16="http://schemas.microsoft.com/office/drawing/2014/main" id="{A8C2BE33-889D-460E-8296-B230CC035C0C}"/>
-              </a:ext>
-            </a:extLst>
-          </p:cNvPr>
+            <a:endParaRPr lang="en-IN" sz="1200" dirty="0"/>
+          </a:p>
+        </p:txBody>
+      </p:sp>
+      <p:sp>
+        <p:nvSpPr>
+          <p:cNvPr id="7" name="Rectangle 6"/>
           <p:cNvSpPr/>
           <p:nvPr/>
         </p:nvSpPr>
@@ -3600,51 +3179,14 @@
           <a:bodyPr rtlCol="0" anchor="ctr"/>
           <a:lstStyle/>
           <a:p>
-            <a:pPr algn="ctr"/>
-            <a:r>
-              <a:rPr lang="en-US" dirty="0"/>
-              <a:t>Contact Us:</a:t>
-            </a:r>
-          </a:p>
-          <a:p>
-            <a:pPr algn="ctr"/>
-            <a:r>
-              <a:rPr lang="en-US" dirty="0"/>
-              <a:t>PVP </a:t>
-            </a:r>
-            <a:r>
-              <a:rPr lang="en-US" dirty="0" err="1"/>
-              <a:t>Sidddhartha</a:t>
-            </a:r>
-            <a:r>
-              <a:rPr lang="en-US" dirty="0"/>
-              <a:t> </a:t>
-            </a:r>
-            <a:r>
-              <a:rPr lang="en-US" dirty="0" err="1"/>
-              <a:t>Intitute</a:t>
-            </a:r>
-            <a:r>
-              <a:rPr lang="en-US" dirty="0"/>
-              <a:t> of Technology Vijayawada </a:t>
-            </a:r>
-            <a:r>
-              <a:rPr lang="en-US"/>
-              <a:t>ACM Student Chapter</a:t>
-            </a:r>
-            <a:endParaRPr lang="en-IN"/>
-          </a:p>
-        </p:txBody>
-      </p:sp>
-      <p:sp>
-        <p:nvSpPr>
-          <p:cNvPr id="8" name="Rectangle 7">
-            <a:extLst>
-              <a:ext uri="{FF2B5EF4-FFF2-40B4-BE49-F238E27FC236}">
-                <a16:creationId xmlns:a16="http://schemas.microsoft.com/office/drawing/2014/main" id="{8FFC605D-356D-43ED-B673-D41C55329095}"/>
-              </a:ext>
-            </a:extLst>
-          </p:cNvPr>
+            <a:pPr algn="l"/>
+            <a:endParaRPr lang="" altLang="en-US" sz="1200"/>
+          </a:p>
+        </p:txBody>
+      </p:sp>
+      <p:sp>
+        <p:nvSpPr>
+          <p:cNvPr id="8" name="Rectangle 7"/>
           <p:cNvSpPr/>
           <p:nvPr/>
         </p:nvSpPr>
@@ -3683,17 +3225,829 @@
           <a:bodyPr rtlCol="0" anchor="ctr"/>
           <a:lstStyle/>
           <a:p>
+            <a:pPr algn="l"/>
+            <a:r>
+              <a:rPr lang="en-US" dirty="0">
+                <a:sym typeface="+mn-ea"/>
+              </a:rPr>
+              <a:t>Contact Us:</a:t>
+            </a:r>
+            <a:endParaRPr lang="en-US" dirty="0"/>
+          </a:p>
+          <a:p>
+            <a:pPr algn="l"/>
+            <a:r>
+              <a:rPr lang="en-US" sz="1200" dirty="0">
+                <a:sym typeface="+mn-ea"/>
+              </a:rPr>
+              <a:t>PVP </a:t>
+            </a:r>
+            <a:r>
+              <a:rPr lang="en-US" sz="1200" dirty="0" err="1">
+                <a:sym typeface="+mn-ea"/>
+              </a:rPr>
+              <a:t>Sidddhartha</a:t>
+            </a:r>
+            <a:r>
+              <a:rPr lang="en-US" sz="1200" dirty="0">
+                <a:sym typeface="+mn-ea"/>
+              </a:rPr>
+              <a:t> </a:t>
+            </a:r>
+            <a:r>
+              <a:rPr lang="en-US" sz="1200" dirty="0" err="1">
+                <a:sym typeface="+mn-ea"/>
+              </a:rPr>
+              <a:t>Intitute</a:t>
+            </a:r>
+            <a:r>
+              <a:rPr lang="en-US" sz="1200" dirty="0">
+                <a:sym typeface="+mn-ea"/>
+              </a:rPr>
+              <a:t> of Technology Vijayawada </a:t>
+            </a:r>
+            <a:r>
+              <a:rPr lang="en-US" sz="1200">
+                <a:sym typeface="+mn-ea"/>
+              </a:rPr>
+              <a:t>ACM Student Chapter</a:t>
+            </a:r>
+            <a:r>
+              <a:rPr lang="en-US" altLang="en-US" sz="1200">
+                <a:sym typeface="+mn-ea"/>
+              </a:rPr>
+              <a:t>...........</a:t>
+            </a:r>
+            <a:endParaRPr lang="en-IN" sz="1200"/>
+          </a:p>
+        </p:txBody>
+      </p:sp>
+    </p:spTree>
+  </p:cSld>
+  <p:clrMapOvr>
+    <a:masterClrMapping/>
+  </p:clrMapOvr>
+</p:sld>
+</file>
+
+<file path=ppt/slides/slide2.xml><?xml version="1.0" encoding="utf-8"?>
+<p:sld xmlns:a="http://schemas.openxmlformats.org/drawingml/2006/main" xmlns:r="http://schemas.openxmlformats.org/officeDocument/2006/relationships" xmlns:p="http://schemas.openxmlformats.org/presentationml/2006/main">
+  <p:cSld>
+    <p:spTree>
+      <p:nvGrpSpPr>
+        <p:cNvPr id="1" name=""/>
+        <p:cNvGrpSpPr/>
+        <p:nvPr/>
+      </p:nvGrpSpPr>
+      <p:grpSpPr/>
+      <p:sp>
+        <p:nvSpPr>
+          <p:cNvPr id="4" name="Text Box 3"/>
+          <p:cNvSpPr txBox="true"/>
+          <p:nvPr/>
+        </p:nvSpPr>
+        <p:spPr>
+          <a:xfrm>
+            <a:off x="219075" y="279400"/>
+            <a:ext cx="9687560" cy="368300"/>
+          </a:xfrm>
+          <a:prstGeom prst="rect">
+            <a:avLst/>
+          </a:prstGeom>
+          <a:noFill/>
+        </p:spPr>
+        <p:txBody>
+          <a:bodyPr wrap="square" rtlCol="0">
+            <a:spAutoFit/>
+          </a:bodyPr>
+          <a:p>
+            <a:r>
+              <a:rPr lang="" altLang="en-US"/>
+              <a:t>Home, Tech News, Career News pages layout</a:t>
+            </a:r>
+            <a:endParaRPr lang="" altLang="en-US"/>
+          </a:p>
+        </p:txBody>
+      </p:sp>
+      <p:sp>
+        <p:nvSpPr>
+          <p:cNvPr id="6" name="Rectangle 5"/>
+          <p:cNvSpPr/>
+          <p:nvPr/>
+        </p:nvSpPr>
+        <p:spPr>
+          <a:xfrm>
+            <a:off x="310515" y="923925"/>
+            <a:ext cx="11670030" cy="5640070"/>
+          </a:xfrm>
+          <a:prstGeom prst="rect">
+            <a:avLst/>
+          </a:prstGeom>
+        </p:spPr>
+        <p:style>
+          <a:lnRef idx="2">
+            <a:schemeClr val="accent6"/>
+          </a:lnRef>
+          <a:fillRef idx="1">
+            <a:schemeClr val="lt1"/>
+          </a:fillRef>
+          <a:effectRef idx="0">
+            <a:schemeClr val="accent6"/>
+          </a:effectRef>
+          <a:fontRef idx="minor">
+            <a:schemeClr val="dk1"/>
+          </a:fontRef>
+        </p:style>
+        <p:txBody>
+          <a:bodyPr rtlCol="0" anchor="ctr"/>
+          <a:p>
             <a:pPr algn="ctr"/>
-            <a:endParaRPr lang="en-IN"/>
+            <a:endParaRPr lang="en-US"/>
+          </a:p>
+        </p:txBody>
+      </p:sp>
+      <p:sp>
+        <p:nvSpPr>
+          <p:cNvPr id="7" name="Rounded Rectangle 6"/>
+          <p:cNvSpPr/>
+          <p:nvPr/>
+        </p:nvSpPr>
+        <p:spPr>
+          <a:xfrm>
+            <a:off x="601980" y="1278890"/>
+            <a:ext cx="3010535" cy="2076450"/>
+          </a:xfrm>
+          <a:prstGeom prst="roundRect">
+            <a:avLst/>
+          </a:prstGeom>
+          <a:ln>
+            <a:solidFill>
+              <a:schemeClr val="tx1"/>
+            </a:solidFill>
+          </a:ln>
+        </p:spPr>
+        <p:style>
+          <a:lnRef idx="2">
+            <a:schemeClr val="accent6"/>
+          </a:lnRef>
+          <a:fillRef idx="1">
+            <a:schemeClr val="lt1"/>
+          </a:fillRef>
+          <a:effectRef idx="0">
+            <a:schemeClr val="accent6"/>
+          </a:effectRef>
+          <a:fontRef idx="minor">
+            <a:schemeClr val="dk1"/>
+          </a:fontRef>
+        </p:style>
+        <p:txBody>
+          <a:bodyPr rtlCol="0" anchor="ctr"/>
+          <a:p>
+            <a:pPr algn="l"/>
+            <a:r>
+              <a:rPr lang="" altLang="en-US"/>
+              <a:t>AI Past Present Future Webinar</a:t>
+            </a:r>
+            <a:endParaRPr lang="" altLang="en-US"/>
+          </a:p>
+          <a:p>
+            <a:pPr algn="l"/>
+            <a:endParaRPr lang="" altLang="en-US"/>
+          </a:p>
+          <a:p>
+            <a:pPr algn="l"/>
+            <a:endParaRPr lang="" altLang="en-US"/>
+          </a:p>
+          <a:p>
+            <a:pPr algn="l"/>
+            <a:r>
+              <a:rPr lang="" altLang="en-US"/>
+              <a:t>31-12-2020</a:t>
+            </a:r>
+            <a:endParaRPr lang="" altLang="en-US"/>
+          </a:p>
+          <a:p>
+            <a:pPr algn="l"/>
+            <a:endParaRPr lang="" altLang="en-US"/>
+          </a:p>
+        </p:txBody>
+      </p:sp>
+      <p:sp>
+        <p:nvSpPr>
+          <p:cNvPr id="8" name="Rounded Rectangle 7"/>
+          <p:cNvSpPr/>
+          <p:nvPr/>
+        </p:nvSpPr>
+        <p:spPr>
+          <a:xfrm>
+            <a:off x="4639945" y="1278890"/>
+            <a:ext cx="3010535" cy="2076450"/>
+          </a:xfrm>
+          <a:prstGeom prst="roundRect">
+            <a:avLst/>
+          </a:prstGeom>
+          <a:ln>
+            <a:solidFill>
+              <a:schemeClr val="tx1"/>
+            </a:solidFill>
+          </a:ln>
+        </p:spPr>
+        <p:style>
+          <a:lnRef idx="2">
+            <a:schemeClr val="accent6"/>
+          </a:lnRef>
+          <a:fillRef idx="1">
+            <a:schemeClr val="lt1"/>
+          </a:fillRef>
+          <a:effectRef idx="0">
+            <a:schemeClr val="accent6"/>
+          </a:effectRef>
+          <a:fontRef idx="minor">
+            <a:schemeClr val="dk1"/>
+          </a:fontRef>
+        </p:style>
+        <p:txBody>
+          <a:bodyPr rtlCol="0" anchor="ctr"/>
+          <a:p>
+            <a:pPr algn="ctr"/>
+            <a:endParaRPr lang="en-US"/>
+          </a:p>
+        </p:txBody>
+      </p:sp>
+      <p:sp>
+        <p:nvSpPr>
+          <p:cNvPr id="9" name="Rounded Rectangle 8"/>
+          <p:cNvSpPr/>
+          <p:nvPr/>
+        </p:nvSpPr>
+        <p:spPr>
+          <a:xfrm>
+            <a:off x="8616315" y="1278890"/>
+            <a:ext cx="3010535" cy="2076450"/>
+          </a:xfrm>
+          <a:prstGeom prst="roundRect">
+            <a:avLst/>
+          </a:prstGeom>
+          <a:ln>
+            <a:solidFill>
+              <a:schemeClr val="tx1"/>
+            </a:solidFill>
+          </a:ln>
+        </p:spPr>
+        <p:style>
+          <a:lnRef idx="2">
+            <a:schemeClr val="accent6"/>
+          </a:lnRef>
+          <a:fillRef idx="1">
+            <a:schemeClr val="lt1"/>
+          </a:fillRef>
+          <a:effectRef idx="0">
+            <a:schemeClr val="accent6"/>
+          </a:effectRef>
+          <a:fontRef idx="minor">
+            <a:schemeClr val="dk1"/>
+          </a:fontRef>
+        </p:style>
+        <p:txBody>
+          <a:bodyPr rtlCol="0" anchor="ctr"/>
+          <a:p>
+            <a:pPr algn="ctr"/>
+            <a:endParaRPr lang="en-US"/>
+          </a:p>
+        </p:txBody>
+      </p:sp>
+      <p:sp>
+        <p:nvSpPr>
+          <p:cNvPr id="10" name="Rounded Rectangle 9"/>
+          <p:cNvSpPr/>
+          <p:nvPr/>
+        </p:nvSpPr>
+        <p:spPr>
+          <a:xfrm>
+            <a:off x="601980" y="3834765"/>
+            <a:ext cx="3010535" cy="2167255"/>
+          </a:xfrm>
+          <a:prstGeom prst="roundRect">
+            <a:avLst/>
+          </a:prstGeom>
+          <a:ln>
+            <a:solidFill>
+              <a:schemeClr val="tx1"/>
+            </a:solidFill>
+          </a:ln>
+        </p:spPr>
+        <p:style>
+          <a:lnRef idx="2">
+            <a:schemeClr val="accent6"/>
+          </a:lnRef>
+          <a:fillRef idx="1">
+            <a:schemeClr val="lt1"/>
+          </a:fillRef>
+          <a:effectRef idx="0">
+            <a:schemeClr val="accent6"/>
+          </a:effectRef>
+          <a:fontRef idx="minor">
+            <a:schemeClr val="dk1"/>
+          </a:fontRef>
+        </p:style>
+        <p:txBody>
+          <a:bodyPr rtlCol="0" anchor="ctr"/>
+          <a:p>
+            <a:pPr algn="ctr"/>
+            <a:endParaRPr lang="en-US"/>
+          </a:p>
+        </p:txBody>
+      </p:sp>
+      <p:sp>
+        <p:nvSpPr>
+          <p:cNvPr id="11" name="Rounded Rectangle 10"/>
+          <p:cNvSpPr/>
+          <p:nvPr/>
+        </p:nvSpPr>
+        <p:spPr>
+          <a:xfrm>
+            <a:off x="4640580" y="3835400"/>
+            <a:ext cx="3010535" cy="2166620"/>
+          </a:xfrm>
+          <a:prstGeom prst="roundRect">
+            <a:avLst/>
+          </a:prstGeom>
+          <a:ln>
+            <a:solidFill>
+              <a:schemeClr val="tx1"/>
+            </a:solidFill>
+          </a:ln>
+        </p:spPr>
+        <p:style>
+          <a:lnRef idx="2">
+            <a:schemeClr val="accent6"/>
+          </a:lnRef>
+          <a:fillRef idx="1">
+            <a:schemeClr val="lt1"/>
+          </a:fillRef>
+          <a:effectRef idx="0">
+            <a:schemeClr val="accent6"/>
+          </a:effectRef>
+          <a:fontRef idx="minor">
+            <a:schemeClr val="dk1"/>
+          </a:fontRef>
+        </p:style>
+        <p:txBody>
+          <a:bodyPr rtlCol="0" anchor="ctr"/>
+          <a:p>
+            <a:pPr algn="ctr"/>
+            <a:endParaRPr lang="en-US"/>
+          </a:p>
+        </p:txBody>
+      </p:sp>
+      <p:sp>
+        <p:nvSpPr>
+          <p:cNvPr id="12" name="Rounded Rectangle 11"/>
+          <p:cNvSpPr/>
+          <p:nvPr/>
+        </p:nvSpPr>
+        <p:spPr>
+          <a:xfrm>
+            <a:off x="8616315" y="3836035"/>
+            <a:ext cx="3010535" cy="2165985"/>
+          </a:xfrm>
+          <a:prstGeom prst="roundRect">
+            <a:avLst/>
+          </a:prstGeom>
+          <a:ln>
+            <a:solidFill>
+              <a:schemeClr val="tx1"/>
+            </a:solidFill>
+          </a:ln>
+        </p:spPr>
+        <p:style>
+          <a:lnRef idx="2">
+            <a:schemeClr val="accent6"/>
+          </a:lnRef>
+          <a:fillRef idx="1">
+            <a:schemeClr val="lt1"/>
+          </a:fillRef>
+          <a:effectRef idx="0">
+            <a:schemeClr val="accent6"/>
+          </a:effectRef>
+          <a:fontRef idx="minor">
+            <a:schemeClr val="dk1"/>
+          </a:fontRef>
+        </p:style>
+        <p:txBody>
+          <a:bodyPr rtlCol="0" anchor="ctr"/>
+          <a:p>
+            <a:pPr algn="ctr"/>
+            <a:endParaRPr lang="en-US"/>
           </a:p>
         </p:txBody>
       </p:sp>
     </p:spTree>
-    <p:extLst>
-      <p:ext uri="{BB962C8B-B14F-4D97-AF65-F5344CB8AC3E}">
-        <p14:creationId xmlns:p14="http://schemas.microsoft.com/office/powerpoint/2010/main" val="2626233813"/>
-      </p:ext>
-    </p:extLst>
+  </p:cSld>
+  <p:clrMapOvr>
+    <a:masterClrMapping/>
+  </p:clrMapOvr>
+</p:sld>
+</file>
+
+<file path=ppt/slides/slide3.xml><?xml version="1.0" encoding="utf-8"?>
+<p:sld xmlns:a="http://schemas.openxmlformats.org/drawingml/2006/main" xmlns:r="http://schemas.openxmlformats.org/officeDocument/2006/relationships" xmlns:p="http://schemas.openxmlformats.org/presentationml/2006/main">
+  <p:cSld>
+    <p:spTree>
+      <p:nvGrpSpPr>
+        <p:cNvPr id="1" name=""/>
+        <p:cNvGrpSpPr/>
+        <p:nvPr/>
+      </p:nvGrpSpPr>
+      <p:grpSpPr/>
+      <p:sp>
+        <p:nvSpPr>
+          <p:cNvPr id="2" name="Title 1"/>
+          <p:cNvSpPr>
+            <a:spLocks noGrp="true"/>
+          </p:cNvSpPr>
+          <p:nvPr>
+            <p:ph type="title"/>
+          </p:nvPr>
+        </p:nvSpPr>
+        <p:spPr>
+          <a:xfrm>
+            <a:off x="838200" y="365125"/>
+            <a:ext cx="10515600" cy="433705"/>
+          </a:xfrm>
+        </p:spPr>
+        <p:txBody>
+          <a:bodyPr>
+            <a:normAutofit/>
+          </a:bodyPr>
+          <a:p>
+            <a:r>
+              <a:rPr lang="" altLang="en-US" sz="1800"/>
+              <a:t>Members Page layout</a:t>
+            </a:r>
+            <a:endParaRPr lang="" altLang="en-US" sz="1800"/>
+          </a:p>
+        </p:txBody>
+      </p:sp>
+      <p:sp>
+        <p:nvSpPr>
+          <p:cNvPr id="3" name="Content Placeholder 2"/>
+          <p:cNvSpPr>
+            <a:spLocks noGrp="true"/>
+          </p:cNvSpPr>
+          <p:nvPr>
+            <p:ph idx="1"/>
+          </p:nvPr>
+        </p:nvSpPr>
+        <p:spPr>
+          <a:xfrm>
+            <a:off x="838200" y="798830"/>
+            <a:ext cx="10515600" cy="5378450"/>
+          </a:xfrm>
+          <a:ln>
+            <a:solidFill>
+              <a:schemeClr val="tx1"/>
+            </a:solidFill>
+          </a:ln>
+        </p:spPr>
+        <p:txBody>
+          <a:bodyPr/>
+          <a:p>
+            <a:pPr marL="0" indent="0">
+              <a:buNone/>
+            </a:pPr>
+            <a:r>
+              <a:rPr lang="" altLang="en-US" sz="1200"/>
+              <a:t>Sponsor:</a:t>
+            </a:r>
+            <a:endParaRPr lang="" altLang="en-US" sz="1200"/>
+          </a:p>
+          <a:p>
+            <a:pPr marL="0" indent="0">
+              <a:buNone/>
+            </a:pPr>
+            <a:endParaRPr lang="" altLang="en-US" sz="1200"/>
+          </a:p>
+          <a:p>
+            <a:pPr marL="0" indent="0">
+              <a:buNone/>
+            </a:pPr>
+            <a:endParaRPr lang="" altLang="en-US" sz="1200"/>
+          </a:p>
+          <a:p>
+            <a:pPr marL="0" indent="0">
+              <a:buNone/>
+            </a:pPr>
+            <a:endParaRPr lang="" altLang="en-US" sz="1200"/>
+          </a:p>
+          <a:p>
+            <a:pPr marL="0" indent="0">
+              <a:buNone/>
+            </a:pPr>
+            <a:endParaRPr lang="" altLang="en-US" sz="1200"/>
+          </a:p>
+          <a:p>
+            <a:pPr marL="0" indent="0">
+              <a:buNone/>
+            </a:pPr>
+            <a:endParaRPr lang="" altLang="en-US" sz="1200"/>
+          </a:p>
+          <a:p>
+            <a:pPr marL="0" indent="0">
+              <a:buNone/>
+            </a:pPr>
+            <a:r>
+              <a:rPr lang="" altLang="en-US" sz="1200"/>
+              <a:t>Officers:</a:t>
+            </a:r>
+            <a:endParaRPr lang="" altLang="en-US" sz="1200"/>
+          </a:p>
+          <a:p>
+            <a:pPr marL="0" indent="0">
+              <a:buNone/>
+            </a:pPr>
+            <a:endParaRPr lang="" altLang="en-US" sz="1200"/>
+          </a:p>
+          <a:p>
+            <a:pPr marL="0" indent="0">
+              <a:buNone/>
+            </a:pPr>
+            <a:endParaRPr lang="" altLang="en-US" sz="1200"/>
+          </a:p>
+          <a:p>
+            <a:pPr marL="0" indent="0">
+              <a:buNone/>
+            </a:pPr>
+            <a:endParaRPr lang="" altLang="en-US" sz="1200"/>
+          </a:p>
+          <a:p>
+            <a:pPr marL="0" indent="0">
+              <a:buNone/>
+            </a:pPr>
+            <a:endParaRPr lang="" altLang="en-US" sz="1200"/>
+          </a:p>
+          <a:p>
+            <a:pPr marL="0" indent="0">
+              <a:buNone/>
+            </a:pPr>
+            <a:r>
+              <a:rPr lang="" altLang="en-US" sz="1200"/>
+              <a:t>...</a:t>
+            </a:r>
+            <a:endParaRPr lang="" altLang="en-US" sz="1200"/>
+          </a:p>
+          <a:p>
+            <a:pPr marL="0" indent="0">
+              <a:buNone/>
+            </a:pPr>
+            <a:endParaRPr lang="" altLang="en-US" sz="1200"/>
+          </a:p>
+          <a:p>
+            <a:pPr marL="0" indent="0">
+              <a:buNone/>
+            </a:pPr>
+            <a:r>
+              <a:rPr lang="" altLang="en-US" sz="1200"/>
+              <a:t>Student Members:</a:t>
+            </a:r>
+            <a:endParaRPr lang="" altLang="en-US" sz="1200"/>
+          </a:p>
+          <a:p>
+            <a:pPr marL="0" indent="0">
+              <a:buNone/>
+            </a:pPr>
+            <a:r>
+              <a:rPr lang="" altLang="en-US" sz="1200"/>
+              <a:t>...</a:t>
+            </a:r>
+            <a:endParaRPr lang="" altLang="en-US" sz="1200"/>
+          </a:p>
+          <a:p>
+            <a:pPr marL="0" indent="0">
+              <a:buNone/>
+            </a:pPr>
+            <a:endParaRPr lang="" altLang="en-US" sz="1200"/>
+          </a:p>
+          <a:p>
+            <a:pPr marL="0" indent="0">
+              <a:buNone/>
+            </a:pPr>
+            <a:r>
+              <a:rPr lang="" altLang="en-US" sz="1200"/>
+              <a:t>Faculty Members:</a:t>
+            </a:r>
+            <a:endParaRPr lang="" altLang="en-US" sz="1200"/>
+          </a:p>
+          <a:p>
+            <a:pPr marL="0" indent="0">
+              <a:buNone/>
+            </a:pPr>
+            <a:r>
+              <a:rPr lang="" altLang="en-US" sz="1200"/>
+              <a:t>...</a:t>
+            </a:r>
+            <a:endParaRPr lang="" altLang="en-US" sz="1200"/>
+          </a:p>
+        </p:txBody>
+      </p:sp>
+      <p:pic>
+        <p:nvPicPr>
+          <p:cNvPr id="4" name="Picture 3" descr="image"/>
+          <p:cNvPicPr>
+            <a:picLocks noChangeAspect="true"/>
+          </p:cNvPicPr>
+          <p:nvPr/>
+        </p:nvPicPr>
+        <p:blipFill>
+          <a:blip r:embed="rId1"/>
+          <a:stretch>
+            <a:fillRect/>
+          </a:stretch>
+        </p:blipFill>
+        <p:spPr>
+          <a:xfrm>
+            <a:off x="989330" y="1048385"/>
+            <a:ext cx="908685" cy="979805"/>
+          </a:xfrm>
+          <a:prstGeom prst="rect">
+            <a:avLst/>
+          </a:prstGeom>
+        </p:spPr>
+      </p:pic>
+      <p:sp>
+        <p:nvSpPr>
+          <p:cNvPr id="5" name="Text Box 4"/>
+          <p:cNvSpPr txBox="true"/>
+          <p:nvPr/>
+        </p:nvSpPr>
+        <p:spPr>
+          <a:xfrm>
+            <a:off x="2076450" y="1277620"/>
+            <a:ext cx="6373495" cy="460375"/>
+          </a:xfrm>
+          <a:prstGeom prst="rect">
+            <a:avLst/>
+          </a:prstGeom>
+          <a:noFill/>
+        </p:spPr>
+        <p:txBody>
+          <a:bodyPr wrap="square" rtlCol="0">
+            <a:spAutoFit/>
+          </a:bodyPr>
+          <a:p>
+            <a:r>
+              <a:rPr lang="" altLang="en-US" sz="1200"/>
+              <a:t>Prof. M. V. Ramakrishna</a:t>
+            </a:r>
+            <a:endParaRPr lang="" altLang="en-US" sz="1200"/>
+          </a:p>
+          <a:p>
+            <a:r>
+              <a:rPr lang="" altLang="en-US" sz="1200"/>
+              <a:t>CSE</a:t>
+            </a:r>
+            <a:endParaRPr lang="" altLang="en-US" sz="1200"/>
+          </a:p>
+        </p:txBody>
+      </p:sp>
+      <p:pic>
+        <p:nvPicPr>
+          <p:cNvPr id="6" name="Picture 5" descr="image"/>
+          <p:cNvPicPr>
+            <a:picLocks noChangeAspect="true"/>
+          </p:cNvPicPr>
+          <p:nvPr/>
+        </p:nvPicPr>
+        <p:blipFill>
+          <a:blip r:embed="rId1"/>
+          <a:stretch>
+            <a:fillRect/>
+          </a:stretch>
+        </p:blipFill>
+        <p:spPr>
+          <a:xfrm>
+            <a:off x="989330" y="2861310"/>
+            <a:ext cx="908050" cy="1099185"/>
+          </a:xfrm>
+          <a:prstGeom prst="rect">
+            <a:avLst/>
+          </a:prstGeom>
+        </p:spPr>
+      </p:pic>
+      <p:sp>
+        <p:nvSpPr>
+          <p:cNvPr id="8" name="Text Box 7"/>
+          <p:cNvSpPr txBox="true"/>
+          <p:nvPr/>
+        </p:nvSpPr>
+        <p:spPr>
+          <a:xfrm>
+            <a:off x="2076450" y="2861310"/>
+            <a:ext cx="3018155" cy="829945"/>
+          </a:xfrm>
+          <a:prstGeom prst="rect">
+            <a:avLst/>
+          </a:prstGeom>
+          <a:noFill/>
+        </p:spPr>
+        <p:txBody>
+          <a:bodyPr wrap="square" rtlCol="0">
+            <a:spAutoFit/>
+          </a:bodyPr>
+          <a:p>
+            <a:r>
+              <a:rPr lang="" altLang="en-US" sz="1200"/>
+              <a:t>Chair</a:t>
+            </a:r>
+            <a:endParaRPr lang="" altLang="en-US" sz="1200"/>
+          </a:p>
+          <a:p>
+            <a:endParaRPr lang="" altLang="en-US" sz="1200"/>
+          </a:p>
+          <a:p>
+            <a:r>
+              <a:rPr lang="" altLang="en-US" sz="1200"/>
+              <a:t>Sai Siddhartha Parvathaneni</a:t>
+            </a:r>
+            <a:endParaRPr lang="" altLang="en-US" sz="1200"/>
+          </a:p>
+          <a:p>
+            <a:r>
+              <a:rPr lang="" altLang="en-US" sz="1200"/>
+              <a:t>sai.siddhartha.parvathaneni@gmail.com</a:t>
+            </a:r>
+            <a:endParaRPr lang="" altLang="en-US" sz="1200"/>
+          </a:p>
+        </p:txBody>
+      </p:sp>
+      <p:pic>
+        <p:nvPicPr>
+          <p:cNvPr id="9" name="Picture 8" descr="image"/>
+          <p:cNvPicPr>
+            <a:picLocks noChangeAspect="true"/>
+          </p:cNvPicPr>
+          <p:nvPr/>
+        </p:nvPicPr>
+        <p:blipFill>
+          <a:blip r:embed="rId1"/>
+          <a:stretch>
+            <a:fillRect/>
+          </a:stretch>
+        </p:blipFill>
+        <p:spPr>
+          <a:xfrm>
+            <a:off x="6327775" y="2861310"/>
+            <a:ext cx="908050" cy="1099185"/>
+          </a:xfrm>
+          <a:prstGeom prst="rect">
+            <a:avLst/>
+          </a:prstGeom>
+        </p:spPr>
+      </p:pic>
+      <p:sp>
+        <p:nvSpPr>
+          <p:cNvPr id="10" name="Text Box 9"/>
+          <p:cNvSpPr txBox="true"/>
+          <p:nvPr/>
+        </p:nvSpPr>
+        <p:spPr>
+          <a:xfrm>
+            <a:off x="7421880" y="2861310"/>
+            <a:ext cx="3255010" cy="645160"/>
+          </a:xfrm>
+          <a:prstGeom prst="rect">
+            <a:avLst/>
+          </a:prstGeom>
+          <a:noFill/>
+        </p:spPr>
+        <p:txBody>
+          <a:bodyPr wrap="square" rtlCol="0">
+            <a:spAutoFit/>
+          </a:bodyPr>
+          <a:p>
+            <a:r>
+              <a:rPr lang="" altLang="en-US" sz="1200"/>
+              <a:t>Vice </a:t>
+            </a:r>
+            <a:r>
+              <a:rPr lang="en-US" altLang="en-US" sz="1200"/>
+              <a:t>Chair</a:t>
+            </a:r>
+            <a:endParaRPr lang="en-US" altLang="en-US" sz="1200"/>
+          </a:p>
+          <a:p>
+            <a:endParaRPr lang="en-US" altLang="en-US" sz="1200"/>
+          </a:p>
+          <a:p>
+            <a:r>
+              <a:rPr lang="" altLang="en-US" sz="1200"/>
+              <a:t>...</a:t>
+            </a:r>
+            <a:endParaRPr lang="" altLang="en-US" sz="1200"/>
+          </a:p>
+        </p:txBody>
+      </p:sp>
+    </p:spTree>
   </p:cSld>
   <p:clrMapOvr>
     <a:masterClrMapping/>
@@ -3744,7 +4098,7 @@
     </a:clrScheme>
     <a:fontScheme name="Office">
       <a:majorFont>
-        <a:latin typeface="Calibri Light" panose="020F0302020204030204"/>
+        <a:latin typeface="Calibri Light"/>
         <a:ea typeface=""/>
         <a:cs typeface=""/>
         <a:font script="Jpan" typeface="游ゴシック Light"/>
@@ -3777,26 +4131,9 @@
         <a:font script="Viet" typeface="Times New Roman"/>
         <a:font script="Uigh" typeface="Microsoft Uighur"/>
         <a:font script="Geor" typeface="Sylfaen"/>
-        <a:font script="Armn" typeface="Arial"/>
-        <a:font script="Bugi" typeface="Leelawadee UI"/>
-        <a:font script="Bopo" typeface="Microsoft JhengHei"/>
-        <a:font script="Java" typeface="Javanese Text"/>
-        <a:font script="Lisu" typeface="Segoe UI"/>
-        <a:font script="Mymr" typeface="Myanmar Text"/>
-        <a:font script="Nkoo" typeface="Ebrima"/>
-        <a:font script="Olck" typeface="Nirmala UI"/>
-        <a:font script="Osma" typeface="Ebrima"/>
-        <a:font script="Phag" typeface="Phagspa"/>
-        <a:font script="Syrn" typeface="Estrangelo Edessa"/>
-        <a:font script="Syrj" typeface="Estrangelo Edessa"/>
-        <a:font script="Syre" typeface="Estrangelo Edessa"/>
-        <a:font script="Sora" typeface="Nirmala UI"/>
-        <a:font script="Tale" typeface="Microsoft Tai Le"/>
-        <a:font script="Talu" typeface="Microsoft New Tai Lue"/>
-        <a:font script="Tfng" typeface="Ebrima"/>
       </a:majorFont>
       <a:minorFont>
-        <a:latin typeface="Calibri" panose="020F0502020204030204"/>
+        <a:latin typeface="Calibri"/>
         <a:ea typeface=""/>
         <a:cs typeface=""/>
         <a:font script="Jpan" typeface="游ゴシック"/>
@@ -3829,23 +4166,6 @@
         <a:font script="Viet" typeface="Arial"/>
         <a:font script="Uigh" typeface="Microsoft Uighur"/>
         <a:font script="Geor" typeface="Sylfaen"/>
-        <a:font script="Armn" typeface="Arial"/>
-        <a:font script="Bugi" typeface="Leelawadee UI"/>
-        <a:font script="Bopo" typeface="Microsoft JhengHei"/>
-        <a:font script="Java" typeface="Javanese Text"/>
-        <a:font script="Lisu" typeface="Segoe UI"/>
-        <a:font script="Mymr" typeface="Myanmar Text"/>
-        <a:font script="Nkoo" typeface="Ebrima"/>
-        <a:font script="Olck" typeface="Nirmala UI"/>
-        <a:font script="Osma" typeface="Ebrima"/>
-        <a:font script="Phag" typeface="Phagspa"/>
-        <a:font script="Syrn" typeface="Estrangelo Edessa"/>
-        <a:font script="Syrj" typeface="Estrangelo Edessa"/>
-        <a:font script="Syre" typeface="Estrangelo Edessa"/>
-        <a:font script="Sora" typeface="Nirmala UI"/>
-        <a:font script="Tale" typeface="Microsoft Tai Le"/>
-        <a:font script="Talu" typeface="Microsoft New Tai Lue"/>
-        <a:font script="Tfng" typeface="Ebrima"/>
       </a:minorFont>
     </a:fontScheme>
     <a:fmtScheme name="Office">
@@ -3853,7 +4173,7 @@
         <a:solidFill>
           <a:schemeClr val="phClr"/>
         </a:solidFill>
-        <a:gradFill rotWithShape="1">
+        <a:gradFill rotWithShape="true">
           <a:gsLst>
             <a:gs pos="0">
               <a:schemeClr val="phClr">
@@ -3877,9 +4197,9 @@
               </a:schemeClr>
             </a:gs>
           </a:gsLst>
-          <a:lin ang="5400000" scaled="0"/>
+          <a:lin ang="5400000" scaled="false"/>
         </a:gradFill>
-        <a:gradFill rotWithShape="1">
+        <a:gradFill rotWithShape="true">
           <a:gsLst>
             <a:gs pos="0">
               <a:schemeClr val="phClr">
@@ -3903,7 +4223,7 @@
               </a:schemeClr>
             </a:gs>
           </a:gsLst>
-          <a:lin ang="5400000" scaled="0"/>
+          <a:lin ang="5400000" scaled="false"/>
         </a:gradFill>
       </a:fillStyleLst>
       <a:lnStyleLst>
@@ -3956,7 +4276,7 @@
             <a:satMod val="170000"/>
           </a:schemeClr>
         </a:solidFill>
-        <a:gradFill rotWithShape="1">
+        <a:gradFill rotWithShape="true">
           <a:gsLst>
             <a:gs pos="0">
               <a:schemeClr val="phClr">
@@ -3981,13 +4301,11 @@
               </a:schemeClr>
             </a:gs>
           </a:gsLst>
-          <a:lin ang="5400000" scaled="0"/>
+          <a:lin ang="5400000" scaled="false"/>
         </a:gradFill>
       </a:bgFillStyleLst>
     </a:fmtScheme>
   </a:themeElements>
-  <a:objectDefaults/>
-  <a:extraClrSchemeLst/>
   <a:extLst>
     <a:ext uri="{05A4C25C-085E-4340-85A3-A5531E510DB2}">
       <thm15:themeFamily xmlns:thm15="http://schemas.microsoft.com/office/thememl/2012/main" name="Office Theme" id="{62F939B6-93AF-4DB8-9C6B-D6C7DFDC589F}" vid="{4A3C46E8-61CC-4603-A589-7422A47A8E4A}"/>

--- a/ACM_layout_ppt.pptx
+++ b/ACM_layout_ppt.pptx
@@ -2931,8 +2931,8 @@
         </p:nvSpPr>
         <p:spPr>
           <a:xfrm>
-            <a:off x="0" y="8873"/>
-            <a:ext cx="2015231" cy="435006"/>
+            <a:off x="1477645" y="8890"/>
+            <a:ext cx="1358900" cy="434975"/>
           </a:xfrm>
           <a:prstGeom prst="rect">
             <a:avLst/>
@@ -2940,6 +2940,9 @@
           <a:solidFill>
             <a:srgbClr val="00B0F0"/>
           </a:solidFill>
+          <a:ln>
+            <a:noFill/>
+          </a:ln>
         </p:spPr>
         <p:style>
           <a:lnRef idx="2">
@@ -2963,10 +2966,10 @@
           <a:p>
             <a:pPr algn="ctr"/>
             <a:r>
-              <a:rPr lang="en-US" dirty="0"/>
+              <a:rPr lang="en-US" sz="1400" dirty="0"/>
               <a:t>PVPSIT ACM</a:t>
             </a:r>
-            <a:endParaRPr lang="en-IN" dirty="0"/>
+            <a:endParaRPr lang="en-US" sz="1400" dirty="0"/>
           </a:p>
         </p:txBody>
       </p:sp>
@@ -2978,8 +2981,8 @@
         </p:nvSpPr>
         <p:spPr>
           <a:xfrm>
-            <a:off x="2015232" y="8879"/>
-            <a:ext cx="10150132" cy="435006"/>
+            <a:off x="2835910" y="8890"/>
+            <a:ext cx="7613015" cy="434975"/>
           </a:xfrm>
           <a:prstGeom prst="rect">
             <a:avLst/>
@@ -2987,6 +2990,9 @@
           <a:solidFill>
             <a:srgbClr val="00B0F0"/>
           </a:solidFill>
+          <a:ln>
+            <a:noFill/>
+          </a:ln>
         </p:spPr>
         <p:style>
           <a:lnRef idx="2">
@@ -3010,26 +3016,46 @@
           <a:p>
             <a:pPr algn="ctr"/>
             <a:r>
+              <a:rPr lang="en-US" sz="1400" dirty="0"/>
+              <a:t>Home</a:t>
+            </a:r>
+            <a:r>
+              <a:rPr lang="" altLang="en-US" sz="1400" dirty="0"/>
+              <a:t>  </a:t>
+            </a:r>
+            <a:r>
+              <a:rPr lang="en-US" sz="1400" dirty="0"/>
+              <a:t>About U</a:t>
+            </a:r>
+            <a:r>
+              <a:rPr lang="en-US" altLang="en-US" sz="1400" dirty="0"/>
+              <a:t>s</a:t>
+            </a:r>
+            <a:r>
+              <a:rPr lang="" altLang="en-US" sz="1400" dirty="0"/>
+              <a:t>  </a:t>
+            </a:r>
+            <a:r>
+              <a:rPr lang="en-US" sz="1400" dirty="0"/>
+              <a:t>Gallery   By Laws     Members    </a:t>
+            </a:r>
+            <a:r>
+              <a:rPr lang="en-US" sz="1400" dirty="0" err="1"/>
+              <a:t>TechNews</a:t>
+            </a:r>
+            <a:r>
+              <a:rPr lang="en-US" sz="1400" dirty="0"/>
+              <a:t>     CareerNews</a:t>
+            </a:r>
+            <a:r>
               <a:rPr lang="en-US" sz="1600" dirty="0"/>
-              <a:t>Home	About U</a:t>
-            </a:r>
-            <a:r>
-              <a:rPr lang="" altLang="en-US" sz="1600" dirty="0"/>
-              <a:t>s</a:t>
-            </a:r>
-            <a:r>
-              <a:rPr lang="en-US" sz="1600" dirty="0"/>
-              <a:t>	    Gallery    By Laws     Members    </a:t>
-            </a:r>
-            <a:r>
-              <a:rPr lang="en-US" sz="1600" dirty="0" err="1"/>
-              <a:t>TechNews</a:t>
-            </a:r>
-            <a:r>
-              <a:rPr lang="en-US" sz="1600" dirty="0"/>
-              <a:t>     CareerNews     Alumni    Login</a:t>
-            </a:r>
-            <a:endParaRPr lang="en-IN" sz="1600" dirty="0"/>
+              <a:t>     </a:t>
+            </a:r>
+            <a:r>
+              <a:rPr lang="en-US" sz="1400" dirty="0"/>
+              <a:t>Alumni    Login</a:t>
+            </a:r>
+            <a:endParaRPr lang="en-IN" sz="1400" dirty="0"/>
           </a:p>
         </p:txBody>
       </p:sp>
@@ -3041,8 +3067,8 @@
         </p:nvSpPr>
         <p:spPr>
           <a:xfrm>
-            <a:off x="0" y="4820575"/>
-            <a:ext cx="4057095" cy="2037425"/>
+            <a:off x="1376045" y="4820285"/>
+            <a:ext cx="2680970" cy="2037715"/>
           </a:xfrm>
           <a:prstGeom prst="rect">
             <a:avLst/>
@@ -3053,6 +3079,9 @@
               <a:lumOff val="35000"/>
             </a:schemeClr>
           </a:solidFill>
+          <a:ln>
+            <a:noFill/>
+          </a:ln>
         </p:spPr>
         <p:style>
           <a:lnRef idx="2">
@@ -3075,10 +3104,10 @@
           <a:lstStyle/>
           <a:p>
             <a:r>
-              <a:rPr lang="" altLang="en-US" sz="1400" dirty="0"/>
+              <a:rPr lang="en-US" altLang="en-US" sz="1400" dirty="0"/>
               <a:t>Useful Links:</a:t>
             </a:r>
-            <a:endParaRPr lang="" altLang="en-US" sz="1400" dirty="0"/>
+            <a:endParaRPr lang="en-US" altLang="en-US" sz="1400" dirty="0"/>
           </a:p>
           <a:p>
             <a:r>
@@ -3146,8 +3175,8 @@
         </p:nvSpPr>
         <p:spPr>
           <a:xfrm>
-            <a:off x="4057095" y="4820575"/>
-            <a:ext cx="4057095" cy="2037425"/>
+            <a:off x="4057015" y="4820285"/>
+            <a:ext cx="3267075" cy="2037715"/>
           </a:xfrm>
           <a:prstGeom prst="rect">
             <a:avLst/>
@@ -3158,6 +3187,9 @@
               <a:lumOff val="35000"/>
             </a:schemeClr>
           </a:solidFill>
+          <a:ln>
+            <a:noFill/>
+          </a:ln>
         </p:spPr>
         <p:style>
           <a:lnRef idx="2">
@@ -3180,7 +3212,7 @@
           <a:lstStyle/>
           <a:p>
             <a:pPr algn="l"/>
-            <a:endParaRPr lang="" altLang="en-US" sz="1200"/>
+            <a:endParaRPr lang="en-US" altLang="en-US" sz="1200"/>
           </a:p>
         </p:txBody>
       </p:sp>
@@ -3192,8 +3224,8 @@
         </p:nvSpPr>
         <p:spPr>
           <a:xfrm>
-            <a:off x="8114190" y="4820574"/>
-            <a:ext cx="4057095" cy="2037425"/>
+            <a:off x="7324090" y="4820285"/>
+            <a:ext cx="3377565" cy="2037715"/>
           </a:xfrm>
           <a:prstGeom prst="rect">
             <a:avLst/>
@@ -3204,6 +3236,9 @@
               <a:lumOff val="35000"/>
             </a:schemeClr>
           </a:solidFill>
+          <a:ln>
+            <a:noFill/>
+          </a:ln>
         </p:spPr>
         <p:style>
           <a:lnRef idx="2">
@@ -3279,6 +3314,192 @@
               <a:t>...........</a:t>
             </a:r>
             <a:endParaRPr lang="en-IN" sz="1200"/>
+          </a:p>
+        </p:txBody>
+      </p:sp>
+      <p:sp>
+        <p:nvSpPr>
+          <p:cNvPr id="2" name="Rectangle 1"/>
+          <p:cNvSpPr/>
+          <p:nvPr/>
+        </p:nvSpPr>
+        <p:spPr>
+          <a:xfrm>
+            <a:off x="22225" y="8890"/>
+            <a:ext cx="1455420" cy="434340"/>
+          </a:xfrm>
+          <a:prstGeom prst="rect">
+            <a:avLst/>
+          </a:prstGeom>
+          <a:solidFill>
+            <a:srgbClr val="00B0F0"/>
+          </a:solidFill>
+          <a:ln>
+            <a:noFill/>
+          </a:ln>
+        </p:spPr>
+        <p:style>
+          <a:lnRef idx="2">
+            <a:schemeClr val="accent1">
+              <a:shade val="50000"/>
+            </a:schemeClr>
+          </a:lnRef>
+          <a:fillRef idx="1">
+            <a:schemeClr val="accent1"/>
+          </a:fillRef>
+          <a:effectRef idx="0">
+            <a:schemeClr val="accent1"/>
+          </a:effectRef>
+          <a:fontRef idx="minor">
+            <a:schemeClr val="lt1"/>
+          </a:fontRef>
+        </p:style>
+        <p:txBody>
+          <a:bodyPr rtlCol="0" anchor="ctr"/>
+          <a:p>
+            <a:pPr algn="ctr"/>
+            <a:endParaRPr lang="en-US"/>
+          </a:p>
+        </p:txBody>
+      </p:sp>
+      <p:sp>
+        <p:nvSpPr>
+          <p:cNvPr id="3" name="Rectangle 2"/>
+          <p:cNvSpPr/>
+          <p:nvPr/>
+        </p:nvSpPr>
+        <p:spPr>
+          <a:xfrm>
+            <a:off x="10448925" y="8890"/>
+            <a:ext cx="1715770" cy="434340"/>
+          </a:xfrm>
+          <a:prstGeom prst="rect">
+            <a:avLst/>
+          </a:prstGeom>
+          <a:solidFill>
+            <a:srgbClr val="00B0F0"/>
+          </a:solidFill>
+          <a:ln>
+            <a:noFill/>
+          </a:ln>
+        </p:spPr>
+        <p:style>
+          <a:lnRef idx="2">
+            <a:schemeClr val="accent1">
+              <a:shade val="50000"/>
+            </a:schemeClr>
+          </a:lnRef>
+          <a:fillRef idx="1">
+            <a:schemeClr val="accent1"/>
+          </a:fillRef>
+          <a:effectRef idx="0">
+            <a:schemeClr val="accent1"/>
+          </a:effectRef>
+          <a:fontRef idx="minor">
+            <a:schemeClr val="lt1"/>
+          </a:fontRef>
+        </p:style>
+        <p:txBody>
+          <a:bodyPr rtlCol="0" anchor="ctr"/>
+          <a:p>
+            <a:pPr algn="ctr"/>
+            <a:endParaRPr lang="en-US"/>
+          </a:p>
+        </p:txBody>
+      </p:sp>
+      <p:sp>
+        <p:nvSpPr>
+          <p:cNvPr id="9" name="Rectangle 8"/>
+          <p:cNvSpPr/>
+          <p:nvPr/>
+        </p:nvSpPr>
+        <p:spPr>
+          <a:xfrm>
+            <a:off x="22225" y="4820285"/>
+            <a:ext cx="1353185" cy="2037715"/>
+          </a:xfrm>
+          <a:prstGeom prst="rect">
+            <a:avLst/>
+          </a:prstGeom>
+          <a:solidFill>
+            <a:schemeClr val="tx1">
+              <a:lumMod val="65000"/>
+              <a:lumOff val="35000"/>
+            </a:schemeClr>
+          </a:solidFill>
+          <a:ln>
+            <a:noFill/>
+          </a:ln>
+        </p:spPr>
+        <p:style>
+          <a:lnRef idx="2">
+            <a:schemeClr val="accent1">
+              <a:shade val="50000"/>
+            </a:schemeClr>
+          </a:lnRef>
+          <a:fillRef idx="1">
+            <a:schemeClr val="accent1"/>
+          </a:fillRef>
+          <a:effectRef idx="0">
+            <a:schemeClr val="accent1"/>
+          </a:effectRef>
+          <a:fontRef idx="minor">
+            <a:schemeClr val="lt1"/>
+          </a:fontRef>
+        </p:style>
+        <p:txBody>
+          <a:bodyPr rtlCol="0" anchor="ctr"/>
+          <a:p>
+            <a:pPr algn="l"/>
+            <a:endParaRPr lang="en-US" altLang="en-US" sz="1200"/>
+          </a:p>
+        </p:txBody>
+      </p:sp>
+      <p:sp>
+        <p:nvSpPr>
+          <p:cNvPr id="10" name="Rectangle 9"/>
+          <p:cNvSpPr/>
+          <p:nvPr/>
+        </p:nvSpPr>
+        <p:spPr>
+          <a:xfrm>
+            <a:off x="10448925" y="4820285"/>
+            <a:ext cx="1715770" cy="2037715"/>
+          </a:xfrm>
+          <a:prstGeom prst="rect">
+            <a:avLst/>
+          </a:prstGeom>
+          <a:solidFill>
+            <a:schemeClr val="tx1">
+              <a:lumMod val="65000"/>
+              <a:lumOff val="35000"/>
+            </a:schemeClr>
+          </a:solidFill>
+          <a:ln>
+            <a:noFill/>
+          </a:ln>
+        </p:spPr>
+        <p:style>
+          <a:lnRef idx="2">
+            <a:schemeClr val="accent1">
+              <a:shade val="50000"/>
+            </a:schemeClr>
+          </a:lnRef>
+          <a:fillRef idx="1">
+            <a:schemeClr val="accent1"/>
+          </a:fillRef>
+          <a:effectRef idx="0">
+            <a:schemeClr val="accent1"/>
+          </a:effectRef>
+          <a:fontRef idx="minor">
+            <a:schemeClr val="lt1"/>
+          </a:fontRef>
+        </p:style>
+        <p:txBody>
+          <a:bodyPr rtlCol="0" anchor="ctr"/>
+          <a:p>
+            <a:pPr algn="l"/>
+            <a:endParaRPr lang="en-US" altLang="en-US" sz="1200"/>
           </a:p>
         </p:txBody>
       </p:sp>
@@ -3322,10 +3543,10 @@
           </a:bodyPr>
           <a:p>
             <a:r>
-              <a:rPr lang="" altLang="en-US"/>
+              <a:rPr lang="en-US" altLang="en-US"/>
               <a:t>Home, Tech News, Career News pages layout</a:t>
             </a:r>
-            <a:endParaRPr lang="" altLang="en-US"/>
+            <a:endParaRPr lang="en-US" altLang="en-US"/>
           </a:p>
         </p:txBody>
       </p:sp>
@@ -3405,30 +3626,30 @@
           <a:p>
             <a:pPr algn="l"/>
             <a:r>
-              <a:rPr lang="" altLang="en-US"/>
+              <a:rPr lang="en-US" altLang="en-US"/>
               <a:t>AI Past Present Future Webinar</a:t>
             </a:r>
-            <a:endParaRPr lang="" altLang="en-US"/>
+            <a:endParaRPr lang="en-US" altLang="en-US"/>
           </a:p>
           <a:p>
             <a:pPr algn="l"/>
-            <a:endParaRPr lang="" altLang="en-US"/>
+            <a:endParaRPr lang="en-US" altLang="en-US"/>
           </a:p>
           <a:p>
             <a:pPr algn="l"/>
-            <a:endParaRPr lang="" altLang="en-US"/>
+            <a:endParaRPr lang="en-US" altLang="en-US"/>
           </a:p>
           <a:p>
             <a:pPr algn="l"/>
             <a:r>
-              <a:rPr lang="" altLang="en-US"/>
+              <a:rPr lang="en-US" altLang="en-US"/>
               <a:t>31-12-2020</a:t>
             </a:r>
-            <a:endParaRPr lang="" altLang="en-US"/>
+            <a:endParaRPr lang="en-US" altLang="en-US"/>
           </a:p>
           <a:p>
             <a:pPr algn="l"/>
-            <a:endParaRPr lang="" altLang="en-US"/>
+            <a:endParaRPr lang="en-US" altLang="en-US"/>
           </a:p>
         </p:txBody>
       </p:sp>
@@ -3682,10 +3903,10 @@
           </a:bodyPr>
           <a:p>
             <a:r>
-              <a:rPr lang="" altLang="en-US" sz="1800"/>
+              <a:rPr lang="en-US" altLang="en-US" sz="1800"/>
               <a:t>Members Page layout</a:t>
             </a:r>
-            <a:endParaRPr lang="" altLang="en-US" sz="1800"/>
+            <a:endParaRPr lang="en-US" altLang="en-US" sz="1800"/>
           </a:p>
         </p:txBody>
       </p:sp>
@@ -3717,136 +3938,136 @@
               <a:buNone/>
             </a:pPr>
             <a:r>
-              <a:rPr lang="" altLang="en-US" sz="1200"/>
+              <a:rPr lang="en-US" altLang="en-US" sz="1200"/>
               <a:t>Sponsor:</a:t>
             </a:r>
-            <a:endParaRPr lang="" altLang="en-US" sz="1200"/>
+            <a:endParaRPr lang="en-US" altLang="en-US" sz="1200"/>
           </a:p>
           <a:p>
             <a:pPr marL="0" indent="0">
               <a:buNone/>
             </a:pPr>
-            <a:endParaRPr lang="" altLang="en-US" sz="1200"/>
+            <a:endParaRPr lang="en-US" altLang="en-US" sz="1200"/>
           </a:p>
           <a:p>
             <a:pPr marL="0" indent="0">
               <a:buNone/>
             </a:pPr>
-            <a:endParaRPr lang="" altLang="en-US" sz="1200"/>
+            <a:endParaRPr lang="en-US" altLang="en-US" sz="1200"/>
           </a:p>
           <a:p>
             <a:pPr marL="0" indent="0">
               <a:buNone/>
             </a:pPr>
-            <a:endParaRPr lang="" altLang="en-US" sz="1200"/>
+            <a:endParaRPr lang="en-US" altLang="en-US" sz="1200"/>
           </a:p>
           <a:p>
             <a:pPr marL="0" indent="0">
               <a:buNone/>
             </a:pPr>
-            <a:endParaRPr lang="" altLang="en-US" sz="1200"/>
+            <a:endParaRPr lang="en-US" altLang="en-US" sz="1200"/>
           </a:p>
           <a:p>
             <a:pPr marL="0" indent="0">
               <a:buNone/>
             </a:pPr>
-            <a:endParaRPr lang="" altLang="en-US" sz="1200"/>
+            <a:endParaRPr lang="en-US" altLang="en-US" sz="1200"/>
           </a:p>
           <a:p>
             <a:pPr marL="0" indent="0">
               <a:buNone/>
             </a:pPr>
             <a:r>
-              <a:rPr lang="" altLang="en-US" sz="1200"/>
+              <a:rPr lang="en-US" altLang="en-US" sz="1200"/>
               <a:t>Officers:</a:t>
             </a:r>
-            <a:endParaRPr lang="" altLang="en-US" sz="1200"/>
+            <a:endParaRPr lang="en-US" altLang="en-US" sz="1200"/>
           </a:p>
           <a:p>
             <a:pPr marL="0" indent="0">
               <a:buNone/>
             </a:pPr>
-            <a:endParaRPr lang="" altLang="en-US" sz="1200"/>
+            <a:endParaRPr lang="en-US" altLang="en-US" sz="1200"/>
           </a:p>
           <a:p>
             <a:pPr marL="0" indent="0">
               <a:buNone/>
             </a:pPr>
-            <a:endParaRPr lang="" altLang="en-US" sz="1200"/>
+            <a:endParaRPr lang="en-US" altLang="en-US" sz="1200"/>
           </a:p>
           <a:p>
             <a:pPr marL="0" indent="0">
               <a:buNone/>
             </a:pPr>
-            <a:endParaRPr lang="" altLang="en-US" sz="1200"/>
+            <a:endParaRPr lang="en-US" altLang="en-US" sz="1200"/>
           </a:p>
           <a:p>
             <a:pPr marL="0" indent="0">
               <a:buNone/>
             </a:pPr>
-            <a:endParaRPr lang="" altLang="en-US" sz="1200"/>
+            <a:endParaRPr lang="en-US" altLang="en-US" sz="1200"/>
           </a:p>
           <a:p>
             <a:pPr marL="0" indent="0">
               <a:buNone/>
             </a:pPr>
             <a:r>
-              <a:rPr lang="" altLang="en-US" sz="1200"/>
+              <a:rPr lang="en-US" altLang="en-US" sz="1200"/>
               <a:t>...</a:t>
             </a:r>
-            <a:endParaRPr lang="" altLang="en-US" sz="1200"/>
+            <a:endParaRPr lang="en-US" altLang="en-US" sz="1200"/>
           </a:p>
           <a:p>
             <a:pPr marL="0" indent="0">
               <a:buNone/>
             </a:pPr>
-            <a:endParaRPr lang="" altLang="en-US" sz="1200"/>
+            <a:endParaRPr lang="en-US" altLang="en-US" sz="1200"/>
           </a:p>
           <a:p>
             <a:pPr marL="0" indent="0">
               <a:buNone/>
             </a:pPr>
             <a:r>
-              <a:rPr lang="" altLang="en-US" sz="1200"/>
+              <a:rPr lang="en-US" altLang="en-US" sz="1200"/>
               <a:t>Student Members:</a:t>
             </a:r>
-            <a:endParaRPr lang="" altLang="en-US" sz="1200"/>
+            <a:endParaRPr lang="en-US" altLang="en-US" sz="1200"/>
           </a:p>
           <a:p>
             <a:pPr marL="0" indent="0">
               <a:buNone/>
             </a:pPr>
             <a:r>
-              <a:rPr lang="" altLang="en-US" sz="1200"/>
+              <a:rPr lang="en-US" altLang="en-US" sz="1200"/>
               <a:t>...</a:t>
             </a:r>
-            <a:endParaRPr lang="" altLang="en-US" sz="1200"/>
+            <a:endParaRPr lang="en-US" altLang="en-US" sz="1200"/>
           </a:p>
           <a:p>
             <a:pPr marL="0" indent="0">
               <a:buNone/>
             </a:pPr>
-            <a:endParaRPr lang="" altLang="en-US" sz="1200"/>
+            <a:endParaRPr lang="en-US" altLang="en-US" sz="1200"/>
           </a:p>
           <a:p>
             <a:pPr marL="0" indent="0">
               <a:buNone/>
             </a:pPr>
             <a:r>
-              <a:rPr lang="" altLang="en-US" sz="1200"/>
+              <a:rPr lang="en-US" altLang="en-US" sz="1200"/>
               <a:t>Faculty Members:</a:t>
             </a:r>
-            <a:endParaRPr lang="" altLang="en-US" sz="1200"/>
+            <a:endParaRPr lang="en-US" altLang="en-US" sz="1200"/>
           </a:p>
           <a:p>
             <a:pPr marL="0" indent="0">
               <a:buNone/>
             </a:pPr>
             <a:r>
-              <a:rPr lang="" altLang="en-US" sz="1200"/>
+              <a:rPr lang="en-US" altLang="en-US" sz="1200"/>
               <a:t>...</a:t>
             </a:r>
-            <a:endParaRPr lang="" altLang="en-US" sz="1200"/>
+            <a:endParaRPr lang="en-US" altLang="en-US" sz="1200"/>
           </a:p>
         </p:txBody>
       </p:sp>
@@ -3867,7 +4088,7 @@
         <p:spPr>
           <a:xfrm>
             <a:off x="989330" y="1048385"/>
-            <a:ext cx="908685" cy="979805"/>
+            <a:ext cx="908685" cy="1081405"/>
           </a:xfrm>
           <a:prstGeom prst="rect">
             <a:avLst/>
@@ -3896,17 +4117,17 @@
           </a:bodyPr>
           <a:p>
             <a:r>
-              <a:rPr lang="" altLang="en-US" sz="1200"/>
+              <a:rPr lang="en-US" altLang="en-US" sz="1200"/>
               <a:t>Prof. M. V. Ramakrishna</a:t>
             </a:r>
-            <a:endParaRPr lang="" altLang="en-US" sz="1200"/>
-          </a:p>
-          <a:p>
-            <a:r>
-              <a:rPr lang="" altLang="en-US" sz="1200"/>
+            <a:endParaRPr lang="en-US" altLang="en-US" sz="1200"/>
+          </a:p>
+          <a:p>
+            <a:r>
+              <a:rPr lang="en-US" altLang="en-US" sz="1200"/>
               <a:t>CSE</a:t>
             </a:r>
-            <a:endParaRPr lang="" altLang="en-US" sz="1200"/>
+            <a:endParaRPr lang="en-US" altLang="en-US" sz="1200"/>
           </a:p>
         </p:txBody>
       </p:sp>
@@ -3956,27 +4177,27 @@
           </a:bodyPr>
           <a:p>
             <a:r>
-              <a:rPr lang="" altLang="en-US" sz="1200"/>
+              <a:rPr lang="en-US" altLang="en-US" sz="1200"/>
               <a:t>Chair</a:t>
             </a:r>
-            <a:endParaRPr lang="" altLang="en-US" sz="1200"/>
-          </a:p>
-          <a:p>
-            <a:endParaRPr lang="" altLang="en-US" sz="1200"/>
-          </a:p>
-          <a:p>
-            <a:r>
-              <a:rPr lang="" altLang="en-US" sz="1200"/>
+            <a:endParaRPr lang="en-US" altLang="en-US" sz="1200"/>
+          </a:p>
+          <a:p>
+            <a:endParaRPr lang="en-US" altLang="en-US" sz="1200"/>
+          </a:p>
+          <a:p>
+            <a:r>
+              <a:rPr lang="en-US" altLang="en-US" sz="1200"/>
               <a:t>Sai Siddhartha Parvathaneni</a:t>
             </a:r>
-            <a:endParaRPr lang="" altLang="en-US" sz="1200"/>
-          </a:p>
-          <a:p>
-            <a:r>
-              <a:rPr lang="" altLang="en-US" sz="1200"/>
+            <a:endParaRPr lang="en-US" altLang="en-US" sz="1200"/>
+          </a:p>
+          <a:p>
+            <a:r>
+              <a:rPr lang="en-US" altLang="en-US" sz="1200"/>
               <a:t>sai.siddhartha.parvathaneni@gmail.com</a:t>
             </a:r>
-            <a:endParaRPr lang="" altLang="en-US" sz="1200"/>
+            <a:endParaRPr lang="en-US" altLang="en-US" sz="1200"/>
           </a:p>
         </p:txBody>
       </p:sp>
@@ -4026,12 +4247,8 @@
           </a:bodyPr>
           <a:p>
             <a:r>
-              <a:rPr lang="" altLang="en-US" sz="1200"/>
-              <a:t>Vice </a:t>
-            </a:r>
-            <a:r>
               <a:rPr lang="en-US" altLang="en-US" sz="1200"/>
-              <a:t>Chair</a:t>
+              <a:t>Vice Chair</a:t>
             </a:r>
             <a:endParaRPr lang="en-US" altLang="en-US" sz="1200"/>
           </a:p>
@@ -4040,10 +4257,10 @@
           </a:p>
           <a:p>
             <a:r>
-              <a:rPr lang="" altLang="en-US" sz="1200"/>
+              <a:rPr lang="en-US" altLang="en-US" sz="1200"/>
               <a:t>...</a:t>
             </a:r>
-            <a:endParaRPr lang="" altLang="en-US" sz="1200"/>
+            <a:endParaRPr lang="en-US" altLang="en-US" sz="1200"/>
           </a:p>
         </p:txBody>
       </p:sp>

--- a/ACM_layout_ppt.pptx
+++ b/ACM_layout_ppt.pptx
@@ -5,9 +5,9 @@
     <p:sldMasterId id="2147483648" r:id="rId1"/>
   </p:sldMasterIdLst>
   <p:sldIdLst>
-    <p:sldId id="256" r:id="rId3"/>
-    <p:sldId id="257" r:id="rId4"/>
-    <p:sldId id="258" r:id="rId5"/>
+    <p:sldId id="256" r:id="rId2"/>
+    <p:sldId id="257" r:id="rId3"/>
+    <p:sldId id="258" r:id="rId4"/>
   </p:sldIdLst>
   <p:sldSz cx="12192000" cy="6858000"/>
   <p:notesSz cx="6858000" cy="9144000"/>
@@ -106,6 +106,11 @@
       </a:defRPr>
     </a:lvl9pPr>
   </p:defaultTextStyle>
+  <p:extLst>
+    <p:ext uri="{EFAFB233-063F-42B5-8137-9DF3F51BA10A}">
+      <p15:sldGuideLst xmlns:p15="http://schemas.microsoft.com/office/powerpoint/2012/main"/>
+    </p:ext>
+  </p:extLst>
 </p:presentation>
 </file>
 
@@ -130,7 +135,7 @@
         <p:nvSpPr>
           <p:cNvPr id="2" name="Title 1"/>
           <p:cNvSpPr>
-            <a:spLocks noGrp="true"/>
+            <a:spLocks noGrp="1"/>
           </p:cNvSpPr>
           <p:nvPr>
             <p:ph type="ctrTitle"/>
@@ -162,7 +167,7 @@
         <p:nvSpPr>
           <p:cNvPr id="3" name="Subtitle 2"/>
           <p:cNvSpPr>
-            <a:spLocks noGrp="true"/>
+            <a:spLocks noGrp="1"/>
           </p:cNvSpPr>
           <p:nvPr>
             <p:ph type="subTitle" idx="1"/>
@@ -227,7 +232,7 @@
         <p:nvSpPr>
           <p:cNvPr id="4" name="Date Placeholder 3"/>
           <p:cNvSpPr>
-            <a:spLocks noGrp="true"/>
+            <a:spLocks noGrp="1"/>
           </p:cNvSpPr>
           <p:nvPr>
             <p:ph type="dt" sz="half" idx="10"/>
@@ -240,6 +245,7 @@
           <a:p>
             <a:fld id="{8F7C5816-6D61-4151-8709-B4479328FDC3}" type="datetimeFigureOut">
               <a:rPr lang="en-IN" smtClean="0"/>
+              <a:t>09-09-2021</a:t>
             </a:fld>
             <a:endParaRPr lang="en-IN"/>
           </a:p>
@@ -249,7 +255,7 @@
         <p:nvSpPr>
           <p:cNvPr id="5" name="Footer Placeholder 4"/>
           <p:cNvSpPr>
-            <a:spLocks noGrp="true"/>
+            <a:spLocks noGrp="1"/>
           </p:cNvSpPr>
           <p:nvPr>
             <p:ph type="ftr" sz="quarter" idx="11"/>
@@ -268,7 +274,7 @@
         <p:nvSpPr>
           <p:cNvPr id="6" name="Slide Number Placeholder 5"/>
           <p:cNvSpPr>
-            <a:spLocks noGrp="true"/>
+            <a:spLocks noGrp="1"/>
           </p:cNvSpPr>
           <p:nvPr>
             <p:ph type="sldNum" sz="quarter" idx="12"/>
@@ -281,6 +287,7 @@
           <a:p>
             <a:fld id="{8A446C93-5C86-4F64-AA4E-590B407406CD}" type="slidenum">
               <a:rPr lang="en-IN" smtClean="0"/>
+              <a:t>‹#›</a:t>
             </a:fld>
             <a:endParaRPr lang="en-IN"/>
           </a:p>
@@ -315,7 +322,7 @@
         <p:nvSpPr>
           <p:cNvPr id="2" name="Title 1"/>
           <p:cNvSpPr>
-            <a:spLocks noGrp="true"/>
+            <a:spLocks noGrp="1"/>
           </p:cNvSpPr>
           <p:nvPr>
             <p:ph type="title"/>
@@ -338,7 +345,7 @@
         <p:nvSpPr>
           <p:cNvPr id="3" name="Vertical Text Placeholder 2"/>
           <p:cNvSpPr>
-            <a:spLocks noGrp="true"/>
+            <a:spLocks noGrp="1"/>
           </p:cNvSpPr>
           <p:nvPr>
             <p:ph type="body" orient="vert" idx="1"/>
@@ -354,7 +361,6 @@
               <a:rPr lang="en-US"/>
               <a:t>Click to edit Master text styles</a:t>
             </a:r>
-            <a:endParaRPr lang="en-US"/>
           </a:p>
           <a:p>
             <a:pPr lvl="1"/>
@@ -362,7 +368,6 @@
               <a:rPr lang="en-US"/>
               <a:t>Second level</a:t>
             </a:r>
-            <a:endParaRPr lang="en-US"/>
           </a:p>
           <a:p>
             <a:pPr lvl="2"/>
@@ -370,7 +375,6 @@
               <a:rPr lang="en-US"/>
               <a:t>Third level</a:t>
             </a:r>
-            <a:endParaRPr lang="en-US"/>
           </a:p>
           <a:p>
             <a:pPr lvl="3"/>
@@ -378,7 +382,6 @@
               <a:rPr lang="en-US"/>
               <a:t>Fourth level</a:t>
             </a:r>
-            <a:endParaRPr lang="en-US"/>
           </a:p>
           <a:p>
             <a:pPr lvl="4"/>
@@ -394,7 +397,7 @@
         <p:nvSpPr>
           <p:cNvPr id="4" name="Date Placeholder 3"/>
           <p:cNvSpPr>
-            <a:spLocks noGrp="true"/>
+            <a:spLocks noGrp="1"/>
           </p:cNvSpPr>
           <p:nvPr>
             <p:ph type="dt" sz="half" idx="10"/>
@@ -407,6 +410,7 @@
           <a:p>
             <a:fld id="{8F7C5816-6D61-4151-8709-B4479328FDC3}" type="datetimeFigureOut">
               <a:rPr lang="en-IN" smtClean="0"/>
+              <a:t>09-09-2021</a:t>
             </a:fld>
             <a:endParaRPr lang="en-IN"/>
           </a:p>
@@ -416,7 +420,7 @@
         <p:nvSpPr>
           <p:cNvPr id="5" name="Footer Placeholder 4"/>
           <p:cNvSpPr>
-            <a:spLocks noGrp="true"/>
+            <a:spLocks noGrp="1"/>
           </p:cNvSpPr>
           <p:nvPr>
             <p:ph type="ftr" sz="quarter" idx="11"/>
@@ -435,7 +439,7 @@
         <p:nvSpPr>
           <p:cNvPr id="6" name="Slide Number Placeholder 5"/>
           <p:cNvSpPr>
-            <a:spLocks noGrp="true"/>
+            <a:spLocks noGrp="1"/>
           </p:cNvSpPr>
           <p:nvPr>
             <p:ph type="sldNum" sz="quarter" idx="12"/>
@@ -448,6 +452,7 @@
           <a:p>
             <a:fld id="{8A446C93-5C86-4F64-AA4E-590B407406CD}" type="slidenum">
               <a:rPr lang="en-IN" smtClean="0"/>
+              <a:t>‹#›</a:t>
             </a:fld>
             <a:endParaRPr lang="en-IN"/>
           </a:p>
@@ -482,7 +487,7 @@
         <p:nvSpPr>
           <p:cNvPr id="2" name="Vertical Title 1"/>
           <p:cNvSpPr>
-            <a:spLocks noGrp="true"/>
+            <a:spLocks noGrp="1"/>
           </p:cNvSpPr>
           <p:nvPr>
             <p:ph type="title" orient="vert"/>
@@ -510,7 +515,7 @@
         <p:nvSpPr>
           <p:cNvPr id="3" name="Vertical Text Placeholder 2"/>
           <p:cNvSpPr>
-            <a:spLocks noGrp="true"/>
+            <a:spLocks noGrp="1"/>
           </p:cNvSpPr>
           <p:nvPr>
             <p:ph type="body" orient="vert" idx="1"/>
@@ -531,7 +536,6 @@
               <a:rPr lang="en-US"/>
               <a:t>Click to edit Master text styles</a:t>
             </a:r>
-            <a:endParaRPr lang="en-US"/>
           </a:p>
           <a:p>
             <a:pPr lvl="1"/>
@@ -539,7 +543,6 @@
               <a:rPr lang="en-US"/>
               <a:t>Second level</a:t>
             </a:r>
-            <a:endParaRPr lang="en-US"/>
           </a:p>
           <a:p>
             <a:pPr lvl="2"/>
@@ -547,7 +550,6 @@
               <a:rPr lang="en-US"/>
               <a:t>Third level</a:t>
             </a:r>
-            <a:endParaRPr lang="en-US"/>
           </a:p>
           <a:p>
             <a:pPr lvl="3"/>
@@ -555,7 +557,6 @@
               <a:rPr lang="en-US"/>
               <a:t>Fourth level</a:t>
             </a:r>
-            <a:endParaRPr lang="en-US"/>
           </a:p>
           <a:p>
             <a:pPr lvl="4"/>
@@ -571,7 +572,7 @@
         <p:nvSpPr>
           <p:cNvPr id="4" name="Date Placeholder 3"/>
           <p:cNvSpPr>
-            <a:spLocks noGrp="true"/>
+            <a:spLocks noGrp="1"/>
           </p:cNvSpPr>
           <p:nvPr>
             <p:ph type="dt" sz="half" idx="10"/>
@@ -584,6 +585,7 @@
           <a:p>
             <a:fld id="{8F7C5816-6D61-4151-8709-B4479328FDC3}" type="datetimeFigureOut">
               <a:rPr lang="en-IN" smtClean="0"/>
+              <a:t>09-09-2021</a:t>
             </a:fld>
             <a:endParaRPr lang="en-IN"/>
           </a:p>
@@ -593,7 +595,7 @@
         <p:nvSpPr>
           <p:cNvPr id="5" name="Footer Placeholder 4"/>
           <p:cNvSpPr>
-            <a:spLocks noGrp="true"/>
+            <a:spLocks noGrp="1"/>
           </p:cNvSpPr>
           <p:nvPr>
             <p:ph type="ftr" sz="quarter" idx="11"/>
@@ -612,7 +614,7 @@
         <p:nvSpPr>
           <p:cNvPr id="6" name="Slide Number Placeholder 5"/>
           <p:cNvSpPr>
-            <a:spLocks noGrp="true"/>
+            <a:spLocks noGrp="1"/>
           </p:cNvSpPr>
           <p:nvPr>
             <p:ph type="sldNum" sz="quarter" idx="12"/>
@@ -625,6 +627,7 @@
           <a:p>
             <a:fld id="{8A446C93-5C86-4F64-AA4E-590B407406CD}" type="slidenum">
               <a:rPr lang="en-IN" smtClean="0"/>
+              <a:t>‹#›</a:t>
             </a:fld>
             <a:endParaRPr lang="en-IN"/>
           </a:p>
@@ -659,7 +662,7 @@
         <p:nvSpPr>
           <p:cNvPr id="2" name="Title 1"/>
           <p:cNvSpPr>
-            <a:spLocks noGrp="true"/>
+            <a:spLocks noGrp="1"/>
           </p:cNvSpPr>
           <p:nvPr>
             <p:ph type="title"/>
@@ -682,7 +685,7 @@
         <p:nvSpPr>
           <p:cNvPr id="3" name="Content Placeholder 2"/>
           <p:cNvSpPr>
-            <a:spLocks noGrp="true"/>
+            <a:spLocks noGrp="1"/>
           </p:cNvSpPr>
           <p:nvPr>
             <p:ph idx="1"/>
@@ -698,7 +701,6 @@
               <a:rPr lang="en-US"/>
               <a:t>Click to edit Master text styles</a:t>
             </a:r>
-            <a:endParaRPr lang="en-US"/>
           </a:p>
           <a:p>
             <a:pPr lvl="1"/>
@@ -706,7 +708,6 @@
               <a:rPr lang="en-US"/>
               <a:t>Second level</a:t>
             </a:r>
-            <a:endParaRPr lang="en-US"/>
           </a:p>
           <a:p>
             <a:pPr lvl="2"/>
@@ -714,7 +715,6 @@
               <a:rPr lang="en-US"/>
               <a:t>Third level</a:t>
             </a:r>
-            <a:endParaRPr lang="en-US"/>
           </a:p>
           <a:p>
             <a:pPr lvl="3"/>
@@ -722,7 +722,6 @@
               <a:rPr lang="en-US"/>
               <a:t>Fourth level</a:t>
             </a:r>
-            <a:endParaRPr lang="en-US"/>
           </a:p>
           <a:p>
             <a:pPr lvl="4"/>
@@ -738,7 +737,7 @@
         <p:nvSpPr>
           <p:cNvPr id="4" name="Date Placeholder 3"/>
           <p:cNvSpPr>
-            <a:spLocks noGrp="true"/>
+            <a:spLocks noGrp="1"/>
           </p:cNvSpPr>
           <p:nvPr>
             <p:ph type="dt" sz="half" idx="10"/>
@@ -751,6 +750,7 @@
           <a:p>
             <a:fld id="{8F7C5816-6D61-4151-8709-B4479328FDC3}" type="datetimeFigureOut">
               <a:rPr lang="en-IN" smtClean="0"/>
+              <a:t>09-09-2021</a:t>
             </a:fld>
             <a:endParaRPr lang="en-IN"/>
           </a:p>
@@ -760,7 +760,7 @@
         <p:nvSpPr>
           <p:cNvPr id="5" name="Footer Placeholder 4"/>
           <p:cNvSpPr>
-            <a:spLocks noGrp="true"/>
+            <a:spLocks noGrp="1"/>
           </p:cNvSpPr>
           <p:nvPr>
             <p:ph type="ftr" sz="quarter" idx="11"/>
@@ -779,7 +779,7 @@
         <p:nvSpPr>
           <p:cNvPr id="6" name="Slide Number Placeholder 5"/>
           <p:cNvSpPr>
-            <a:spLocks noGrp="true"/>
+            <a:spLocks noGrp="1"/>
           </p:cNvSpPr>
           <p:nvPr>
             <p:ph type="sldNum" sz="quarter" idx="12"/>
@@ -792,6 +792,7 @@
           <a:p>
             <a:fld id="{8A446C93-5C86-4F64-AA4E-590B407406CD}" type="slidenum">
               <a:rPr lang="en-IN" smtClean="0"/>
+              <a:t>‹#›</a:t>
             </a:fld>
             <a:endParaRPr lang="en-IN"/>
           </a:p>
@@ -826,7 +827,7 @@
         <p:nvSpPr>
           <p:cNvPr id="2" name="Title 1"/>
           <p:cNvSpPr>
-            <a:spLocks noGrp="true"/>
+            <a:spLocks noGrp="1"/>
           </p:cNvSpPr>
           <p:nvPr>
             <p:ph type="title"/>
@@ -858,7 +859,7 @@
         <p:nvSpPr>
           <p:cNvPr id="3" name="Text Placeholder 2"/>
           <p:cNvSpPr>
-            <a:spLocks noGrp="true"/>
+            <a:spLocks noGrp="1"/>
           </p:cNvSpPr>
           <p:nvPr>
             <p:ph type="body" idx="1"/>
@@ -970,7 +971,6 @@
               <a:rPr lang="en-US"/>
               <a:t>Click to edit Master text styles</a:t>
             </a:r>
-            <a:endParaRPr lang="en-US"/>
           </a:p>
         </p:txBody>
       </p:sp>
@@ -978,7 +978,7 @@
         <p:nvSpPr>
           <p:cNvPr id="4" name="Date Placeholder 3"/>
           <p:cNvSpPr>
-            <a:spLocks noGrp="true"/>
+            <a:spLocks noGrp="1"/>
           </p:cNvSpPr>
           <p:nvPr>
             <p:ph type="dt" sz="half" idx="10"/>
@@ -991,6 +991,7 @@
           <a:p>
             <a:fld id="{8F7C5816-6D61-4151-8709-B4479328FDC3}" type="datetimeFigureOut">
               <a:rPr lang="en-IN" smtClean="0"/>
+              <a:t>09-09-2021</a:t>
             </a:fld>
             <a:endParaRPr lang="en-IN"/>
           </a:p>
@@ -1000,7 +1001,7 @@
         <p:nvSpPr>
           <p:cNvPr id="5" name="Footer Placeholder 4"/>
           <p:cNvSpPr>
-            <a:spLocks noGrp="true"/>
+            <a:spLocks noGrp="1"/>
           </p:cNvSpPr>
           <p:nvPr>
             <p:ph type="ftr" sz="quarter" idx="11"/>
@@ -1019,7 +1020,7 @@
         <p:nvSpPr>
           <p:cNvPr id="6" name="Slide Number Placeholder 5"/>
           <p:cNvSpPr>
-            <a:spLocks noGrp="true"/>
+            <a:spLocks noGrp="1"/>
           </p:cNvSpPr>
           <p:nvPr>
             <p:ph type="sldNum" sz="quarter" idx="12"/>
@@ -1032,6 +1033,7 @@
           <a:p>
             <a:fld id="{8A446C93-5C86-4F64-AA4E-590B407406CD}" type="slidenum">
               <a:rPr lang="en-IN" smtClean="0"/>
+              <a:t>‹#›</a:t>
             </a:fld>
             <a:endParaRPr lang="en-IN"/>
           </a:p>
@@ -1066,7 +1068,7 @@
         <p:nvSpPr>
           <p:cNvPr id="2" name="Title 1"/>
           <p:cNvSpPr>
-            <a:spLocks noGrp="true"/>
+            <a:spLocks noGrp="1"/>
           </p:cNvSpPr>
           <p:nvPr>
             <p:ph type="title"/>
@@ -1089,7 +1091,7 @@
         <p:nvSpPr>
           <p:cNvPr id="3" name="Content Placeholder 2"/>
           <p:cNvSpPr>
-            <a:spLocks noGrp="true"/>
+            <a:spLocks noGrp="1"/>
           </p:cNvSpPr>
           <p:nvPr>
             <p:ph sz="half" idx="1"/>
@@ -1110,7 +1112,6 @@
               <a:rPr lang="en-US"/>
               <a:t>Click to edit Master text styles</a:t>
             </a:r>
-            <a:endParaRPr lang="en-US"/>
           </a:p>
           <a:p>
             <a:pPr lvl="1"/>
@@ -1118,7 +1119,6 @@
               <a:rPr lang="en-US"/>
               <a:t>Second level</a:t>
             </a:r>
-            <a:endParaRPr lang="en-US"/>
           </a:p>
           <a:p>
             <a:pPr lvl="2"/>
@@ -1126,7 +1126,6 @@
               <a:rPr lang="en-US"/>
               <a:t>Third level</a:t>
             </a:r>
-            <a:endParaRPr lang="en-US"/>
           </a:p>
           <a:p>
             <a:pPr lvl="3"/>
@@ -1134,7 +1133,6 @@
               <a:rPr lang="en-US"/>
               <a:t>Fourth level</a:t>
             </a:r>
-            <a:endParaRPr lang="en-US"/>
           </a:p>
           <a:p>
             <a:pPr lvl="4"/>
@@ -1150,7 +1148,7 @@
         <p:nvSpPr>
           <p:cNvPr id="4" name="Content Placeholder 3"/>
           <p:cNvSpPr>
-            <a:spLocks noGrp="true"/>
+            <a:spLocks noGrp="1"/>
           </p:cNvSpPr>
           <p:nvPr>
             <p:ph sz="half" idx="2"/>
@@ -1171,7 +1169,6 @@
               <a:rPr lang="en-US"/>
               <a:t>Click to edit Master text styles</a:t>
             </a:r>
-            <a:endParaRPr lang="en-US"/>
           </a:p>
           <a:p>
             <a:pPr lvl="1"/>
@@ -1179,7 +1176,6 @@
               <a:rPr lang="en-US"/>
               <a:t>Second level</a:t>
             </a:r>
-            <a:endParaRPr lang="en-US"/>
           </a:p>
           <a:p>
             <a:pPr lvl="2"/>
@@ -1187,7 +1183,6 @@
               <a:rPr lang="en-US"/>
               <a:t>Third level</a:t>
             </a:r>
-            <a:endParaRPr lang="en-US"/>
           </a:p>
           <a:p>
             <a:pPr lvl="3"/>
@@ -1195,7 +1190,6 @@
               <a:rPr lang="en-US"/>
               <a:t>Fourth level</a:t>
             </a:r>
-            <a:endParaRPr lang="en-US"/>
           </a:p>
           <a:p>
             <a:pPr lvl="4"/>
@@ -1211,7 +1205,7 @@
         <p:nvSpPr>
           <p:cNvPr id="5" name="Date Placeholder 4"/>
           <p:cNvSpPr>
-            <a:spLocks noGrp="true"/>
+            <a:spLocks noGrp="1"/>
           </p:cNvSpPr>
           <p:nvPr>
             <p:ph type="dt" sz="half" idx="10"/>
@@ -1224,6 +1218,7 @@
           <a:p>
             <a:fld id="{8F7C5816-6D61-4151-8709-B4479328FDC3}" type="datetimeFigureOut">
               <a:rPr lang="en-IN" smtClean="0"/>
+              <a:t>09-09-2021</a:t>
             </a:fld>
             <a:endParaRPr lang="en-IN"/>
           </a:p>
@@ -1233,7 +1228,7 @@
         <p:nvSpPr>
           <p:cNvPr id="6" name="Footer Placeholder 5"/>
           <p:cNvSpPr>
-            <a:spLocks noGrp="true"/>
+            <a:spLocks noGrp="1"/>
           </p:cNvSpPr>
           <p:nvPr>
             <p:ph type="ftr" sz="quarter" idx="11"/>
@@ -1252,7 +1247,7 @@
         <p:nvSpPr>
           <p:cNvPr id="7" name="Slide Number Placeholder 6"/>
           <p:cNvSpPr>
-            <a:spLocks noGrp="true"/>
+            <a:spLocks noGrp="1"/>
           </p:cNvSpPr>
           <p:nvPr>
             <p:ph type="sldNum" sz="quarter" idx="12"/>
@@ -1265,6 +1260,7 @@
           <a:p>
             <a:fld id="{8A446C93-5C86-4F64-AA4E-590B407406CD}" type="slidenum">
               <a:rPr lang="en-IN" smtClean="0"/>
+              <a:t>‹#›</a:t>
             </a:fld>
             <a:endParaRPr lang="en-IN"/>
           </a:p>
@@ -1299,7 +1295,7 @@
         <p:nvSpPr>
           <p:cNvPr id="2" name="Title 1"/>
           <p:cNvSpPr>
-            <a:spLocks noGrp="true"/>
+            <a:spLocks noGrp="1"/>
           </p:cNvSpPr>
           <p:nvPr>
             <p:ph type="title"/>
@@ -1327,7 +1323,7 @@
         <p:nvSpPr>
           <p:cNvPr id="3" name="Text Placeholder 2"/>
           <p:cNvSpPr>
-            <a:spLocks noGrp="true"/>
+            <a:spLocks noGrp="1"/>
           </p:cNvSpPr>
           <p:nvPr>
             <p:ph type="body" idx="1"/>
@@ -1385,7 +1381,6 @@
               <a:rPr lang="en-US"/>
               <a:t>Click to edit Master text styles</a:t>
             </a:r>
-            <a:endParaRPr lang="en-US"/>
           </a:p>
         </p:txBody>
       </p:sp>
@@ -1393,7 +1388,7 @@
         <p:nvSpPr>
           <p:cNvPr id="4" name="Content Placeholder 3"/>
           <p:cNvSpPr>
-            <a:spLocks noGrp="true"/>
+            <a:spLocks noGrp="1"/>
           </p:cNvSpPr>
           <p:nvPr>
             <p:ph sz="half" idx="2"/>
@@ -1414,7 +1409,6 @@
               <a:rPr lang="en-US"/>
               <a:t>Click to edit Master text styles</a:t>
             </a:r>
-            <a:endParaRPr lang="en-US"/>
           </a:p>
           <a:p>
             <a:pPr lvl="1"/>
@@ -1422,7 +1416,6 @@
               <a:rPr lang="en-US"/>
               <a:t>Second level</a:t>
             </a:r>
-            <a:endParaRPr lang="en-US"/>
           </a:p>
           <a:p>
             <a:pPr lvl="2"/>
@@ -1430,7 +1423,6 @@
               <a:rPr lang="en-US"/>
               <a:t>Third level</a:t>
             </a:r>
-            <a:endParaRPr lang="en-US"/>
           </a:p>
           <a:p>
             <a:pPr lvl="3"/>
@@ -1438,7 +1430,6 @@
               <a:rPr lang="en-US"/>
               <a:t>Fourth level</a:t>
             </a:r>
-            <a:endParaRPr lang="en-US"/>
           </a:p>
           <a:p>
             <a:pPr lvl="4"/>
@@ -1454,7 +1445,7 @@
         <p:nvSpPr>
           <p:cNvPr id="5" name="Text Placeholder 4"/>
           <p:cNvSpPr>
-            <a:spLocks noGrp="true"/>
+            <a:spLocks noGrp="1"/>
           </p:cNvSpPr>
           <p:nvPr>
             <p:ph type="body" sz="quarter" idx="3"/>
@@ -1512,7 +1503,6 @@
               <a:rPr lang="en-US"/>
               <a:t>Click to edit Master text styles</a:t>
             </a:r>
-            <a:endParaRPr lang="en-US"/>
           </a:p>
         </p:txBody>
       </p:sp>
@@ -1520,7 +1510,7 @@
         <p:nvSpPr>
           <p:cNvPr id="6" name="Content Placeholder 5"/>
           <p:cNvSpPr>
-            <a:spLocks noGrp="true"/>
+            <a:spLocks noGrp="1"/>
           </p:cNvSpPr>
           <p:nvPr>
             <p:ph sz="quarter" idx="4"/>
@@ -1541,7 +1531,6 @@
               <a:rPr lang="en-US"/>
               <a:t>Click to edit Master text styles</a:t>
             </a:r>
-            <a:endParaRPr lang="en-US"/>
           </a:p>
           <a:p>
             <a:pPr lvl="1"/>
@@ -1549,7 +1538,6 @@
               <a:rPr lang="en-US"/>
               <a:t>Second level</a:t>
             </a:r>
-            <a:endParaRPr lang="en-US"/>
           </a:p>
           <a:p>
             <a:pPr lvl="2"/>
@@ -1557,7 +1545,6 @@
               <a:rPr lang="en-US"/>
               <a:t>Third level</a:t>
             </a:r>
-            <a:endParaRPr lang="en-US"/>
           </a:p>
           <a:p>
             <a:pPr lvl="3"/>
@@ -1565,7 +1552,6 @@
               <a:rPr lang="en-US"/>
               <a:t>Fourth level</a:t>
             </a:r>
-            <a:endParaRPr lang="en-US"/>
           </a:p>
           <a:p>
             <a:pPr lvl="4"/>
@@ -1581,7 +1567,7 @@
         <p:nvSpPr>
           <p:cNvPr id="7" name="Date Placeholder 6"/>
           <p:cNvSpPr>
-            <a:spLocks noGrp="true"/>
+            <a:spLocks noGrp="1"/>
           </p:cNvSpPr>
           <p:nvPr>
             <p:ph type="dt" sz="half" idx="10"/>
@@ -1594,6 +1580,7 @@
           <a:p>
             <a:fld id="{8F7C5816-6D61-4151-8709-B4479328FDC3}" type="datetimeFigureOut">
               <a:rPr lang="en-IN" smtClean="0"/>
+              <a:t>09-09-2021</a:t>
             </a:fld>
             <a:endParaRPr lang="en-IN"/>
           </a:p>
@@ -1603,7 +1590,7 @@
         <p:nvSpPr>
           <p:cNvPr id="8" name="Footer Placeholder 7"/>
           <p:cNvSpPr>
-            <a:spLocks noGrp="true"/>
+            <a:spLocks noGrp="1"/>
           </p:cNvSpPr>
           <p:nvPr>
             <p:ph type="ftr" sz="quarter" idx="11"/>
@@ -1622,7 +1609,7 @@
         <p:nvSpPr>
           <p:cNvPr id="9" name="Slide Number Placeholder 8"/>
           <p:cNvSpPr>
-            <a:spLocks noGrp="true"/>
+            <a:spLocks noGrp="1"/>
           </p:cNvSpPr>
           <p:nvPr>
             <p:ph type="sldNum" sz="quarter" idx="12"/>
@@ -1635,6 +1622,7 @@
           <a:p>
             <a:fld id="{8A446C93-5C86-4F64-AA4E-590B407406CD}" type="slidenum">
               <a:rPr lang="en-IN" smtClean="0"/>
+              <a:t>‹#›</a:t>
             </a:fld>
             <a:endParaRPr lang="en-IN"/>
           </a:p>
@@ -1669,7 +1657,7 @@
         <p:nvSpPr>
           <p:cNvPr id="2" name="Title 1"/>
           <p:cNvSpPr>
-            <a:spLocks noGrp="true"/>
+            <a:spLocks noGrp="1"/>
           </p:cNvSpPr>
           <p:nvPr>
             <p:ph type="title"/>
@@ -1692,7 +1680,7 @@
         <p:nvSpPr>
           <p:cNvPr id="3" name="Date Placeholder 2"/>
           <p:cNvSpPr>
-            <a:spLocks noGrp="true"/>
+            <a:spLocks noGrp="1"/>
           </p:cNvSpPr>
           <p:nvPr>
             <p:ph type="dt" sz="half" idx="10"/>
@@ -1705,6 +1693,7 @@
           <a:p>
             <a:fld id="{8F7C5816-6D61-4151-8709-B4479328FDC3}" type="datetimeFigureOut">
               <a:rPr lang="en-IN" smtClean="0"/>
+              <a:t>09-09-2021</a:t>
             </a:fld>
             <a:endParaRPr lang="en-IN"/>
           </a:p>
@@ -1714,7 +1703,7 @@
         <p:nvSpPr>
           <p:cNvPr id="4" name="Footer Placeholder 3"/>
           <p:cNvSpPr>
-            <a:spLocks noGrp="true"/>
+            <a:spLocks noGrp="1"/>
           </p:cNvSpPr>
           <p:nvPr>
             <p:ph type="ftr" sz="quarter" idx="11"/>
@@ -1733,7 +1722,7 @@
         <p:nvSpPr>
           <p:cNvPr id="5" name="Slide Number Placeholder 4"/>
           <p:cNvSpPr>
-            <a:spLocks noGrp="true"/>
+            <a:spLocks noGrp="1"/>
           </p:cNvSpPr>
           <p:nvPr>
             <p:ph type="sldNum" sz="quarter" idx="12"/>
@@ -1746,6 +1735,7 @@
           <a:p>
             <a:fld id="{8A446C93-5C86-4F64-AA4E-590B407406CD}" type="slidenum">
               <a:rPr lang="en-IN" smtClean="0"/>
+              <a:t>‹#›</a:t>
             </a:fld>
             <a:endParaRPr lang="en-IN"/>
           </a:p>
@@ -1780,7 +1770,7 @@
         <p:nvSpPr>
           <p:cNvPr id="2" name="Date Placeholder 1"/>
           <p:cNvSpPr>
-            <a:spLocks noGrp="true"/>
+            <a:spLocks noGrp="1"/>
           </p:cNvSpPr>
           <p:nvPr>
             <p:ph type="dt" sz="half" idx="10"/>
@@ -1793,6 +1783,7 @@
           <a:p>
             <a:fld id="{8F7C5816-6D61-4151-8709-B4479328FDC3}" type="datetimeFigureOut">
               <a:rPr lang="en-IN" smtClean="0"/>
+              <a:t>09-09-2021</a:t>
             </a:fld>
             <a:endParaRPr lang="en-IN"/>
           </a:p>
@@ -1802,7 +1793,7 @@
         <p:nvSpPr>
           <p:cNvPr id="3" name="Footer Placeholder 2"/>
           <p:cNvSpPr>
-            <a:spLocks noGrp="true"/>
+            <a:spLocks noGrp="1"/>
           </p:cNvSpPr>
           <p:nvPr>
             <p:ph type="ftr" sz="quarter" idx="11"/>
@@ -1821,7 +1812,7 @@
         <p:nvSpPr>
           <p:cNvPr id="4" name="Slide Number Placeholder 3"/>
           <p:cNvSpPr>
-            <a:spLocks noGrp="true"/>
+            <a:spLocks noGrp="1"/>
           </p:cNvSpPr>
           <p:nvPr>
             <p:ph type="sldNum" sz="quarter" idx="12"/>
@@ -1834,6 +1825,7 @@
           <a:p>
             <a:fld id="{8A446C93-5C86-4F64-AA4E-590B407406CD}" type="slidenum">
               <a:rPr lang="en-IN" smtClean="0"/>
+              <a:t>‹#›</a:t>
             </a:fld>
             <a:endParaRPr lang="en-IN"/>
           </a:p>
@@ -1868,7 +1860,7 @@
         <p:nvSpPr>
           <p:cNvPr id="2" name="Title 1"/>
           <p:cNvSpPr>
-            <a:spLocks noGrp="true"/>
+            <a:spLocks noGrp="1"/>
           </p:cNvSpPr>
           <p:nvPr>
             <p:ph type="title"/>
@@ -1900,7 +1892,7 @@
         <p:nvSpPr>
           <p:cNvPr id="3" name="Content Placeholder 2"/>
           <p:cNvSpPr>
-            <a:spLocks noGrp="true"/>
+            <a:spLocks noGrp="1"/>
           </p:cNvSpPr>
           <p:nvPr>
             <p:ph idx="1"/>
@@ -1949,7 +1941,6 @@
               <a:rPr lang="en-US"/>
               <a:t>Click to edit Master text styles</a:t>
             </a:r>
-            <a:endParaRPr lang="en-US"/>
           </a:p>
           <a:p>
             <a:pPr lvl="1"/>
@@ -1957,7 +1948,6 @@
               <a:rPr lang="en-US"/>
               <a:t>Second level</a:t>
             </a:r>
-            <a:endParaRPr lang="en-US"/>
           </a:p>
           <a:p>
             <a:pPr lvl="2"/>
@@ -1965,7 +1955,6 @@
               <a:rPr lang="en-US"/>
               <a:t>Third level</a:t>
             </a:r>
-            <a:endParaRPr lang="en-US"/>
           </a:p>
           <a:p>
             <a:pPr lvl="3"/>
@@ -1973,7 +1962,6 @@
               <a:rPr lang="en-US"/>
               <a:t>Fourth level</a:t>
             </a:r>
-            <a:endParaRPr lang="en-US"/>
           </a:p>
           <a:p>
             <a:pPr lvl="4"/>
@@ -1989,7 +1977,7 @@
         <p:nvSpPr>
           <p:cNvPr id="4" name="Text Placeholder 3"/>
           <p:cNvSpPr>
-            <a:spLocks noGrp="true"/>
+            <a:spLocks noGrp="1"/>
           </p:cNvSpPr>
           <p:nvPr>
             <p:ph type="body" sz="half" idx="2"/>
@@ -2047,7 +2035,6 @@
               <a:rPr lang="en-US"/>
               <a:t>Click to edit Master text styles</a:t>
             </a:r>
-            <a:endParaRPr lang="en-US"/>
           </a:p>
         </p:txBody>
       </p:sp>
@@ -2055,7 +2042,7 @@
         <p:nvSpPr>
           <p:cNvPr id="5" name="Date Placeholder 4"/>
           <p:cNvSpPr>
-            <a:spLocks noGrp="true"/>
+            <a:spLocks noGrp="1"/>
           </p:cNvSpPr>
           <p:nvPr>
             <p:ph type="dt" sz="half" idx="10"/>
@@ -2068,6 +2055,7 @@
           <a:p>
             <a:fld id="{8F7C5816-6D61-4151-8709-B4479328FDC3}" type="datetimeFigureOut">
               <a:rPr lang="en-IN" smtClean="0"/>
+              <a:t>09-09-2021</a:t>
             </a:fld>
             <a:endParaRPr lang="en-IN"/>
           </a:p>
@@ -2077,7 +2065,7 @@
         <p:nvSpPr>
           <p:cNvPr id="6" name="Footer Placeholder 5"/>
           <p:cNvSpPr>
-            <a:spLocks noGrp="true"/>
+            <a:spLocks noGrp="1"/>
           </p:cNvSpPr>
           <p:nvPr>
             <p:ph type="ftr" sz="quarter" idx="11"/>
@@ -2096,7 +2084,7 @@
         <p:nvSpPr>
           <p:cNvPr id="7" name="Slide Number Placeholder 6"/>
           <p:cNvSpPr>
-            <a:spLocks noGrp="true"/>
+            <a:spLocks noGrp="1"/>
           </p:cNvSpPr>
           <p:nvPr>
             <p:ph type="sldNum" sz="quarter" idx="12"/>
@@ -2109,6 +2097,7 @@
           <a:p>
             <a:fld id="{8A446C93-5C86-4F64-AA4E-590B407406CD}" type="slidenum">
               <a:rPr lang="en-IN" smtClean="0"/>
+              <a:t>‹#›</a:t>
             </a:fld>
             <a:endParaRPr lang="en-IN"/>
           </a:p>
@@ -2143,7 +2132,7 @@
         <p:nvSpPr>
           <p:cNvPr id="2" name="Title 1"/>
           <p:cNvSpPr>
-            <a:spLocks noGrp="true"/>
+            <a:spLocks noGrp="1"/>
           </p:cNvSpPr>
           <p:nvPr>
             <p:ph type="title"/>
@@ -2175,7 +2164,7 @@
         <p:nvSpPr>
           <p:cNvPr id="3" name="Picture Placeholder 2"/>
           <p:cNvSpPr>
-            <a:spLocks noGrp="true"/>
+            <a:spLocks noGrp="1"/>
           </p:cNvSpPr>
           <p:nvPr>
             <p:ph type="pic" idx="1"/>
@@ -2236,7 +2225,7 @@
         <p:nvSpPr>
           <p:cNvPr id="4" name="Text Placeholder 3"/>
           <p:cNvSpPr>
-            <a:spLocks noGrp="true"/>
+            <a:spLocks noGrp="1"/>
           </p:cNvSpPr>
           <p:nvPr>
             <p:ph type="body" sz="half" idx="2"/>
@@ -2294,7 +2283,6 @@
               <a:rPr lang="en-US"/>
               <a:t>Click to edit Master text styles</a:t>
             </a:r>
-            <a:endParaRPr lang="en-US"/>
           </a:p>
         </p:txBody>
       </p:sp>
@@ -2302,7 +2290,7 @@
         <p:nvSpPr>
           <p:cNvPr id="5" name="Date Placeholder 4"/>
           <p:cNvSpPr>
-            <a:spLocks noGrp="true"/>
+            <a:spLocks noGrp="1"/>
           </p:cNvSpPr>
           <p:nvPr>
             <p:ph type="dt" sz="half" idx="10"/>
@@ -2315,6 +2303,7 @@
           <a:p>
             <a:fld id="{8F7C5816-6D61-4151-8709-B4479328FDC3}" type="datetimeFigureOut">
               <a:rPr lang="en-IN" smtClean="0"/>
+              <a:t>09-09-2021</a:t>
             </a:fld>
             <a:endParaRPr lang="en-IN"/>
           </a:p>
@@ -2324,7 +2313,7 @@
         <p:nvSpPr>
           <p:cNvPr id="6" name="Footer Placeholder 5"/>
           <p:cNvSpPr>
-            <a:spLocks noGrp="true"/>
+            <a:spLocks noGrp="1"/>
           </p:cNvSpPr>
           <p:nvPr>
             <p:ph type="ftr" sz="quarter" idx="11"/>
@@ -2343,7 +2332,7 @@
         <p:nvSpPr>
           <p:cNvPr id="7" name="Slide Number Placeholder 6"/>
           <p:cNvSpPr>
-            <a:spLocks noGrp="true"/>
+            <a:spLocks noGrp="1"/>
           </p:cNvSpPr>
           <p:nvPr>
             <p:ph type="sldNum" sz="quarter" idx="12"/>
@@ -2356,6 +2345,7 @@
           <a:p>
             <a:fld id="{8A446C93-5C86-4F64-AA4E-590B407406CD}" type="slidenum">
               <a:rPr lang="en-IN" smtClean="0"/>
+              <a:t>‹#›</a:t>
             </a:fld>
             <a:endParaRPr lang="en-IN"/>
           </a:p>
@@ -2395,7 +2385,7 @@
         <p:nvSpPr>
           <p:cNvPr id="2" name="Title Placeholder 1"/>
           <p:cNvSpPr>
-            <a:spLocks noGrp="true"/>
+            <a:spLocks noGrp="1"/>
           </p:cNvSpPr>
           <p:nvPr>
             <p:ph type="title"/>
@@ -2428,7 +2418,7 @@
         <p:nvSpPr>
           <p:cNvPr id="3" name="Text Placeholder 2"/>
           <p:cNvSpPr>
-            <a:spLocks noGrp="true"/>
+            <a:spLocks noGrp="1"/>
           </p:cNvSpPr>
           <p:nvPr>
             <p:ph type="body" idx="1"/>
@@ -2454,7 +2444,6 @@
               <a:rPr lang="en-US"/>
               <a:t>Click to edit Master text styles</a:t>
             </a:r>
-            <a:endParaRPr lang="en-US"/>
           </a:p>
           <a:p>
             <a:pPr lvl="1"/>
@@ -2462,7 +2451,6 @@
               <a:rPr lang="en-US"/>
               <a:t>Second level</a:t>
             </a:r>
-            <a:endParaRPr lang="en-US"/>
           </a:p>
           <a:p>
             <a:pPr lvl="2"/>
@@ -2470,7 +2458,6 @@
               <a:rPr lang="en-US"/>
               <a:t>Third level</a:t>
             </a:r>
-            <a:endParaRPr lang="en-US"/>
           </a:p>
           <a:p>
             <a:pPr lvl="3"/>
@@ -2478,7 +2465,6 @@
               <a:rPr lang="en-US"/>
               <a:t>Fourth level</a:t>
             </a:r>
-            <a:endParaRPr lang="en-US"/>
           </a:p>
           <a:p>
             <a:pPr lvl="4"/>
@@ -2494,7 +2480,7 @@
         <p:nvSpPr>
           <p:cNvPr id="4" name="Date Placeholder 3"/>
           <p:cNvSpPr>
-            <a:spLocks noGrp="true"/>
+            <a:spLocks noGrp="1"/>
           </p:cNvSpPr>
           <p:nvPr>
             <p:ph type="dt" sz="half" idx="2"/>
@@ -2525,6 +2511,7 @@
           <a:p>
             <a:fld id="{8F7C5816-6D61-4151-8709-B4479328FDC3}" type="datetimeFigureOut">
               <a:rPr lang="en-IN" smtClean="0"/>
+              <a:t>09-09-2021</a:t>
             </a:fld>
             <a:endParaRPr lang="en-IN"/>
           </a:p>
@@ -2534,7 +2521,7 @@
         <p:nvSpPr>
           <p:cNvPr id="5" name="Footer Placeholder 4"/>
           <p:cNvSpPr>
-            <a:spLocks noGrp="true"/>
+            <a:spLocks noGrp="1"/>
           </p:cNvSpPr>
           <p:nvPr>
             <p:ph type="ftr" sz="quarter" idx="3"/>
@@ -2571,7 +2558,7 @@
         <p:nvSpPr>
           <p:cNvPr id="6" name="Slide Number Placeholder 5"/>
           <p:cNvSpPr>
-            <a:spLocks noGrp="true"/>
+            <a:spLocks noGrp="1"/>
           </p:cNvSpPr>
           <p:nvPr>
             <p:ph type="sldNum" sz="quarter" idx="4"/>
@@ -2602,6 +2589,7 @@
           <a:p>
             <a:fld id="{8A446C93-5C86-4F64-AA4E-590B407406CD}" type="slidenum">
               <a:rPr lang="en-IN" smtClean="0"/>
+              <a:t>‹#›</a:t>
             </a:fld>
             <a:endParaRPr lang="en-IN"/>
           </a:p>
@@ -2966,10 +2954,11 @@
           <a:p>
             <a:pPr algn="ctr"/>
             <a:r>
-              <a:rPr lang="en-US" sz="1400" dirty="0"/>
+              <a:rPr lang="en-US" sz="1400" dirty="0">
+                <a:latin typeface="Arial Nova" panose="020B0604020202020204" pitchFamily="34" charset="0"/>
+              </a:rPr>
               <a:t>PVPSIT ACM</a:t>
             </a:r>
-            <a:endParaRPr lang="en-US" sz="1400" dirty="0"/>
           </a:p>
         </p:txBody>
       </p:sp>
@@ -3016,46 +3005,68 @@
           <a:p>
             <a:pPr algn="ctr"/>
             <a:r>
-              <a:rPr lang="en-US" sz="1400" dirty="0"/>
+              <a:rPr lang="en-US" sz="1400" dirty="0">
+                <a:latin typeface="Arial Nova" panose="020B0604020202020204" pitchFamily="34" charset="0"/>
+              </a:rPr>
               <a:t>Home</a:t>
             </a:r>
             <a:r>
-              <a:rPr lang="" altLang="en-US" sz="1400" dirty="0"/>
+              <a:rPr lang="" altLang="en-US" sz="1400" dirty="0">
+                <a:latin typeface="Arial Nova" panose="020B0604020202020204" pitchFamily="34" charset="0"/>
+              </a:rPr>
               <a:t>  </a:t>
             </a:r>
             <a:r>
-              <a:rPr lang="en-US" sz="1400" dirty="0"/>
+              <a:rPr lang="en-US" sz="1400" dirty="0">
+                <a:latin typeface="Arial Nova" panose="020B0604020202020204" pitchFamily="34" charset="0"/>
+              </a:rPr>
               <a:t>About U</a:t>
             </a:r>
             <a:r>
-              <a:rPr lang="en-US" altLang="en-US" sz="1400" dirty="0"/>
+              <a:rPr lang="en-US" altLang="en-US" sz="1400" dirty="0">
+                <a:latin typeface="Arial Nova" panose="020B0604020202020204" pitchFamily="34" charset="0"/>
+              </a:rPr>
               <a:t>s</a:t>
             </a:r>
             <a:r>
-              <a:rPr lang="" altLang="en-US" sz="1400" dirty="0"/>
+              <a:rPr lang="" altLang="en-US" sz="1400" dirty="0">
+                <a:latin typeface="Arial Nova" panose="020B0604020202020204" pitchFamily="34" charset="0"/>
+              </a:rPr>
               <a:t>  </a:t>
             </a:r>
             <a:r>
-              <a:rPr lang="en-US" sz="1400" dirty="0"/>
+              <a:rPr lang="en-US" sz="1400" dirty="0">
+                <a:latin typeface="Arial Nova" panose="020B0604020202020204" pitchFamily="34" charset="0"/>
+              </a:rPr>
               <a:t>Gallery   By Laws     Members    </a:t>
             </a:r>
             <a:r>
-              <a:rPr lang="en-US" sz="1400" dirty="0" err="1"/>
+              <a:rPr lang="en-US" sz="1400" dirty="0" err="1">
+                <a:latin typeface="Arial Nova" panose="020B0604020202020204" pitchFamily="34" charset="0"/>
+              </a:rPr>
               <a:t>TechNews</a:t>
             </a:r>
             <a:r>
-              <a:rPr lang="en-US" sz="1400" dirty="0"/>
+              <a:rPr lang="en-US" sz="1400" dirty="0">
+                <a:latin typeface="Arial Nova" panose="020B0604020202020204" pitchFamily="34" charset="0"/>
+              </a:rPr>
               <a:t>     CareerNews</a:t>
             </a:r>
             <a:r>
-              <a:rPr lang="en-US" sz="1600" dirty="0"/>
+              <a:rPr lang="en-US" sz="1600" dirty="0">
+                <a:latin typeface="Arial Nova" panose="020B0604020202020204" pitchFamily="34" charset="0"/>
+              </a:rPr>
               <a:t>     </a:t>
             </a:r>
             <a:r>
-              <a:rPr lang="en-US" sz="1400" dirty="0"/>
+              <a:rPr lang="en-US" sz="1400" dirty="0">
+                <a:latin typeface="Arial Nova" panose="020B0604020202020204" pitchFamily="34" charset="0"/>
+              </a:rPr>
               <a:t>Alumni    Login</a:t>
             </a:r>
-            <a:endParaRPr lang="en-IN" sz="1400" dirty="0"/>
+            <a:endParaRPr lang="en-IN" sz="1400" dirty="0">
+              <a:latin typeface="Arial Nova" panose="020B0604020202020204" pitchFamily="34" charset="0"/>
+            </a:endParaRPr>
           </a:p>
         </p:txBody>
       </p:sp>
@@ -3104,66 +3115,78 @@
           <a:lstStyle/>
           <a:p>
             <a:r>
-              <a:rPr lang="en-US" altLang="en-US" sz="1400" dirty="0"/>
+              <a:rPr lang="en-US" altLang="en-US" sz="1400" dirty="0">
+                <a:latin typeface="Arial Nova" panose="020B0604020202020204" pitchFamily="34" charset="0"/>
+              </a:rPr>
               <a:t>Useful Links:</a:t>
             </a:r>
-            <a:endParaRPr lang="en-US" altLang="en-US" sz="1400" dirty="0"/>
-          </a:p>
-          <a:p>
-            <a:r>
-              <a:rPr lang="en-US" sz="1200" dirty="0"/>
+          </a:p>
+          <a:p>
+            <a:r>
+              <a:rPr lang="en-US" sz="1200" dirty="0">
+                <a:latin typeface="Arial Nova" panose="020B0604020202020204" pitchFamily="34" charset="0"/>
+              </a:rPr>
               <a:t>About ACM</a:t>
             </a:r>
-            <a:endParaRPr lang="en-US" sz="1200" dirty="0"/>
-          </a:p>
-          <a:p>
-            <a:r>
-              <a:rPr lang="en-US" sz="1200" dirty="0"/>
+          </a:p>
+          <a:p>
+            <a:r>
+              <a:rPr lang="en-US" sz="1200" dirty="0">
+                <a:latin typeface="Arial Nova" panose="020B0604020202020204" pitchFamily="34" charset="0"/>
+              </a:rPr>
               <a:t>Join ACM</a:t>
             </a:r>
-            <a:endParaRPr lang="en-US" sz="1200" dirty="0"/>
-          </a:p>
-          <a:p>
-            <a:r>
-              <a:rPr lang="en-US" sz="1200" dirty="0"/>
+          </a:p>
+          <a:p>
+            <a:r>
+              <a:rPr lang="en-US" sz="1200" dirty="0">
+                <a:latin typeface="Arial Nova" panose="020B0604020202020204" pitchFamily="34" charset="0"/>
+              </a:rPr>
               <a:t>ACM Digital Library</a:t>
             </a:r>
-            <a:endParaRPr lang="en-US" sz="1200" dirty="0"/>
-          </a:p>
-          <a:p>
-            <a:r>
-              <a:rPr lang="en-US" sz="1200" dirty="0"/>
+          </a:p>
+          <a:p>
+            <a:r>
+              <a:rPr lang="en-US" sz="1200" dirty="0">
+                <a:latin typeface="Arial Nova" panose="020B0604020202020204" pitchFamily="34" charset="0"/>
+              </a:rPr>
               <a:t>Contact ACM</a:t>
             </a:r>
-            <a:endParaRPr lang="en-US" sz="1200" dirty="0"/>
-          </a:p>
-          <a:p>
-            <a:r>
-              <a:rPr lang="en-US" sz="1200" dirty="0"/>
+          </a:p>
+          <a:p>
+            <a:r>
+              <a:rPr lang="en-US" sz="1200" dirty="0">
+                <a:latin typeface="Arial Nova" panose="020B0604020202020204" pitchFamily="34" charset="0"/>
+              </a:rPr>
               <a:t>ACM Policies</a:t>
             </a:r>
-            <a:endParaRPr lang="en-US" sz="1200" dirty="0"/>
-          </a:p>
-          <a:p>
-            <a:r>
-              <a:rPr lang="en-US" sz="1200" dirty="0"/>
+          </a:p>
+          <a:p>
+            <a:r>
+              <a:rPr lang="en-US" sz="1200" dirty="0">
+                <a:latin typeface="Arial Nova" panose="020B0604020202020204" pitchFamily="34" charset="0"/>
+              </a:rPr>
               <a:t>ACM Membership</a:t>
             </a:r>
-            <a:endParaRPr lang="en-US" sz="1200" dirty="0"/>
-          </a:p>
-          <a:p>
-            <a:r>
-              <a:rPr lang="en-US" sz="1200" dirty="0"/>
+          </a:p>
+          <a:p>
+            <a:r>
+              <a:rPr lang="en-US" sz="1200" dirty="0">
+                <a:latin typeface="Arial Nova" panose="020B0604020202020204" pitchFamily="34" charset="0"/>
+              </a:rPr>
               <a:t>ACM chapters</a:t>
             </a:r>
-            <a:endParaRPr lang="en-US" sz="1200" dirty="0"/>
-          </a:p>
-          <a:p>
-            <a:r>
-              <a:rPr lang="en-US" sz="1200" dirty="0"/>
+          </a:p>
+          <a:p>
+            <a:r>
+              <a:rPr lang="en-US" sz="1200" dirty="0">
+                <a:latin typeface="Arial Nova" panose="020B0604020202020204" pitchFamily="34" charset="0"/>
+              </a:rPr>
               <a:t>Career and Job Center </a:t>
             </a:r>
-            <a:endParaRPr lang="en-IN" sz="1200" dirty="0"/>
+            <a:endParaRPr lang="en-IN" sz="1200" dirty="0">
+              <a:latin typeface="Arial Nova" panose="020B0604020202020204" pitchFamily="34" charset="0"/>
+            </a:endParaRPr>
           </a:p>
         </p:txBody>
       </p:sp>
@@ -3212,7 +3235,9 @@
           <a:lstStyle/>
           <a:p>
             <a:pPr algn="l"/>
-            <a:endParaRPr lang="en-US" altLang="en-US" sz="1200"/>
+            <a:endParaRPr lang="en-US" altLang="en-US" sz="1200">
+              <a:latin typeface="Arial Nova" panose="020B0604020202020204" pitchFamily="34" charset="0"/>
+            </a:endParaRPr>
           </a:p>
         </p:txBody>
       </p:sp>
@@ -3263,57 +3288,69 @@
             <a:pPr algn="l"/>
             <a:r>
               <a:rPr lang="en-US" dirty="0">
+                <a:latin typeface="Arial Nova" panose="020B0604020202020204" pitchFamily="34" charset="0"/>
                 <a:sym typeface="+mn-ea"/>
               </a:rPr>
               <a:t>Contact Us:</a:t>
             </a:r>
-            <a:endParaRPr lang="en-US" dirty="0"/>
+            <a:endParaRPr lang="en-US" dirty="0">
+              <a:latin typeface="Arial Nova" panose="020B0604020202020204" pitchFamily="34" charset="0"/>
+            </a:endParaRPr>
           </a:p>
           <a:p>
             <a:pPr algn="l"/>
             <a:r>
               <a:rPr lang="en-US" sz="1200" dirty="0">
+                <a:latin typeface="Arial Nova" panose="020B0604020202020204" pitchFamily="34" charset="0"/>
                 <a:sym typeface="+mn-ea"/>
               </a:rPr>
               <a:t>PVP </a:t>
             </a:r>
             <a:r>
               <a:rPr lang="en-US" sz="1200" dirty="0" err="1">
+                <a:latin typeface="Arial Nova" panose="020B0604020202020204" pitchFamily="34" charset="0"/>
                 <a:sym typeface="+mn-ea"/>
               </a:rPr>
               <a:t>Sidddhartha</a:t>
             </a:r>
             <a:r>
               <a:rPr lang="en-US" sz="1200" dirty="0">
+                <a:latin typeface="Arial Nova" panose="020B0604020202020204" pitchFamily="34" charset="0"/>
                 <a:sym typeface="+mn-ea"/>
               </a:rPr>
               <a:t> </a:t>
             </a:r>
             <a:r>
               <a:rPr lang="en-US" sz="1200" dirty="0" err="1">
+                <a:latin typeface="Arial Nova" panose="020B0604020202020204" pitchFamily="34" charset="0"/>
                 <a:sym typeface="+mn-ea"/>
               </a:rPr>
               <a:t>Intitute</a:t>
             </a:r>
             <a:r>
               <a:rPr lang="en-US" sz="1200" dirty="0">
+                <a:latin typeface="Arial Nova" panose="020B0604020202020204" pitchFamily="34" charset="0"/>
                 <a:sym typeface="+mn-ea"/>
               </a:rPr>
               <a:t> of Technology Vijayawada </a:t>
             </a:r>
             <a:r>
               <a:rPr lang="en-US" sz="1200">
+                <a:latin typeface="Arial Nova" panose="020B0604020202020204" pitchFamily="34" charset="0"/>
                 <a:sym typeface="+mn-ea"/>
               </a:rPr>
               <a:t>ACM Student Chapter</a:t>
             </a:r>
             <a:r>
               <a:rPr lang="en-US" altLang="en-US" sz="1200">
+                <a:latin typeface="Arial Nova" panose="020B0604020202020204" pitchFamily="34" charset="0"/>
                 <a:sym typeface="+mn-ea"/>
               </a:rPr>
               <a:t>...........</a:t>
             </a:r>
-            <a:endParaRPr lang="en-IN" sz="1200"/>
+            <a:endParaRPr lang="en-IN" sz="1200">
+              <a:latin typeface="Arial Nova" panose="020B0604020202020204" pitchFamily="34" charset="0"/>
+            </a:endParaRPr>
           </a:p>
         </p:txBody>
       </p:sp>
@@ -3356,9 +3393,12 @@
         </p:style>
         <p:txBody>
           <a:bodyPr rtlCol="0" anchor="ctr"/>
+          <a:lstStyle/>
           <a:p>
             <a:pPr algn="ctr"/>
-            <a:endParaRPr lang="en-US"/>
+            <a:endParaRPr lang="en-US">
+              <a:latin typeface="Arial Nova" panose="020B0604020202020204" pitchFamily="34" charset="0"/>
+            </a:endParaRPr>
           </a:p>
         </p:txBody>
       </p:sp>
@@ -3401,9 +3441,12 @@
         </p:style>
         <p:txBody>
           <a:bodyPr rtlCol="0" anchor="ctr"/>
+          <a:lstStyle/>
           <a:p>
             <a:pPr algn="ctr"/>
-            <a:endParaRPr lang="en-US"/>
+            <a:endParaRPr lang="en-US">
+              <a:latin typeface="Arial Nova" panose="020B0604020202020204" pitchFamily="34" charset="0"/>
+            </a:endParaRPr>
           </a:p>
         </p:txBody>
       </p:sp>
@@ -3449,9 +3492,12 @@
         </p:style>
         <p:txBody>
           <a:bodyPr rtlCol="0" anchor="ctr"/>
+          <a:lstStyle/>
           <a:p>
             <a:pPr algn="l"/>
-            <a:endParaRPr lang="en-US" altLang="en-US" sz="1200"/>
+            <a:endParaRPr lang="en-US" altLang="en-US" sz="1200">
+              <a:latin typeface="Arial Nova" panose="020B0604020202020204" pitchFamily="34" charset="0"/>
+            </a:endParaRPr>
           </a:p>
         </p:txBody>
       </p:sp>
@@ -3497,9 +3543,12 @@
         </p:style>
         <p:txBody>
           <a:bodyPr rtlCol="0" anchor="ctr"/>
+          <a:lstStyle/>
           <a:p>
             <a:pPr algn="l"/>
-            <a:endParaRPr lang="en-US" altLang="en-US" sz="1200"/>
+            <a:endParaRPr lang="en-US" altLang="en-US" sz="1200">
+              <a:latin typeface="Arial Nova" panose="020B0604020202020204" pitchFamily="34" charset="0"/>
+            </a:endParaRPr>
           </a:p>
         </p:txBody>
       </p:sp>
@@ -3520,11 +3569,18 @@
         <p:cNvGrpSpPr/>
         <p:nvPr/>
       </p:nvGrpSpPr>
-      <p:grpSpPr/>
+      <p:grpSpPr>
+        <a:xfrm>
+          <a:off x="0" y="0"/>
+          <a:ext cx="0" cy="0"/>
+          <a:chOff x="0" y="0"/>
+          <a:chExt cx="0" cy="0"/>
+        </a:xfrm>
+      </p:grpSpPr>
       <p:sp>
         <p:nvSpPr>
           <p:cNvPr id="4" name="Text Box 3"/>
-          <p:cNvSpPr txBox="true"/>
+          <p:cNvSpPr txBox="1"/>
           <p:nvPr/>
         </p:nvSpPr>
         <p:spPr>
@@ -3541,12 +3597,12 @@
           <a:bodyPr wrap="square" rtlCol="0">
             <a:spAutoFit/>
           </a:bodyPr>
+          <a:lstStyle/>
           <a:p>
             <a:r>
               <a:rPr lang="en-US" altLang="en-US"/>
               <a:t>Home, Tech News, Career News pages layout</a:t>
             </a:r>
-            <a:endParaRPr lang="en-US" altLang="en-US"/>
           </a:p>
         </p:txBody>
       </p:sp>
@@ -3581,6 +3637,7 @@
         </p:style>
         <p:txBody>
           <a:bodyPr rtlCol="0" anchor="ctr"/>
+          <a:lstStyle/>
           <a:p>
             <a:pPr algn="ctr"/>
             <a:endParaRPr lang="en-US"/>
@@ -3623,13 +3680,13 @@
         </p:style>
         <p:txBody>
           <a:bodyPr rtlCol="0" anchor="ctr"/>
+          <a:lstStyle/>
           <a:p>
             <a:pPr algn="l"/>
             <a:r>
               <a:rPr lang="en-US" altLang="en-US"/>
               <a:t>AI Past Present Future Webinar</a:t>
             </a:r>
-            <a:endParaRPr lang="en-US" altLang="en-US"/>
           </a:p>
           <a:p>
             <a:pPr algn="l"/>
@@ -3645,7 +3702,6 @@
               <a:rPr lang="en-US" altLang="en-US"/>
               <a:t>31-12-2020</a:t>
             </a:r>
-            <a:endParaRPr lang="en-US" altLang="en-US"/>
           </a:p>
           <a:p>
             <a:pPr algn="l"/>
@@ -3689,6 +3745,7 @@
         </p:style>
         <p:txBody>
           <a:bodyPr rtlCol="0" anchor="ctr"/>
+          <a:lstStyle/>
           <a:p>
             <a:pPr algn="ctr"/>
             <a:endParaRPr lang="en-US"/>
@@ -3731,6 +3788,7 @@
         </p:style>
         <p:txBody>
           <a:bodyPr rtlCol="0" anchor="ctr"/>
+          <a:lstStyle/>
           <a:p>
             <a:pPr algn="ctr"/>
             <a:endParaRPr lang="en-US"/>
@@ -3773,6 +3831,7 @@
         </p:style>
         <p:txBody>
           <a:bodyPr rtlCol="0" anchor="ctr"/>
+          <a:lstStyle/>
           <a:p>
             <a:pPr algn="ctr"/>
             <a:endParaRPr lang="en-US"/>
@@ -3815,6 +3874,7 @@
         </p:style>
         <p:txBody>
           <a:bodyPr rtlCol="0" anchor="ctr"/>
+          <a:lstStyle/>
           <a:p>
             <a:pPr algn="ctr"/>
             <a:endParaRPr lang="en-US"/>
@@ -3857,6 +3917,7 @@
         </p:style>
         <p:txBody>
           <a:bodyPr rtlCol="0" anchor="ctr"/>
+          <a:lstStyle/>
           <a:p>
             <a:pPr algn="ctr"/>
             <a:endParaRPr lang="en-US"/>
@@ -3880,12 +3941,19 @@
         <p:cNvGrpSpPr/>
         <p:nvPr/>
       </p:nvGrpSpPr>
-      <p:grpSpPr/>
+      <p:grpSpPr>
+        <a:xfrm>
+          <a:off x="0" y="0"/>
+          <a:ext cx="0" cy="0"/>
+          <a:chOff x="0" y="0"/>
+          <a:chExt cx="0" cy="0"/>
+        </a:xfrm>
+      </p:grpSpPr>
       <p:sp>
         <p:nvSpPr>
           <p:cNvPr id="2" name="Title 1"/>
           <p:cNvSpPr>
-            <a:spLocks noGrp="true"/>
+            <a:spLocks noGrp="1"/>
           </p:cNvSpPr>
           <p:nvPr>
             <p:ph type="title"/>
@@ -3901,12 +3969,12 @@
           <a:bodyPr>
             <a:normAutofit/>
           </a:bodyPr>
+          <a:lstStyle/>
           <a:p>
             <a:r>
               <a:rPr lang="en-US" altLang="en-US" sz="1800"/>
               <a:t>Members Page layout</a:t>
             </a:r>
-            <a:endParaRPr lang="en-US" altLang="en-US" sz="1800"/>
           </a:p>
         </p:txBody>
       </p:sp>
@@ -3914,7 +3982,7 @@
         <p:nvSpPr>
           <p:cNvPr id="3" name="Content Placeholder 2"/>
           <p:cNvSpPr>
-            <a:spLocks noGrp="true"/>
+            <a:spLocks noGrp="1"/>
           </p:cNvSpPr>
           <p:nvPr>
             <p:ph idx="1"/>
@@ -3933,6 +4001,7 @@
         </p:spPr>
         <p:txBody>
           <a:bodyPr/>
+          <a:lstStyle/>
           <a:p>
             <a:pPr marL="0" indent="0">
               <a:buNone/>
@@ -3941,7 +4010,6 @@
               <a:rPr lang="en-US" altLang="en-US" sz="1200"/>
               <a:t>Sponsor:</a:t>
             </a:r>
-            <a:endParaRPr lang="en-US" altLang="en-US" sz="1200"/>
           </a:p>
           <a:p>
             <a:pPr marL="0" indent="0">
@@ -3981,7 +4049,6 @@
               <a:rPr lang="en-US" altLang="en-US" sz="1200"/>
               <a:t>Officers:</a:t>
             </a:r>
-            <a:endParaRPr lang="en-US" altLang="en-US" sz="1200"/>
           </a:p>
           <a:p>
             <a:pPr marL="0" indent="0">
@@ -4015,7 +4082,6 @@
               <a:rPr lang="en-US" altLang="en-US" sz="1200"/>
               <a:t>...</a:t>
             </a:r>
-            <a:endParaRPr lang="en-US" altLang="en-US" sz="1200"/>
           </a:p>
           <a:p>
             <a:pPr marL="0" indent="0">
@@ -4031,7 +4097,6 @@
               <a:rPr lang="en-US" altLang="en-US" sz="1200"/>
               <a:t>Student Members:</a:t>
             </a:r>
-            <a:endParaRPr lang="en-US" altLang="en-US" sz="1200"/>
           </a:p>
           <a:p>
             <a:pPr marL="0" indent="0">
@@ -4041,7 +4106,6 @@
               <a:rPr lang="en-US" altLang="en-US" sz="1200"/>
               <a:t>...</a:t>
             </a:r>
-            <a:endParaRPr lang="en-US" altLang="en-US" sz="1200"/>
           </a:p>
           <a:p>
             <a:pPr marL="0" indent="0">
@@ -4057,7 +4121,6 @@
               <a:rPr lang="en-US" altLang="en-US" sz="1200"/>
               <a:t>Faculty Members:</a:t>
             </a:r>
-            <a:endParaRPr lang="en-US" altLang="en-US" sz="1200"/>
           </a:p>
           <a:p>
             <a:pPr marL="0" indent="0">
@@ -4067,7 +4130,6 @@
               <a:rPr lang="en-US" altLang="en-US" sz="1200"/>
               <a:t>...</a:t>
             </a:r>
-            <a:endParaRPr lang="en-US" altLang="en-US" sz="1200"/>
           </a:p>
         </p:txBody>
       </p:sp>
@@ -4075,12 +4137,12 @@
         <p:nvPicPr>
           <p:cNvPr id="4" name="Picture 3" descr="image"/>
           <p:cNvPicPr>
-            <a:picLocks noChangeAspect="true"/>
+            <a:picLocks noChangeAspect="1"/>
           </p:cNvPicPr>
           <p:nvPr/>
         </p:nvPicPr>
         <p:blipFill>
-          <a:blip r:embed="rId1"/>
+          <a:blip r:embed="rId2"/>
           <a:stretch>
             <a:fillRect/>
           </a:stretch>
@@ -4098,7 +4160,7 @@
       <p:sp>
         <p:nvSpPr>
           <p:cNvPr id="5" name="Text Box 4"/>
-          <p:cNvSpPr txBox="true"/>
+          <p:cNvSpPr txBox="1"/>
           <p:nvPr/>
         </p:nvSpPr>
         <p:spPr>
@@ -4115,19 +4177,18 @@
           <a:bodyPr wrap="square" rtlCol="0">
             <a:spAutoFit/>
           </a:bodyPr>
+          <a:lstStyle/>
           <a:p>
             <a:r>
               <a:rPr lang="en-US" altLang="en-US" sz="1200"/>
               <a:t>Prof. M. V. Ramakrishna</a:t>
             </a:r>
-            <a:endParaRPr lang="en-US" altLang="en-US" sz="1200"/>
           </a:p>
           <a:p>
             <a:r>
               <a:rPr lang="en-US" altLang="en-US" sz="1200"/>
               <a:t>CSE</a:t>
             </a:r>
-            <a:endParaRPr lang="en-US" altLang="en-US" sz="1200"/>
           </a:p>
         </p:txBody>
       </p:sp>
@@ -4135,12 +4196,12 @@
         <p:nvPicPr>
           <p:cNvPr id="6" name="Picture 5" descr="image"/>
           <p:cNvPicPr>
-            <a:picLocks noChangeAspect="true"/>
+            <a:picLocks noChangeAspect="1"/>
           </p:cNvPicPr>
           <p:nvPr/>
         </p:nvPicPr>
         <p:blipFill>
-          <a:blip r:embed="rId1"/>
+          <a:blip r:embed="rId2"/>
           <a:stretch>
             <a:fillRect/>
           </a:stretch>
@@ -4158,7 +4219,7 @@
       <p:sp>
         <p:nvSpPr>
           <p:cNvPr id="8" name="Text Box 7"/>
-          <p:cNvSpPr txBox="true"/>
+          <p:cNvSpPr txBox="1"/>
           <p:nvPr/>
         </p:nvSpPr>
         <p:spPr>
@@ -4175,12 +4236,12 @@
           <a:bodyPr wrap="square" rtlCol="0">
             <a:spAutoFit/>
           </a:bodyPr>
+          <a:lstStyle/>
           <a:p>
             <a:r>
               <a:rPr lang="en-US" altLang="en-US" sz="1200"/>
               <a:t>Chair</a:t>
             </a:r>
-            <a:endParaRPr lang="en-US" altLang="en-US" sz="1200"/>
           </a:p>
           <a:p>
             <a:endParaRPr lang="en-US" altLang="en-US" sz="1200"/>
@@ -4190,14 +4251,12 @@
               <a:rPr lang="en-US" altLang="en-US" sz="1200"/>
               <a:t>Sai Siddhartha Parvathaneni</a:t>
             </a:r>
-            <a:endParaRPr lang="en-US" altLang="en-US" sz="1200"/>
           </a:p>
           <a:p>
             <a:r>
               <a:rPr lang="en-US" altLang="en-US" sz="1200"/>
               <a:t>sai.siddhartha.parvathaneni@gmail.com</a:t>
             </a:r>
-            <a:endParaRPr lang="en-US" altLang="en-US" sz="1200"/>
           </a:p>
         </p:txBody>
       </p:sp>
@@ -4205,12 +4264,12 @@
         <p:nvPicPr>
           <p:cNvPr id="9" name="Picture 8" descr="image"/>
           <p:cNvPicPr>
-            <a:picLocks noChangeAspect="true"/>
+            <a:picLocks noChangeAspect="1"/>
           </p:cNvPicPr>
           <p:nvPr/>
         </p:nvPicPr>
         <p:blipFill>
-          <a:blip r:embed="rId1"/>
+          <a:blip r:embed="rId2"/>
           <a:stretch>
             <a:fillRect/>
           </a:stretch>
@@ -4228,7 +4287,7 @@
       <p:sp>
         <p:nvSpPr>
           <p:cNvPr id="10" name="Text Box 9"/>
-          <p:cNvSpPr txBox="true"/>
+          <p:cNvSpPr txBox="1"/>
           <p:nvPr/>
         </p:nvSpPr>
         <p:spPr>
@@ -4245,12 +4304,12 @@
           <a:bodyPr wrap="square" rtlCol="0">
             <a:spAutoFit/>
           </a:bodyPr>
+          <a:lstStyle/>
           <a:p>
             <a:r>
               <a:rPr lang="en-US" altLang="en-US" sz="1200"/>
               <a:t>Vice Chair</a:t>
             </a:r>
-            <a:endParaRPr lang="en-US" altLang="en-US" sz="1200"/>
           </a:p>
           <a:p>
             <a:endParaRPr lang="en-US" altLang="en-US" sz="1200"/>
@@ -4260,7 +4319,6 @@
               <a:rPr lang="en-US" altLang="en-US" sz="1200"/>
               <a:t>...</a:t>
             </a:r>
-            <a:endParaRPr lang="en-US" altLang="en-US" sz="1200"/>
           </a:p>
         </p:txBody>
       </p:sp>
@@ -4390,7 +4448,7 @@
         <a:solidFill>
           <a:schemeClr val="phClr"/>
         </a:solidFill>
-        <a:gradFill rotWithShape="true">
+        <a:gradFill rotWithShape="1">
           <a:gsLst>
             <a:gs pos="0">
               <a:schemeClr val="phClr">
@@ -4414,9 +4472,9 @@
               </a:schemeClr>
             </a:gs>
           </a:gsLst>
-          <a:lin ang="5400000" scaled="false"/>
+          <a:lin ang="5400000" scaled="0"/>
         </a:gradFill>
-        <a:gradFill rotWithShape="true">
+        <a:gradFill rotWithShape="1">
           <a:gsLst>
             <a:gs pos="0">
               <a:schemeClr val="phClr">
@@ -4440,7 +4498,7 @@
               </a:schemeClr>
             </a:gs>
           </a:gsLst>
-          <a:lin ang="5400000" scaled="false"/>
+          <a:lin ang="5400000" scaled="0"/>
         </a:gradFill>
       </a:fillStyleLst>
       <a:lnStyleLst>
@@ -4493,7 +4551,7 @@
             <a:satMod val="170000"/>
           </a:schemeClr>
         </a:solidFill>
-        <a:gradFill rotWithShape="true">
+        <a:gradFill rotWithShape="1">
           <a:gsLst>
             <a:gs pos="0">
               <a:schemeClr val="phClr">
@@ -4518,11 +4576,13 @@
               </a:schemeClr>
             </a:gs>
           </a:gsLst>
-          <a:lin ang="5400000" scaled="false"/>
+          <a:lin ang="5400000" scaled="0"/>
         </a:gradFill>
       </a:bgFillStyleLst>
     </a:fmtScheme>
   </a:themeElements>
+  <a:objectDefaults/>
+  <a:extraClrSchemeLst/>
   <a:extLst>
     <a:ext uri="{05A4C25C-085E-4340-85A3-A5531E510DB2}">
       <thm15:themeFamily xmlns:thm15="http://schemas.microsoft.com/office/thememl/2012/main" name="Office Theme" id="{62F939B6-93AF-4DB8-9C6B-D6C7DFDC589F}" vid="{4A3C46E8-61CC-4603-A589-7422A47A8E4A}"/>
